--- a/submit/LittleJava语言简介.pptx
+++ b/submit/LittleJava语言简介.pptx
@@ -1,23 +1,118 @@
 
 <file path=ppt/presentation.xml><?xml version="1.0" encoding="utf-8"?>
-<p:presentation xmlns:a="http://schemas.openxmlformats.org/drawingml/2006/main" xmlns:p="http://schemas.openxmlformats.org/presentationml/2006/main" xmlns:r="http://schemas.openxmlformats.org/officeDocument/2006/relationships">
+<p:presentation xmlns:a="http://schemas.openxmlformats.org/drawingml/2006/main" xmlns:r="http://schemas.openxmlformats.org/officeDocument/2006/relationships" xmlns:p="http://schemas.openxmlformats.org/presentationml/2006/main">
   <p:sldMasterIdLst>
-    <p:sldMasterId id="2147483648" r:id="rId2"/>
+    <p:sldMasterId id="2147483648" r:id="rId1"/>
   </p:sldMasterIdLst>
   <p:sldIdLst>
-    <p:sldId id="256" r:id="rId3"/>
-    <p:sldId id="257" r:id="rId4"/>
-    <p:sldId id="258" r:id="rId5"/>
-    <p:sldId id="259" r:id="rId6"/>
-    <p:sldId id="260" r:id="rId7"/>
+    <p:sldId id="256" r:id="rId2"/>
+    <p:sldId id="257" r:id="rId3"/>
+    <p:sldId id="258" r:id="rId4"/>
+    <p:sldId id="259" r:id="rId5"/>
+    <p:sldId id="260" r:id="rId6"/>
   </p:sldIdLst>
-  <p:sldSz cx="9144000" cy="6858000"/>
+  <p:sldSz cx="9144000" cy="6858000" type="screen4x3"/>
   <p:notesSz cx="7772400" cy="10058400"/>
+  <p:defaultTextStyle>
+    <a:defPPr>
+      <a:defRPr lang="zh-CN"/>
+    </a:defPPr>
+    <a:lvl1pPr marL="0" algn="l" defTabSz="914400" rtl="0" eaLnBrk="1" latinLnBrk="0" hangingPunct="1">
+      <a:defRPr sz="1800" kern="1200">
+        <a:solidFill>
+          <a:schemeClr val="tx1"/>
+        </a:solidFill>
+        <a:latin typeface="+mn-lt"/>
+        <a:ea typeface="+mn-ea"/>
+        <a:cs typeface="+mn-cs"/>
+      </a:defRPr>
+    </a:lvl1pPr>
+    <a:lvl2pPr marL="457200" algn="l" defTabSz="914400" rtl="0" eaLnBrk="1" latinLnBrk="0" hangingPunct="1">
+      <a:defRPr sz="1800" kern="1200">
+        <a:solidFill>
+          <a:schemeClr val="tx1"/>
+        </a:solidFill>
+        <a:latin typeface="+mn-lt"/>
+        <a:ea typeface="+mn-ea"/>
+        <a:cs typeface="+mn-cs"/>
+      </a:defRPr>
+    </a:lvl2pPr>
+    <a:lvl3pPr marL="914400" algn="l" defTabSz="914400" rtl="0" eaLnBrk="1" latinLnBrk="0" hangingPunct="1">
+      <a:defRPr sz="1800" kern="1200">
+        <a:solidFill>
+          <a:schemeClr val="tx1"/>
+        </a:solidFill>
+        <a:latin typeface="+mn-lt"/>
+        <a:ea typeface="+mn-ea"/>
+        <a:cs typeface="+mn-cs"/>
+      </a:defRPr>
+    </a:lvl3pPr>
+    <a:lvl4pPr marL="1371600" algn="l" defTabSz="914400" rtl="0" eaLnBrk="1" latinLnBrk="0" hangingPunct="1">
+      <a:defRPr sz="1800" kern="1200">
+        <a:solidFill>
+          <a:schemeClr val="tx1"/>
+        </a:solidFill>
+        <a:latin typeface="+mn-lt"/>
+        <a:ea typeface="+mn-ea"/>
+        <a:cs typeface="+mn-cs"/>
+      </a:defRPr>
+    </a:lvl4pPr>
+    <a:lvl5pPr marL="1828800" algn="l" defTabSz="914400" rtl="0" eaLnBrk="1" latinLnBrk="0" hangingPunct="1">
+      <a:defRPr sz="1800" kern="1200">
+        <a:solidFill>
+          <a:schemeClr val="tx1"/>
+        </a:solidFill>
+        <a:latin typeface="+mn-lt"/>
+        <a:ea typeface="+mn-ea"/>
+        <a:cs typeface="+mn-cs"/>
+      </a:defRPr>
+    </a:lvl5pPr>
+    <a:lvl6pPr marL="2286000" algn="l" defTabSz="914400" rtl="0" eaLnBrk="1" latinLnBrk="0" hangingPunct="1">
+      <a:defRPr sz="1800" kern="1200">
+        <a:solidFill>
+          <a:schemeClr val="tx1"/>
+        </a:solidFill>
+        <a:latin typeface="+mn-lt"/>
+        <a:ea typeface="+mn-ea"/>
+        <a:cs typeface="+mn-cs"/>
+      </a:defRPr>
+    </a:lvl6pPr>
+    <a:lvl7pPr marL="2743200" algn="l" defTabSz="914400" rtl="0" eaLnBrk="1" latinLnBrk="0" hangingPunct="1">
+      <a:defRPr sz="1800" kern="1200">
+        <a:solidFill>
+          <a:schemeClr val="tx1"/>
+        </a:solidFill>
+        <a:latin typeface="+mn-lt"/>
+        <a:ea typeface="+mn-ea"/>
+        <a:cs typeface="+mn-cs"/>
+      </a:defRPr>
+    </a:lvl7pPr>
+    <a:lvl8pPr marL="3200400" algn="l" defTabSz="914400" rtl="0" eaLnBrk="1" latinLnBrk="0" hangingPunct="1">
+      <a:defRPr sz="1800" kern="1200">
+        <a:solidFill>
+          <a:schemeClr val="tx1"/>
+        </a:solidFill>
+        <a:latin typeface="+mn-lt"/>
+        <a:ea typeface="+mn-ea"/>
+        <a:cs typeface="+mn-cs"/>
+      </a:defRPr>
+    </a:lvl8pPr>
+    <a:lvl9pPr marL="3657600" algn="l" defTabSz="914400" rtl="0" eaLnBrk="1" latinLnBrk="0" hangingPunct="1">
+      <a:defRPr sz="1800" kern="1200">
+        <a:solidFill>
+          <a:schemeClr val="tx1"/>
+        </a:solidFill>
+        <a:latin typeface="+mn-lt"/>
+        <a:ea typeface="+mn-ea"/>
+        <a:cs typeface="+mn-cs"/>
+      </a:defRPr>
+    </a:lvl9pPr>
+  </p:defaultTextStyle>
 </p:presentation>
 </file>
 
 <file path=ppt/slideLayouts/slideLayout1.xml><?xml version="1.0" encoding="utf-8"?>
-<p:sldLayout xmlns:a="http://schemas.openxmlformats.org/drawingml/2006/main" xmlns:p="http://schemas.openxmlformats.org/presentationml/2006/main" xmlns:r="http://schemas.openxmlformats.org/officeDocument/2006/relationships" preserve="1" type="blank">
+<p:sldLayout xmlns:a="http://schemas.openxmlformats.org/drawingml/2006/main" xmlns:r="http://schemas.openxmlformats.org/officeDocument/2006/relationships" xmlns:p="http://schemas.openxmlformats.org/presentationml/2006/main" type="blank" preserve="1">
   <p:cSld name="Blank Slide">
     <p:spTree>
       <p:nvGrpSpPr>
@@ -35,11 +130,14 @@
       </p:grpSpPr>
     </p:spTree>
   </p:cSld>
+  <p:clrMapOvr>
+    <a:masterClrMapping/>
+  </p:clrMapOvr>
 </p:sldLayout>
 </file>
 
 <file path=ppt/slideLayouts/slideLayout10.xml><?xml version="1.0" encoding="utf-8"?>
-<p:sldLayout xmlns:a="http://schemas.openxmlformats.org/drawingml/2006/main" xmlns:p="http://schemas.openxmlformats.org/presentationml/2006/main" xmlns:r="http://schemas.openxmlformats.org/officeDocument/2006/relationships" preserve="1" type="objOverTx">
+<p:sldLayout xmlns:a="http://schemas.openxmlformats.org/drawingml/2006/main" xmlns:r="http://schemas.openxmlformats.org/officeDocument/2006/relationships" xmlns:p="http://schemas.openxmlformats.org/presentationml/2006/main" type="objOverTx" preserve="1">
   <p:cSld name="Title, Content over Content">
     <p:spTree>
       <p:nvGrpSpPr>
@@ -75,7 +173,8 @@
           </a:prstGeom>
         </p:spPr>
         <p:txBody>
-          <a:bodyPr anchor="ctr" bIns="0" lIns="0" rIns="0" tIns="0" wrap="none"/>
+          <a:bodyPr wrap="none" lIns="0" tIns="0" rIns="0" bIns="0" anchor="ctr"/>
+          <a:lstStyle/>
           <a:p>
             <a:endParaRPr/>
           </a:p>
@@ -101,7 +200,8 @@
           </a:prstGeom>
         </p:spPr>
         <p:txBody>
-          <a:bodyPr bIns="0" lIns="0" rIns="0" tIns="0" wrap="none"/>
+          <a:bodyPr wrap="none" lIns="0" tIns="0" rIns="0" bIns="0"/>
+          <a:lstStyle/>
           <a:p>
             <a:endParaRPr/>
           </a:p>
@@ -127,7 +227,8 @@
           </a:prstGeom>
         </p:spPr>
         <p:txBody>
-          <a:bodyPr bIns="0" lIns="0" rIns="0" tIns="0" wrap="none"/>
+          <a:bodyPr wrap="none" lIns="0" tIns="0" rIns="0" bIns="0"/>
+          <a:lstStyle/>
           <a:p>
             <a:endParaRPr/>
           </a:p>
@@ -135,11 +236,14 @@
       </p:sp>
     </p:spTree>
   </p:cSld>
+  <p:clrMapOvr>
+    <a:masterClrMapping/>
+  </p:clrMapOvr>
 </p:sldLayout>
 </file>
 
 <file path=ppt/slideLayouts/slideLayout11.xml><?xml version="1.0" encoding="utf-8"?>
-<p:sldLayout xmlns:a="http://schemas.openxmlformats.org/drawingml/2006/main" xmlns:p="http://schemas.openxmlformats.org/presentationml/2006/main" xmlns:r="http://schemas.openxmlformats.org/officeDocument/2006/relationships" preserve="1" type="fourObj">
+<p:sldLayout xmlns:a="http://schemas.openxmlformats.org/drawingml/2006/main" xmlns:r="http://schemas.openxmlformats.org/officeDocument/2006/relationships" xmlns:p="http://schemas.openxmlformats.org/presentationml/2006/main" type="fourObj" preserve="1">
   <p:cSld name="Title, 4 Content">
     <p:spTree>
       <p:nvGrpSpPr>
@@ -175,7 +279,8 @@
           </a:prstGeom>
         </p:spPr>
         <p:txBody>
-          <a:bodyPr anchor="ctr" bIns="0" lIns="0" rIns="0" tIns="0" wrap="none"/>
+          <a:bodyPr wrap="none" lIns="0" tIns="0" rIns="0" bIns="0" anchor="ctr"/>
+          <a:lstStyle/>
           <a:p>
             <a:endParaRPr/>
           </a:p>
@@ -201,7 +306,8 @@
           </a:prstGeom>
         </p:spPr>
         <p:txBody>
-          <a:bodyPr bIns="0" lIns="0" rIns="0" tIns="0" wrap="none"/>
+          <a:bodyPr wrap="none" lIns="0" tIns="0" rIns="0" bIns="0"/>
+          <a:lstStyle/>
           <a:p>
             <a:endParaRPr/>
           </a:p>
@@ -227,7 +333,8 @@
           </a:prstGeom>
         </p:spPr>
         <p:txBody>
-          <a:bodyPr bIns="0" lIns="0" rIns="0" tIns="0" wrap="none"/>
+          <a:bodyPr wrap="none" lIns="0" tIns="0" rIns="0" bIns="0"/>
+          <a:lstStyle/>
           <a:p>
             <a:endParaRPr/>
           </a:p>
@@ -253,7 +360,8 @@
           </a:prstGeom>
         </p:spPr>
         <p:txBody>
-          <a:bodyPr bIns="0" lIns="0" rIns="0" tIns="0" wrap="none"/>
+          <a:bodyPr wrap="none" lIns="0" tIns="0" rIns="0" bIns="0"/>
+          <a:lstStyle/>
           <a:p>
             <a:endParaRPr/>
           </a:p>
@@ -279,7 +387,8 @@
           </a:prstGeom>
         </p:spPr>
         <p:txBody>
-          <a:bodyPr bIns="0" lIns="0" rIns="0" tIns="0" wrap="none"/>
+          <a:bodyPr wrap="none" lIns="0" tIns="0" rIns="0" bIns="0"/>
+          <a:lstStyle/>
           <a:p>
             <a:endParaRPr/>
           </a:p>
@@ -287,11 +396,14 @@
       </p:sp>
     </p:spTree>
   </p:cSld>
+  <p:clrMapOvr>
+    <a:masterClrMapping/>
+  </p:clrMapOvr>
 </p:sldLayout>
 </file>
 
 <file path=ppt/slideLayouts/slideLayout12.xml><?xml version="1.0" encoding="utf-8"?>
-<p:sldLayout xmlns:a="http://schemas.openxmlformats.org/drawingml/2006/main" xmlns:p="http://schemas.openxmlformats.org/presentationml/2006/main" xmlns:r="http://schemas.openxmlformats.org/officeDocument/2006/relationships" preserve="1" type="blank">
+<p:sldLayout xmlns:a="http://schemas.openxmlformats.org/drawingml/2006/main" xmlns:r="http://schemas.openxmlformats.org/officeDocument/2006/relationships" xmlns:p="http://schemas.openxmlformats.org/presentationml/2006/main" type="blank" preserve="1">
   <p:cSld name="Title, 6 Content">
     <p:spTree>
       <p:nvGrpSpPr>
@@ -327,7 +439,8 @@
           </a:prstGeom>
         </p:spPr>
         <p:txBody>
-          <a:bodyPr anchor="ctr" bIns="0" lIns="0" rIns="0" tIns="0" wrap="none"/>
+          <a:bodyPr wrap="none" lIns="0" tIns="0" rIns="0" bIns="0" anchor="ctr"/>
+          <a:lstStyle/>
           <a:p>
             <a:endParaRPr/>
           </a:p>
@@ -353,7 +466,8 @@
           </a:prstGeom>
         </p:spPr>
         <p:txBody>
-          <a:bodyPr bIns="0" lIns="0" rIns="0" tIns="0" wrap="none"/>
+          <a:bodyPr wrap="none" lIns="0" tIns="0" rIns="0" bIns="0"/>
+          <a:lstStyle/>
           <a:p>
             <a:endParaRPr/>
           </a:p>
@@ -379,7 +493,8 @@
           </a:prstGeom>
         </p:spPr>
         <p:txBody>
-          <a:bodyPr bIns="0" lIns="0" rIns="0" tIns="0" wrap="none"/>
+          <a:bodyPr wrap="none" lIns="0" tIns="0" rIns="0" bIns="0"/>
+          <a:lstStyle/>
           <a:p>
             <a:endParaRPr/>
           </a:p>
@@ -387,11 +502,14 @@
       </p:sp>
     </p:spTree>
   </p:cSld>
+  <p:clrMapOvr>
+    <a:masterClrMapping/>
+  </p:clrMapOvr>
 </p:sldLayout>
 </file>
 
 <file path=ppt/slideLayouts/slideLayout2.xml><?xml version="1.0" encoding="utf-8"?>
-<p:sldLayout xmlns:a="http://schemas.openxmlformats.org/drawingml/2006/main" xmlns:p="http://schemas.openxmlformats.org/presentationml/2006/main" xmlns:r="http://schemas.openxmlformats.org/officeDocument/2006/relationships" preserve="1" type="tx">
+<p:sldLayout xmlns:a="http://schemas.openxmlformats.org/drawingml/2006/main" xmlns:r="http://schemas.openxmlformats.org/officeDocument/2006/relationships" xmlns:p="http://schemas.openxmlformats.org/presentationml/2006/main" type="tx" preserve="1">
   <p:cSld name="Title Slide">
     <p:spTree>
       <p:nvGrpSpPr>
@@ -427,7 +545,8 @@
           </a:prstGeom>
         </p:spPr>
         <p:txBody>
-          <a:bodyPr anchor="ctr" bIns="0" lIns="0" rIns="0" tIns="0" wrap="none"/>
+          <a:bodyPr wrap="none" lIns="0" tIns="0" rIns="0" bIns="0" anchor="ctr"/>
+          <a:lstStyle/>
           <a:p>
             <a:endParaRPr/>
           </a:p>
@@ -453,7 +572,8 @@
           </a:prstGeom>
         </p:spPr>
         <p:txBody>
-          <a:bodyPr anchor="ctr" bIns="0" lIns="0" rIns="0" tIns="0" wrap="none"/>
+          <a:bodyPr wrap="none" lIns="0" tIns="0" rIns="0" bIns="0" anchor="ctr"/>
+          <a:lstStyle/>
           <a:p>
             <a:pPr algn="ctr"/>
             <a:endParaRPr/>
@@ -462,11 +582,14 @@
       </p:sp>
     </p:spTree>
   </p:cSld>
+  <p:clrMapOvr>
+    <a:masterClrMapping/>
+  </p:clrMapOvr>
 </p:sldLayout>
 </file>
 
 <file path=ppt/slideLayouts/slideLayout3.xml><?xml version="1.0" encoding="utf-8"?>
-<p:sldLayout xmlns:a="http://schemas.openxmlformats.org/drawingml/2006/main" xmlns:p="http://schemas.openxmlformats.org/presentationml/2006/main" xmlns:r="http://schemas.openxmlformats.org/officeDocument/2006/relationships" preserve="1" type="obj">
+<p:sldLayout xmlns:a="http://schemas.openxmlformats.org/drawingml/2006/main" xmlns:r="http://schemas.openxmlformats.org/officeDocument/2006/relationships" xmlns:p="http://schemas.openxmlformats.org/presentationml/2006/main" type="obj" preserve="1">
   <p:cSld name="Title, Content">
     <p:spTree>
       <p:nvGrpSpPr>
@@ -502,7 +625,8 @@
           </a:prstGeom>
         </p:spPr>
         <p:txBody>
-          <a:bodyPr anchor="ctr" bIns="0" lIns="0" rIns="0" tIns="0" wrap="none"/>
+          <a:bodyPr wrap="none" lIns="0" tIns="0" rIns="0" bIns="0" anchor="ctr"/>
+          <a:lstStyle/>
           <a:p>
             <a:endParaRPr/>
           </a:p>
@@ -528,7 +652,8 @@
           </a:prstGeom>
         </p:spPr>
         <p:txBody>
-          <a:bodyPr bIns="0" lIns="0" rIns="0" tIns="0" wrap="none"/>
+          <a:bodyPr wrap="none" lIns="0" tIns="0" rIns="0" bIns="0"/>
+          <a:lstStyle/>
           <a:p>
             <a:endParaRPr/>
           </a:p>
@@ -536,11 +661,14 @@
       </p:sp>
     </p:spTree>
   </p:cSld>
+  <p:clrMapOvr>
+    <a:masterClrMapping/>
+  </p:clrMapOvr>
 </p:sldLayout>
 </file>
 
 <file path=ppt/slideLayouts/slideLayout4.xml><?xml version="1.0" encoding="utf-8"?>
-<p:sldLayout xmlns:a="http://schemas.openxmlformats.org/drawingml/2006/main" xmlns:p="http://schemas.openxmlformats.org/presentationml/2006/main" xmlns:r="http://schemas.openxmlformats.org/officeDocument/2006/relationships" preserve="1" type="twoObj">
+<p:sldLayout xmlns:a="http://schemas.openxmlformats.org/drawingml/2006/main" xmlns:r="http://schemas.openxmlformats.org/officeDocument/2006/relationships" xmlns:p="http://schemas.openxmlformats.org/presentationml/2006/main" type="twoObj" preserve="1">
   <p:cSld name="Title, 2 Content">
     <p:spTree>
       <p:nvGrpSpPr>
@@ -576,7 +704,8 @@
           </a:prstGeom>
         </p:spPr>
         <p:txBody>
-          <a:bodyPr anchor="ctr" bIns="0" lIns="0" rIns="0" tIns="0" wrap="none"/>
+          <a:bodyPr wrap="none" lIns="0" tIns="0" rIns="0" bIns="0" anchor="ctr"/>
+          <a:lstStyle/>
           <a:p>
             <a:endParaRPr/>
           </a:p>
@@ -602,7 +731,8 @@
           </a:prstGeom>
         </p:spPr>
         <p:txBody>
-          <a:bodyPr bIns="0" lIns="0" rIns="0" tIns="0" wrap="none"/>
+          <a:bodyPr wrap="none" lIns="0" tIns="0" rIns="0" bIns="0"/>
+          <a:lstStyle/>
           <a:p>
             <a:endParaRPr/>
           </a:p>
@@ -628,7 +758,8 @@
           </a:prstGeom>
         </p:spPr>
         <p:txBody>
-          <a:bodyPr bIns="0" lIns="0" rIns="0" tIns="0" wrap="none"/>
+          <a:bodyPr wrap="none" lIns="0" tIns="0" rIns="0" bIns="0"/>
+          <a:lstStyle/>
           <a:p>
             <a:endParaRPr/>
           </a:p>
@@ -636,11 +767,14 @@
       </p:sp>
     </p:spTree>
   </p:cSld>
+  <p:clrMapOvr>
+    <a:masterClrMapping/>
+  </p:clrMapOvr>
 </p:sldLayout>
 </file>
 
 <file path=ppt/slideLayouts/slideLayout5.xml><?xml version="1.0" encoding="utf-8"?>
-<p:sldLayout xmlns:a="http://schemas.openxmlformats.org/drawingml/2006/main" xmlns:p="http://schemas.openxmlformats.org/presentationml/2006/main" xmlns:r="http://schemas.openxmlformats.org/officeDocument/2006/relationships" preserve="1" type="titleOnly">
+<p:sldLayout xmlns:a="http://schemas.openxmlformats.org/drawingml/2006/main" xmlns:r="http://schemas.openxmlformats.org/officeDocument/2006/relationships" xmlns:p="http://schemas.openxmlformats.org/presentationml/2006/main" type="titleOnly" preserve="1">
   <p:cSld name="Title Only">
     <p:spTree>
       <p:nvGrpSpPr>
@@ -676,7 +810,8 @@
           </a:prstGeom>
         </p:spPr>
         <p:txBody>
-          <a:bodyPr anchor="ctr" bIns="0" lIns="0" rIns="0" tIns="0" wrap="none"/>
+          <a:bodyPr wrap="none" lIns="0" tIns="0" rIns="0" bIns="0" anchor="ctr"/>
+          <a:lstStyle/>
           <a:p>
             <a:endParaRPr/>
           </a:p>
@@ -684,11 +819,14 @@
       </p:sp>
     </p:spTree>
   </p:cSld>
+  <p:clrMapOvr>
+    <a:masterClrMapping/>
+  </p:clrMapOvr>
 </p:sldLayout>
 </file>
 
 <file path=ppt/slideLayouts/slideLayout6.xml><?xml version="1.0" encoding="utf-8"?>
-<p:sldLayout xmlns:a="http://schemas.openxmlformats.org/drawingml/2006/main" xmlns:p="http://schemas.openxmlformats.org/presentationml/2006/main" xmlns:r="http://schemas.openxmlformats.org/officeDocument/2006/relationships" preserve="1" type="objOnly">
+<p:sldLayout xmlns:a="http://schemas.openxmlformats.org/drawingml/2006/main" xmlns:r="http://schemas.openxmlformats.org/officeDocument/2006/relationships" xmlns:p="http://schemas.openxmlformats.org/presentationml/2006/main" type="objOnly" preserve="1">
   <p:cSld name="Centered Text">
     <p:spTree>
       <p:nvGrpSpPr>
@@ -724,7 +862,8 @@
           </a:prstGeom>
         </p:spPr>
         <p:txBody>
-          <a:bodyPr anchor="ctr" bIns="0" lIns="0" rIns="0" tIns="0" wrap="none"/>
+          <a:bodyPr wrap="none" lIns="0" tIns="0" rIns="0" bIns="0" anchor="ctr"/>
+          <a:lstStyle/>
           <a:p>
             <a:pPr algn="ctr"/>
             <a:endParaRPr/>
@@ -733,11 +872,14 @@
       </p:sp>
     </p:spTree>
   </p:cSld>
+  <p:clrMapOvr>
+    <a:masterClrMapping/>
+  </p:clrMapOvr>
 </p:sldLayout>
 </file>
 
 <file path=ppt/slideLayouts/slideLayout7.xml><?xml version="1.0" encoding="utf-8"?>
-<p:sldLayout xmlns:a="http://schemas.openxmlformats.org/drawingml/2006/main" xmlns:p="http://schemas.openxmlformats.org/presentationml/2006/main" xmlns:r="http://schemas.openxmlformats.org/officeDocument/2006/relationships" preserve="1" type="twoObjAndObj">
+<p:sldLayout xmlns:a="http://schemas.openxmlformats.org/drawingml/2006/main" xmlns:r="http://schemas.openxmlformats.org/officeDocument/2006/relationships" xmlns:p="http://schemas.openxmlformats.org/presentationml/2006/main" type="twoObjAndObj" preserve="1">
   <p:cSld name="Title, 2 Content and Content">
     <p:spTree>
       <p:nvGrpSpPr>
@@ -773,7 +915,8 @@
           </a:prstGeom>
         </p:spPr>
         <p:txBody>
-          <a:bodyPr anchor="ctr" bIns="0" lIns="0" rIns="0" tIns="0" wrap="none"/>
+          <a:bodyPr wrap="none" lIns="0" tIns="0" rIns="0" bIns="0" anchor="ctr"/>
+          <a:lstStyle/>
           <a:p>
             <a:endParaRPr/>
           </a:p>
@@ -799,7 +942,8 @@
           </a:prstGeom>
         </p:spPr>
         <p:txBody>
-          <a:bodyPr bIns="0" lIns="0" rIns="0" tIns="0" wrap="none"/>
+          <a:bodyPr wrap="none" lIns="0" tIns="0" rIns="0" bIns="0"/>
+          <a:lstStyle/>
           <a:p>
             <a:endParaRPr/>
           </a:p>
@@ -825,7 +969,8 @@
           </a:prstGeom>
         </p:spPr>
         <p:txBody>
-          <a:bodyPr bIns="0" lIns="0" rIns="0" tIns="0" wrap="none"/>
+          <a:bodyPr wrap="none" lIns="0" tIns="0" rIns="0" bIns="0"/>
+          <a:lstStyle/>
           <a:p>
             <a:endParaRPr/>
           </a:p>
@@ -851,7 +996,8 @@
           </a:prstGeom>
         </p:spPr>
         <p:txBody>
-          <a:bodyPr bIns="0" lIns="0" rIns="0" tIns="0" wrap="none"/>
+          <a:bodyPr wrap="none" lIns="0" tIns="0" rIns="0" bIns="0"/>
+          <a:lstStyle/>
           <a:p>
             <a:endParaRPr/>
           </a:p>
@@ -859,11 +1005,14 @@
       </p:sp>
     </p:spTree>
   </p:cSld>
+  <p:clrMapOvr>
+    <a:masterClrMapping/>
+  </p:clrMapOvr>
 </p:sldLayout>
 </file>
 
 <file path=ppt/slideLayouts/slideLayout8.xml><?xml version="1.0" encoding="utf-8"?>
-<p:sldLayout xmlns:a="http://schemas.openxmlformats.org/drawingml/2006/main" xmlns:p="http://schemas.openxmlformats.org/presentationml/2006/main" xmlns:r="http://schemas.openxmlformats.org/officeDocument/2006/relationships" preserve="1" type="objAndTwoObj">
+<p:sldLayout xmlns:a="http://schemas.openxmlformats.org/drawingml/2006/main" xmlns:r="http://schemas.openxmlformats.org/officeDocument/2006/relationships" xmlns:p="http://schemas.openxmlformats.org/presentationml/2006/main" type="objAndTwoObj" preserve="1">
   <p:cSld name="Title Content and 2 Content">
     <p:spTree>
       <p:nvGrpSpPr>
@@ -899,7 +1048,8 @@
           </a:prstGeom>
         </p:spPr>
         <p:txBody>
-          <a:bodyPr anchor="ctr" bIns="0" lIns="0" rIns="0" tIns="0" wrap="none"/>
+          <a:bodyPr wrap="none" lIns="0" tIns="0" rIns="0" bIns="0" anchor="ctr"/>
+          <a:lstStyle/>
           <a:p>
             <a:endParaRPr/>
           </a:p>
@@ -925,7 +1075,8 @@
           </a:prstGeom>
         </p:spPr>
         <p:txBody>
-          <a:bodyPr bIns="0" lIns="0" rIns="0" tIns="0" wrap="none"/>
+          <a:bodyPr wrap="none" lIns="0" tIns="0" rIns="0" bIns="0"/>
+          <a:lstStyle/>
           <a:p>
             <a:endParaRPr/>
           </a:p>
@@ -951,7 +1102,8 @@
           </a:prstGeom>
         </p:spPr>
         <p:txBody>
-          <a:bodyPr bIns="0" lIns="0" rIns="0" tIns="0" wrap="none"/>
+          <a:bodyPr wrap="none" lIns="0" tIns="0" rIns="0" bIns="0"/>
+          <a:lstStyle/>
           <a:p>
             <a:endParaRPr/>
           </a:p>
@@ -977,7 +1129,8 @@
           </a:prstGeom>
         </p:spPr>
         <p:txBody>
-          <a:bodyPr bIns="0" lIns="0" rIns="0" tIns="0" wrap="none"/>
+          <a:bodyPr wrap="none" lIns="0" tIns="0" rIns="0" bIns="0"/>
+          <a:lstStyle/>
           <a:p>
             <a:endParaRPr/>
           </a:p>
@@ -985,11 +1138,14 @@
       </p:sp>
     </p:spTree>
   </p:cSld>
+  <p:clrMapOvr>
+    <a:masterClrMapping/>
+  </p:clrMapOvr>
 </p:sldLayout>
 </file>
 
 <file path=ppt/slideLayouts/slideLayout9.xml><?xml version="1.0" encoding="utf-8"?>
-<p:sldLayout xmlns:a="http://schemas.openxmlformats.org/drawingml/2006/main" xmlns:p="http://schemas.openxmlformats.org/presentationml/2006/main" xmlns:r="http://schemas.openxmlformats.org/officeDocument/2006/relationships" preserve="1" type="twoObjOverTx">
+<p:sldLayout xmlns:a="http://schemas.openxmlformats.org/drawingml/2006/main" xmlns:r="http://schemas.openxmlformats.org/officeDocument/2006/relationships" xmlns:p="http://schemas.openxmlformats.org/presentationml/2006/main" type="twoObjOverTx" preserve="1">
   <p:cSld name="Title, 2 Content over Content">
     <p:spTree>
       <p:nvGrpSpPr>
@@ -1025,7 +1181,8 @@
           </a:prstGeom>
         </p:spPr>
         <p:txBody>
-          <a:bodyPr anchor="ctr" bIns="0" lIns="0" rIns="0" tIns="0" wrap="none"/>
+          <a:bodyPr wrap="none" lIns="0" tIns="0" rIns="0" bIns="0" anchor="ctr"/>
+          <a:lstStyle/>
           <a:p>
             <a:endParaRPr/>
           </a:p>
@@ -1051,7 +1208,8 @@
           </a:prstGeom>
         </p:spPr>
         <p:txBody>
-          <a:bodyPr bIns="0" lIns="0" rIns="0" tIns="0" wrap="none"/>
+          <a:bodyPr wrap="none" lIns="0" tIns="0" rIns="0" bIns="0"/>
+          <a:lstStyle/>
           <a:p>
             <a:endParaRPr/>
           </a:p>
@@ -1077,7 +1235,8 @@
           </a:prstGeom>
         </p:spPr>
         <p:txBody>
-          <a:bodyPr bIns="0" lIns="0" rIns="0" tIns="0" wrap="none"/>
+          <a:bodyPr wrap="none" lIns="0" tIns="0" rIns="0" bIns="0"/>
+          <a:lstStyle/>
           <a:p>
             <a:endParaRPr/>
           </a:p>
@@ -1103,7 +1262,8 @@
           </a:prstGeom>
         </p:spPr>
         <p:txBody>
-          <a:bodyPr bIns="0" lIns="0" rIns="0" tIns="0" wrap="none"/>
+          <a:bodyPr wrap="none" lIns="0" tIns="0" rIns="0" bIns="0"/>
+          <a:lstStyle/>
           <a:p>
             <a:endParaRPr/>
           </a:p>
@@ -1111,17 +1271,21 @@
       </p:sp>
     </p:spTree>
   </p:cSld>
+  <p:clrMapOvr>
+    <a:masterClrMapping/>
+  </p:clrMapOvr>
 </p:sldLayout>
 </file>
 
 <file path=ppt/slideMasters/slideMaster1.xml><?xml version="1.0" encoding="utf-8"?>
-<p:sldMaster xmlns:a="http://schemas.openxmlformats.org/drawingml/2006/main" xmlns:p="http://schemas.openxmlformats.org/presentationml/2006/main" xmlns:r="http://schemas.openxmlformats.org/officeDocument/2006/relationships">
+<p:sldMaster xmlns:a="http://schemas.openxmlformats.org/drawingml/2006/main" xmlns:r="http://schemas.openxmlformats.org/officeDocument/2006/relationships" xmlns:p="http://schemas.openxmlformats.org/presentationml/2006/main">
   <p:cSld>
     <p:bg>
       <p:bgPr>
         <a:solidFill>
-          <a:srgbClr val="558ed5"/>
+          <a:srgbClr val="558ED5"/>
         </a:solidFill>
+        <a:effectLst/>
       </p:bgPr>
     </p:bg>
     <p:spTree>
@@ -1140,7 +1304,7 @@
       </p:grpSpPr>
       <p:sp>
         <p:nvSpPr>
-          <p:cNvPr id="0" name="PlaceHolder 1"/>
+          <p:cNvPr id="5" name="PlaceHolder 1"/>
           <p:cNvSpPr>
             <a:spLocks noGrp="1"/>
           </p:cNvSpPr>
@@ -1159,6 +1323,7 @@
         </p:spPr>
         <p:txBody>
           <a:bodyPr anchor="ctr"/>
+          <a:lstStyle/>
           <a:p>
             <a:pPr algn="ctr">
               <a:lnSpc>
@@ -1172,24 +1337,15 @@
                 </a:solidFill>
                 <a:latin typeface="Calibri"/>
               </a:rPr>
-              <a:t>Click to edit the title text format</a:t>
-            </a:r>
-            <a:r>
-              <a:rPr lang="zh-CN" sz="4400">
-                <a:solidFill>
-                  <a:srgbClr val="000000"/>
-                </a:solidFill>
-                <a:latin typeface="Calibri"/>
-              </a:rPr>
-              <a:t>单击此处编辑母版标题样式</a:t>
-            </a:r>
-            <a:endParaRPr/>
-          </a:p>
-        </p:txBody>
-      </p:sp>
-      <p:sp>
-        <p:nvSpPr>
-          <p:cNvPr id="1" name="PlaceHolder 2"/>
+              <a:t>Click to edit the title text format单击此处编辑母版标题样式</a:t>
+            </a:r>
+            <a:endParaRPr/>
+          </a:p>
+        </p:txBody>
+      </p:sp>
+      <p:sp>
+        <p:nvSpPr>
+          <p:cNvPr id="6" name="PlaceHolder 2"/>
           <p:cNvSpPr>
             <a:spLocks noGrp="1"/>
           </p:cNvSpPr>
@@ -1208,6 +1364,7 @@
         </p:spPr>
         <p:txBody>
           <a:bodyPr/>
+          <a:lstStyle/>
           <a:p>
             <a:pPr>
               <a:buSzPct val="45000"/>
@@ -1325,16 +1482,7 @@
                 </a:solidFill>
                 <a:latin typeface="Calibri"/>
               </a:rPr>
-              <a:t>Seventh Outline Level</a:t>
-            </a:r>
-            <a:r>
-              <a:rPr lang="zh-CN" sz="3200">
-                <a:solidFill>
-                  <a:srgbClr val="000000"/>
-                </a:solidFill>
-                <a:latin typeface="Calibri"/>
-              </a:rPr>
-              <a:t>单击此处编辑母版文本样式</a:t>
+              <a:t>Seventh Outline Level单击此处编辑母版文本样式</a:t>
             </a:r>
             <a:endParaRPr/>
           </a:p>
@@ -1420,14 +1568,15 @@
         <p:spPr>
           <a:xfrm>
             <a:off x="0" y="0"/>
-            <a:ext cx="-11796840" cy="-11796840"/>
-          </a:xfrm>
-          <a:prstGeom prst="rect">
-            <a:avLst/>
-          </a:prstGeom>
-        </p:spPr>
-        <p:txBody>
-          <a:bodyPr bIns="45000" lIns="90000" rIns="90000" tIns="45000"/>
+            <a:ext cx="0" cy="0"/>
+          </a:xfrm>
+          <a:prstGeom prst="rect">
+            <a:avLst/>
+          </a:prstGeom>
+        </p:spPr>
+        <p:txBody>
+          <a:bodyPr lIns="90000" tIns="45000" rIns="90000" bIns="45000"/>
+          <a:lstStyle/>
           <a:p>
             <a:pPr>
               <a:lnSpc>
@@ -1460,14 +1609,15 @@
         <p:spPr>
           <a:xfrm>
             <a:off x="0" y="0"/>
-            <a:ext cx="-11796840" cy="-11796840"/>
-          </a:xfrm>
-          <a:prstGeom prst="rect">
-            <a:avLst/>
-          </a:prstGeom>
-        </p:spPr>
-        <p:txBody>
-          <a:bodyPr bIns="45000" lIns="90000" rIns="90000" tIns="45000"/>
+            <a:ext cx="0" cy="0"/>
+          </a:xfrm>
+          <a:prstGeom prst="rect">
+            <a:avLst/>
+          </a:prstGeom>
+        </p:spPr>
+        <p:txBody>
+          <a:bodyPr lIns="90000" tIns="45000" rIns="90000" bIns="45000"/>
+          <a:lstStyle/>
           <a:p>
             <a:endParaRPr/>
           </a:p>
@@ -1486,14 +1636,15 @@
         <p:spPr>
           <a:xfrm>
             <a:off x="0" y="0"/>
-            <a:ext cx="-11796840" cy="-11796840"/>
-          </a:xfrm>
-          <a:prstGeom prst="rect">
-            <a:avLst/>
-          </a:prstGeom>
-        </p:spPr>
-        <p:txBody>
-          <a:bodyPr bIns="45000" lIns="90000" rIns="90000" tIns="45000"/>
+            <a:ext cx="0" cy="0"/>
+          </a:xfrm>
+          <a:prstGeom prst="rect">
+            <a:avLst/>
+          </a:prstGeom>
+        </p:spPr>
+        <p:txBody>
+          <a:bodyPr lIns="90000" tIns="45000" rIns="90000" bIns="45000"/>
+          <a:lstStyle/>
           <a:p>
             <a:pPr>
               <a:lnSpc>
@@ -1507,7 +1658,7 @@
                 </a:solidFill>
                 <a:latin typeface="Calibri"/>
               </a:rPr>
-              <a:t>&lt;number&gt;</a:t>
+              <a:t>‹#›</a:t>
             </a:fld>
             <a:endParaRPr/>
           </a:p>
@@ -1515,26 +1666,31 @@
       </p:sp>
     </p:spTree>
   </p:cSld>
-  <p:clrMap accent1="accent1" accent2="accent2" accent3="accent3" accent4="accent4" accent5="accent5" accent6="accent6" bg1="lt1" bg2="lt2" folHlink="folHlink" hlink="hlink" tx1="dk1" tx2="dk2"/>
+  <p:clrMap bg1="lt1" tx1="dk1" bg2="lt2" tx2="dk2" accent1="accent1" accent2="accent2" accent3="accent3" accent4="accent4" accent5="accent5" accent6="accent6" hlink="hlink" folHlink="folHlink"/>
   <p:sldLayoutIdLst>
-    <p:sldLayoutId id="2147483649" r:id="rId2"/>
-    <p:sldLayoutId id="2147483650" r:id="rId3"/>
-    <p:sldLayoutId id="2147483651" r:id="rId4"/>
-    <p:sldLayoutId id="2147483652" r:id="rId5"/>
-    <p:sldLayoutId id="2147483653" r:id="rId6"/>
-    <p:sldLayoutId id="2147483654" r:id="rId7"/>
-    <p:sldLayoutId id="2147483655" r:id="rId8"/>
-    <p:sldLayoutId id="2147483656" r:id="rId9"/>
-    <p:sldLayoutId id="2147483657" r:id="rId10"/>
-    <p:sldLayoutId id="2147483658" r:id="rId11"/>
-    <p:sldLayoutId id="2147483659" r:id="rId12"/>
-    <p:sldLayoutId id="2147483660" r:id="rId13"/>
+    <p:sldLayoutId id="2147483649" r:id="rId1"/>
+    <p:sldLayoutId id="2147483650" r:id="rId2"/>
+    <p:sldLayoutId id="2147483651" r:id="rId3"/>
+    <p:sldLayoutId id="2147483652" r:id="rId4"/>
+    <p:sldLayoutId id="2147483653" r:id="rId5"/>
+    <p:sldLayoutId id="2147483654" r:id="rId6"/>
+    <p:sldLayoutId id="2147483655" r:id="rId7"/>
+    <p:sldLayoutId id="2147483656" r:id="rId8"/>
+    <p:sldLayoutId id="2147483657" r:id="rId9"/>
+    <p:sldLayoutId id="2147483658" r:id="rId10"/>
+    <p:sldLayoutId id="2147483659" r:id="rId11"/>
+    <p:sldLayoutId id="2147483660" r:id="rId12"/>
   </p:sldLayoutIdLst>
+  <p:txStyles>
+    <p:titleStyle/>
+    <p:bodyStyle/>
+    <p:otherStyle/>
+  </p:txStyles>
 </p:sldMaster>
 </file>
 
 <file path=ppt/slides/slide1.xml><?xml version="1.0" encoding="utf-8"?>
-<p:sld xmlns:a="http://schemas.openxmlformats.org/drawingml/2006/main" xmlns:p="http://schemas.openxmlformats.org/presentationml/2006/main" xmlns:r="http://schemas.openxmlformats.org/officeDocument/2006/relationships">
+<p:sld xmlns:a="http://schemas.openxmlformats.org/drawingml/2006/main" xmlns:r="http://schemas.openxmlformats.org/officeDocument/2006/relationships" xmlns:p="http://schemas.openxmlformats.org/presentationml/2006/main">
   <p:cSld>
     <p:spTree>
       <p:nvGrpSpPr>
@@ -1567,6 +1723,7 @@
         </p:spPr>
         <p:txBody>
           <a:bodyPr anchor="ctr"/>
+          <a:lstStyle/>
           <a:p>
             <a:pPr algn="ctr">
               <a:lnSpc>
@@ -1576,7 +1733,7 @@
             <a:r>
               <a:rPr lang="zh-CN" sz="4400">
                 <a:solidFill>
-                  <a:srgbClr val="ffffff"/>
+                  <a:srgbClr val="FFFFFF"/>
                 </a:solidFill>
                 <a:latin typeface="Consolas"/>
               </a:rPr>
@@ -1603,6 +1760,7 @@
         </p:spPr>
         <p:txBody>
           <a:bodyPr/>
+          <a:lstStyle/>
           <a:p>
             <a:pPr>
               <a:lnSpc>
@@ -1614,7 +1772,7 @@
             <a:r>
               <a:rPr lang="zh-CN" sz="3200">
                 <a:solidFill>
-                  <a:srgbClr val="ffffff"/>
+                  <a:srgbClr val="FFFFFF"/>
                 </a:solidFill>
                 <a:latin typeface="微软雅黑"/>
                 <a:ea typeface="微软雅黑"/>
@@ -1634,7 +1792,7 @@
             <a:r>
               <a:rPr lang="zh-CN" sz="3200">
                 <a:solidFill>
-                  <a:srgbClr val="ffffff"/>
+                  <a:srgbClr val="FFFFFF"/>
                 </a:solidFill>
                 <a:latin typeface="微软雅黑"/>
                 <a:ea typeface="微软雅黑"/>
@@ -1654,7 +1812,7 @@
             <a:r>
               <a:rPr lang="zh-CN" sz="3200">
                 <a:solidFill>
-                  <a:srgbClr val="ffffff"/>
+                  <a:srgbClr val="FFFFFF"/>
                 </a:solidFill>
                 <a:latin typeface="微软雅黑"/>
                 <a:ea typeface="微软雅黑"/>
@@ -1667,11 +1825,14 @@
       </p:sp>
     </p:spTree>
   </p:cSld>
+  <p:clrMapOvr>
+    <a:masterClrMapping/>
+  </p:clrMapOvr>
 </p:sld>
 </file>
 
 <file path=ppt/slides/slide2.xml><?xml version="1.0" encoding="utf-8"?>
-<p:sld xmlns:a="http://schemas.openxmlformats.org/drawingml/2006/main" xmlns:p="http://schemas.openxmlformats.org/presentationml/2006/main" xmlns:r="http://schemas.openxmlformats.org/officeDocument/2006/relationships">
+<p:sld xmlns:a="http://schemas.openxmlformats.org/drawingml/2006/main" xmlns:r="http://schemas.openxmlformats.org/officeDocument/2006/relationships" xmlns:p="http://schemas.openxmlformats.org/presentationml/2006/main">
   <p:cSld>
     <p:spTree>
       <p:nvGrpSpPr>
@@ -1704,6 +1865,7 @@
         </p:spPr>
         <p:txBody>
           <a:bodyPr anchor="ctr"/>
+          <a:lstStyle/>
           <a:p>
             <a:pPr algn="ctr">
               <a:lnSpc>
@@ -1713,7 +1875,7 @@
             <a:r>
               <a:rPr lang="zh-CN" sz="4400">
                 <a:solidFill>
-                  <a:srgbClr val="ffffff"/>
+                  <a:srgbClr val="FFFFFF"/>
                 </a:solidFill>
                 <a:latin typeface="Consolas"/>
               </a:rPr>
@@ -1722,7 +1884,7 @@
             <a:r>
               <a:rPr lang="zh-CN" sz="4400">
                 <a:solidFill>
-                  <a:srgbClr val="ffffff"/>
+                  <a:srgbClr val="FFFFFF"/>
                 </a:solidFill>
                 <a:latin typeface="微软雅黑"/>
                 <a:ea typeface="微软雅黑"/>
@@ -1750,6 +1912,7 @@
         </p:spPr>
         <p:txBody>
           <a:bodyPr/>
+          <a:lstStyle/>
           <a:p>
             <a:pPr>
               <a:lnSpc>
@@ -1761,7 +1924,7 @@
             <a:r>
               <a:rPr lang="zh-CN" sz="3200">
                 <a:solidFill>
-                  <a:srgbClr val="ffffff"/>
+                  <a:srgbClr val="FFFFFF"/>
                 </a:solidFill>
                 <a:latin typeface="微软雅黑"/>
                 <a:ea typeface="微软雅黑"/>
@@ -1779,22 +1942,68 @@
             <a:r>
               <a:rPr lang="zh-CN" sz="3200">
                 <a:solidFill>
-                  <a:srgbClr val="ffffff"/>
+                  <a:srgbClr val="FFFFFF"/>
                 </a:solidFill>
                 <a:latin typeface="微软雅黑"/>
                 <a:ea typeface="微软雅黑"/>
               </a:rPr>
-              <a:t>	</a:t>
-            </a:r>
+              <a:t>	简化</a:t>
+            </a:r>
+            <a:endParaRPr/>
+          </a:p>
+          <a:p>
+            <a:pPr>
+              <a:lnSpc>
+                <a:spcPct val="100000"/>
+              </a:lnSpc>
+            </a:pPr>
+            <a:endParaRPr/>
+          </a:p>
+          <a:p>
+            <a:pPr>
+              <a:lnSpc>
+                <a:spcPct val="100000"/>
+              </a:lnSpc>
+              <a:buFont typeface="Arial"/>
+              <a:buChar char="•"/>
+            </a:pPr>
             <a:r>
               <a:rPr lang="zh-CN" sz="3200">
                 <a:solidFill>
-                  <a:srgbClr val="ffffff"/>
+                  <a:srgbClr val="FFFFFF"/>
                 </a:solidFill>
                 <a:latin typeface="微软雅黑"/>
                 <a:ea typeface="微软雅黑"/>
               </a:rPr>
-              <a:t>简化</a:t>
+              <a:t>语言用途</a:t>
+            </a:r>
+            <a:endParaRPr/>
+          </a:p>
+          <a:p>
+            <a:pPr>
+              <a:lnSpc>
+                <a:spcPct val="100000"/>
+              </a:lnSpc>
+            </a:pPr>
+            <a:r>
+              <a:rPr lang="zh-CN" sz="3200">
+                <a:solidFill>
+                  <a:srgbClr val="FFFFFF"/>
+                </a:solidFill>
+                <a:latin typeface="微软雅黑"/>
+                <a:ea typeface="微软雅黑"/>
+              </a:rPr>
+              <a:t>	面向初学者，也能在熟悉顺利转向</a:t>
+            </a:r>
+            <a:r>
+              <a:rPr lang="zh-CN" sz="3200">
+                <a:solidFill>
+                  <a:srgbClr val="FFFFFF"/>
+                </a:solidFill>
+                <a:latin typeface="Consolas"/>
+                <a:ea typeface="微软雅黑"/>
+              </a:rPr>
+              <a:t>Java</a:t>
             </a:r>
             <a:endParaRPr/>
           </a:p>
@@ -1817,157 +2026,71 @@
             <a:r>
               <a:rPr lang="zh-CN" sz="3200">
                 <a:solidFill>
-                  <a:srgbClr val="ffffff"/>
+                  <a:srgbClr val="FFFFFF"/>
                 </a:solidFill>
                 <a:latin typeface="微软雅黑"/>
                 <a:ea typeface="微软雅黑"/>
               </a:rPr>
-              <a:t>语言用途</a:t>
-            </a:r>
-            <a:endParaRPr/>
-          </a:p>
-          <a:p>
-            <a:pPr>
-              <a:lnSpc>
-                <a:spcPct val="100000"/>
-              </a:lnSpc>
-            </a:pPr>
-            <a:r>
-              <a:rPr lang="zh-CN" sz="3200">
-                <a:solidFill>
-                  <a:srgbClr val="ffffff"/>
+              <a:t>特点</a:t>
+            </a:r>
+            <a:endParaRPr/>
+          </a:p>
+          <a:p>
+            <a:pPr lvl="1">
+              <a:lnSpc>
+                <a:spcPct val="100000"/>
+              </a:lnSpc>
+              <a:buFont typeface="Calibri"/>
+              <a:buAutoNum type="arabicPeriod"/>
+            </a:pPr>
+            <a:r>
+              <a:rPr lang="zh-CN" sz="2800">
+                <a:solidFill>
+                  <a:srgbClr val="FFFFFF"/>
                 </a:solidFill>
                 <a:latin typeface="微软雅黑"/>
                 <a:ea typeface="微软雅黑"/>
               </a:rPr>
-              <a:t>	</a:t>
-            </a:r>
-            <a:r>
-              <a:rPr lang="zh-CN" sz="3200">
-                <a:solidFill>
-                  <a:srgbClr val="ffffff"/>
+              <a:t>语法简单</a:t>
+            </a:r>
+            <a:endParaRPr/>
+          </a:p>
+          <a:p>
+            <a:pPr lvl="1">
+              <a:lnSpc>
+                <a:spcPct val="100000"/>
+              </a:lnSpc>
+              <a:buFont typeface="Calibri"/>
+              <a:buAutoNum type="arabicPeriod"/>
+            </a:pPr>
+            <a:r>
+              <a:rPr lang="zh-CN" sz="2800">
+                <a:solidFill>
+                  <a:srgbClr val="FFFFFF"/>
                 </a:solidFill>
                 <a:latin typeface="微软雅黑"/>
                 <a:ea typeface="微软雅黑"/>
               </a:rPr>
-              <a:t>面向初学者，也能在熟悉顺利转向</a:t>
-            </a:r>
-            <a:r>
-              <a:rPr lang="zh-CN" sz="3200">
-                <a:solidFill>
-                  <a:srgbClr val="ffffff"/>
-                </a:solidFill>
-                <a:latin typeface="Consolas"/>
-                <a:ea typeface="微软雅黑"/>
-              </a:rPr>
-              <a:t>Java</a:t>
-            </a:r>
-            <a:endParaRPr/>
-          </a:p>
-          <a:p>
-            <a:pPr>
-              <a:lnSpc>
-                <a:spcPct val="100000"/>
-              </a:lnSpc>
-            </a:pPr>
-            <a:endParaRPr/>
-          </a:p>
-          <a:p>
-            <a:pPr>
-              <a:lnSpc>
-                <a:spcPct val="100000"/>
-              </a:lnSpc>
-              <a:buFont typeface="Arial"/>
-              <a:buChar char="•"/>
-            </a:pPr>
-            <a:r>
-              <a:rPr lang="zh-CN" sz="3200">
-                <a:solidFill>
-                  <a:srgbClr val="ffffff"/>
+              <a:t>能体现出Java语言的特性</a:t>
+            </a:r>
+            <a:endParaRPr/>
+          </a:p>
+          <a:p>
+            <a:pPr lvl="1">
+              <a:lnSpc>
+                <a:spcPct val="100000"/>
+              </a:lnSpc>
+              <a:buFont typeface="Calibri"/>
+              <a:buAutoNum type="arabicPeriod"/>
+            </a:pPr>
+            <a:r>
+              <a:rPr lang="zh-CN" sz="2800">
+                <a:solidFill>
+                  <a:srgbClr val="FFFFFF"/>
                 </a:solidFill>
                 <a:latin typeface="微软雅黑"/>
                 <a:ea typeface="微软雅黑"/>
               </a:rPr>
-              <a:t>特点</a:t>
-            </a:r>
-            <a:endParaRPr/>
-          </a:p>
-          <a:p>
-            <a:pPr lvl="1">
-              <a:lnSpc>
-                <a:spcPct val="100000"/>
-              </a:lnSpc>
-              <a:buFont typeface="Calibri"/>
-              <a:buAutoNum type="arabicPeriod"/>
-            </a:pPr>
-            <a:r>
-              <a:rPr lang="zh-CN" sz="2800">
-                <a:solidFill>
-                  <a:srgbClr val="ffffff"/>
-                </a:solidFill>
-                <a:latin typeface="微软雅黑"/>
-                <a:ea typeface="微软雅黑"/>
-              </a:rPr>
-              <a:t>语法简单</a:t>
-            </a:r>
-            <a:endParaRPr/>
-          </a:p>
-          <a:p>
-            <a:pPr lvl="1">
-              <a:lnSpc>
-                <a:spcPct val="100000"/>
-              </a:lnSpc>
-              <a:buFont typeface="Calibri"/>
-              <a:buAutoNum type="arabicPeriod"/>
-            </a:pPr>
-            <a:r>
-              <a:rPr lang="zh-CN" sz="2800">
-                <a:solidFill>
-                  <a:srgbClr val="ffffff"/>
-                </a:solidFill>
-                <a:latin typeface="微软雅黑"/>
-                <a:ea typeface="微软雅黑"/>
-              </a:rPr>
-              <a:t>能体现出</a:t>
-            </a:r>
-            <a:r>
-              <a:rPr lang="zh-CN" sz="2800">
-                <a:solidFill>
-                  <a:srgbClr val="ffffff"/>
-                </a:solidFill>
-                <a:latin typeface="微软雅黑"/>
-                <a:ea typeface="微软雅黑"/>
-              </a:rPr>
-              <a:t>Java</a:t>
-            </a:r>
-            <a:r>
-              <a:rPr lang="zh-CN" sz="2800">
-                <a:solidFill>
-                  <a:srgbClr val="ffffff"/>
-                </a:solidFill>
-                <a:latin typeface="微软雅黑"/>
-                <a:ea typeface="微软雅黑"/>
-              </a:rPr>
-              <a:t>语言的特性</a:t>
-            </a:r>
-            <a:endParaRPr/>
-          </a:p>
-          <a:p>
-            <a:pPr lvl="1">
-              <a:lnSpc>
-                <a:spcPct val="100000"/>
-              </a:lnSpc>
-              <a:buFont typeface="Calibri"/>
-              <a:buAutoNum type="arabicPeriod"/>
-            </a:pPr>
-            <a:r>
-              <a:rPr lang="zh-CN" sz="2800">
-                <a:solidFill>
-                  <a:srgbClr val="ffffff"/>
-                </a:solidFill>
-                <a:latin typeface="微软雅黑"/>
-                <a:ea typeface="微软雅黑"/>
-              </a:rPr>
               <a:t>减少高级语法及语言特性特性</a:t>
             </a:r>
             <a:endParaRPr/>
@@ -1976,24 +2099,31 @@
       </p:sp>
     </p:spTree>
   </p:cSld>
+  <p:clrMapOvr>
+    <a:masterClrMapping/>
+  </p:clrMapOvr>
   <p:timing>
     <p:tnLst>
       <p:par>
-        <p:cTn dur="indefinite" id="1" nodeType="tmRoot" restart="never">
+        <p:cTn id="1" dur="indefinite" restart="never" nodeType="tmRoot">
           <p:childTnLst>
             <p:seq>
               <p:cTn id="2" nodeType="mainSeq">
-                <p:childTnLst/>
+                <p:childTnLst>
+                  <p:par>
+                    <p:cTn id="3"/>
+                  </p:par>
+                </p:childTnLst>
               </p:cTn>
               <p:prevCondLst>
-                <p:cond delay="0" evt="onPrev">
+                <p:cond evt="onPrev" delay="0">
                   <p:tgtEl>
                     <p:sldTgt/>
                   </p:tgtEl>
                 </p:cond>
               </p:prevCondLst>
               <p:nextCondLst>
-                <p:cond delay="0" evt="onNext">
+                <p:cond evt="onNext" delay="0">
                   <p:tgtEl>
                     <p:sldTgt/>
                   </p:tgtEl>
@@ -2009,7 +2139,7 @@
 </file>
 
 <file path=ppt/slides/slide3.xml><?xml version="1.0" encoding="utf-8"?>
-<p:sld xmlns:a="http://schemas.openxmlformats.org/drawingml/2006/main" xmlns:p="http://schemas.openxmlformats.org/presentationml/2006/main" xmlns:r="http://schemas.openxmlformats.org/officeDocument/2006/relationships">
+<p:sld xmlns:a="http://schemas.openxmlformats.org/drawingml/2006/main" xmlns:r="http://schemas.openxmlformats.org/officeDocument/2006/relationships" xmlns:p="http://schemas.openxmlformats.org/presentationml/2006/main">
   <p:cSld>
     <p:spTree>
       <p:nvGrpSpPr>
@@ -2042,6 +2172,7 @@
         </p:spPr>
         <p:txBody>
           <a:bodyPr anchor="ctr"/>
+          <a:lstStyle/>
           <a:p>
             <a:pPr algn="ctr">
               <a:lnSpc>
@@ -2051,7 +2182,7 @@
             <a:r>
               <a:rPr lang="zh-CN" sz="4400">
                 <a:solidFill>
-                  <a:srgbClr val="ffffff"/>
+                  <a:srgbClr val="FFFFFF"/>
                 </a:solidFill>
                 <a:latin typeface="Consolas"/>
               </a:rPr>
@@ -2060,7 +2191,7 @@
             <a:r>
               <a:rPr lang="zh-CN" sz="4400">
                 <a:solidFill>
-                  <a:srgbClr val="ffffff"/>
+                  <a:srgbClr val="FFFFFF"/>
                 </a:solidFill>
                 <a:latin typeface="微软雅黑"/>
                 <a:ea typeface="微软雅黑"/>
@@ -2088,6 +2219,7 @@
         </p:spPr>
         <p:txBody>
           <a:bodyPr/>
+          <a:lstStyle/>
           <a:p>
             <a:pPr>
               <a:lnSpc>
@@ -2099,7 +2231,7 @@
             <a:r>
               <a:rPr lang="zh-CN" sz="3200">
                 <a:solidFill>
-                  <a:srgbClr val="ffffff"/>
+                  <a:srgbClr val="FFFFFF"/>
                 </a:solidFill>
                 <a:latin typeface="微软雅黑"/>
                 <a:ea typeface="微软雅黑"/>
@@ -2119,7 +2251,7 @@
             <a:r>
               <a:rPr lang="zh-CN" sz="2800">
                 <a:solidFill>
-                  <a:srgbClr val="ffffff"/>
+                  <a:srgbClr val="FFFFFF"/>
                 </a:solidFill>
                 <a:latin typeface="微软雅黑"/>
                 <a:ea typeface="微软雅黑"/>
@@ -2139,32 +2271,52 @@
             <a:r>
               <a:rPr lang="zh-CN" sz="3200">
                 <a:solidFill>
-                  <a:srgbClr val="ffffff"/>
+                  <a:srgbClr val="FFFFFF"/>
                 </a:solidFill>
                 <a:latin typeface="微软雅黑"/>
                 <a:ea typeface="微软雅黑"/>
               </a:rPr>
-              <a:t>优先级与</a:t>
-            </a:r>
+              <a:t>优先级与Java相同的表达式</a:t>
+            </a:r>
+            <a:endParaRPr/>
+          </a:p>
+          <a:p>
+            <a:pPr>
+              <a:lnSpc>
+                <a:spcPct val="100000"/>
+              </a:lnSpc>
+              <a:buFont typeface="Arial"/>
+              <a:buChar char="•"/>
+            </a:pPr>
             <a:r>
               <a:rPr lang="zh-CN" sz="3200">
                 <a:solidFill>
-                  <a:srgbClr val="ffffff"/>
+                  <a:srgbClr val="FFFFFF"/>
                 </a:solidFill>
                 <a:latin typeface="微软雅黑"/>
                 <a:ea typeface="微软雅黑"/>
               </a:rPr>
-              <a:t>Java</a:t>
-            </a:r>
+              <a:t>去除位运算</a:t>
+            </a:r>
+            <a:endParaRPr/>
+          </a:p>
+          <a:p>
+            <a:pPr>
+              <a:lnSpc>
+                <a:spcPct val="100000"/>
+              </a:lnSpc>
+              <a:buFont typeface="Arial"/>
+              <a:buChar char="•"/>
+            </a:pPr>
             <a:r>
               <a:rPr lang="zh-CN" sz="3200">
                 <a:solidFill>
-                  <a:srgbClr val="ffffff"/>
+                  <a:srgbClr val="FFFFFF"/>
                 </a:solidFill>
                 <a:latin typeface="微软雅黑"/>
                 <a:ea typeface="微软雅黑"/>
               </a:rPr>
-              <a:t>相同的表达式</a:t>
+              <a:t>去除继承和多态</a:t>
             </a:r>
             <a:endParaRPr/>
           </a:p>
@@ -2179,132 +2331,12 @@
             <a:r>
               <a:rPr lang="zh-CN" sz="3200">
                 <a:solidFill>
-                  <a:srgbClr val="ffffff"/>
+                  <a:srgbClr val="FFFFFF"/>
                 </a:solidFill>
                 <a:latin typeface="微软雅黑"/>
                 <a:ea typeface="微软雅黑"/>
               </a:rPr>
-              <a:t>去除位运算</a:t>
-            </a:r>
-            <a:endParaRPr/>
-          </a:p>
-          <a:p>
-            <a:pPr>
-              <a:lnSpc>
-                <a:spcPct val="100000"/>
-              </a:lnSpc>
-              <a:buFont typeface="Arial"/>
-              <a:buChar char="•"/>
-            </a:pPr>
-            <a:r>
-              <a:rPr lang="zh-CN" sz="3200">
-                <a:solidFill>
-                  <a:srgbClr val="ffffff"/>
-                </a:solidFill>
-                <a:latin typeface="微软雅黑"/>
-                <a:ea typeface="微软雅黑"/>
-              </a:rPr>
-              <a:t>去除继承和多态</a:t>
-            </a:r>
-            <a:endParaRPr/>
-          </a:p>
-          <a:p>
-            <a:pPr>
-              <a:lnSpc>
-                <a:spcPct val="100000"/>
-              </a:lnSpc>
-              <a:buFont typeface="Arial"/>
-              <a:buChar char="•"/>
-            </a:pPr>
-            <a:r>
-              <a:rPr lang="zh-CN" sz="3200">
-                <a:solidFill>
-                  <a:srgbClr val="ffffff"/>
-                </a:solidFill>
-                <a:latin typeface="微软雅黑"/>
-                <a:ea typeface="微软雅黑"/>
-              </a:rPr>
-              <a:t>去除</a:t>
-            </a:r>
-            <a:r>
-              <a:rPr lang="zh-CN" sz="3200">
-                <a:solidFill>
-                  <a:srgbClr val="ffffff"/>
-                </a:solidFill>
-                <a:latin typeface="微软雅黑"/>
-                <a:ea typeface="微软雅黑"/>
-              </a:rPr>
-              <a:t>*=</a:t>
-            </a:r>
-            <a:r>
-              <a:rPr lang="zh-CN" sz="3200">
-                <a:solidFill>
-                  <a:srgbClr val="ffffff"/>
-                </a:solidFill>
-                <a:latin typeface="微软雅黑"/>
-                <a:ea typeface="微软雅黑"/>
-              </a:rPr>
-              <a:t>、</a:t>
-            </a:r>
-            <a:r>
-              <a:rPr lang="zh-CN" sz="3200">
-                <a:solidFill>
-                  <a:srgbClr val="ffffff"/>
-                </a:solidFill>
-                <a:latin typeface="微软雅黑"/>
-                <a:ea typeface="微软雅黑"/>
-              </a:rPr>
-              <a:t>/=</a:t>
-            </a:r>
-            <a:r>
-              <a:rPr lang="zh-CN" sz="3200">
-                <a:solidFill>
-                  <a:srgbClr val="ffffff"/>
-                </a:solidFill>
-                <a:latin typeface="微软雅黑"/>
-                <a:ea typeface="微软雅黑"/>
-              </a:rPr>
-              <a:t>、</a:t>
-            </a:r>
-            <a:r>
-              <a:rPr lang="zh-CN" sz="3200">
-                <a:solidFill>
-                  <a:srgbClr val="ffffff"/>
-                </a:solidFill>
-                <a:latin typeface="微软雅黑"/>
-                <a:ea typeface="微软雅黑"/>
-              </a:rPr>
-              <a:t>+=</a:t>
-            </a:r>
-            <a:r>
-              <a:rPr lang="zh-CN" sz="3200">
-                <a:solidFill>
-                  <a:srgbClr val="ffffff"/>
-                </a:solidFill>
-                <a:latin typeface="微软雅黑"/>
-                <a:ea typeface="微软雅黑"/>
-              </a:rPr>
-              <a:t>、</a:t>
-            </a:r>
-            <a:r>
-              <a:rPr lang="zh-CN" sz="3200">
-                <a:solidFill>
-                  <a:srgbClr val="ffffff"/>
-                </a:solidFill>
-                <a:latin typeface="微软雅黑"/>
-                <a:ea typeface="微软雅黑"/>
-              </a:rPr>
-              <a:t>-=</a:t>
-            </a:r>
-            <a:r>
-              <a:rPr lang="zh-CN" sz="3200">
-                <a:solidFill>
-                  <a:srgbClr val="ffffff"/>
-                </a:solidFill>
-                <a:latin typeface="微软雅黑"/>
-                <a:ea typeface="微软雅黑"/>
-              </a:rPr>
-              <a:t>、自增、自减操作符</a:t>
+              <a:t>去除*=、/=、+=、-=、自增、自减操作符</a:t>
             </a:r>
             <a:endParaRPr/>
           </a:p>
@@ -2328,24 +2360,31 @@
       </p:sp>
     </p:spTree>
   </p:cSld>
+  <p:clrMapOvr>
+    <a:masterClrMapping/>
+  </p:clrMapOvr>
   <p:timing>
     <p:tnLst>
       <p:par>
-        <p:cTn dur="indefinite" id="3" nodeType="tmRoot" restart="never">
+        <p:cTn id="1" dur="indefinite" restart="never" nodeType="tmRoot">
           <p:childTnLst>
             <p:seq>
-              <p:cTn id="4" nodeType="mainSeq">
-                <p:childTnLst/>
+              <p:cTn id="2" nodeType="mainSeq">
+                <p:childTnLst>
+                  <p:par>
+                    <p:cTn id="3"/>
+                  </p:par>
+                </p:childTnLst>
               </p:cTn>
               <p:prevCondLst>
-                <p:cond delay="0" evt="onPrev">
+                <p:cond evt="onPrev" delay="0">
                   <p:tgtEl>
                     <p:sldTgt/>
                   </p:tgtEl>
                 </p:cond>
               </p:prevCondLst>
               <p:nextCondLst>
-                <p:cond delay="0" evt="onNext">
+                <p:cond evt="onNext" delay="0">
                   <p:tgtEl>
                     <p:sldTgt/>
                   </p:tgtEl>
@@ -2361,7 +2400,7 @@
 </file>
 
 <file path=ppt/slides/slide4.xml><?xml version="1.0" encoding="utf-8"?>
-<p:sld xmlns:a="http://schemas.openxmlformats.org/drawingml/2006/main" xmlns:p="http://schemas.openxmlformats.org/presentationml/2006/main" xmlns:r="http://schemas.openxmlformats.org/officeDocument/2006/relationships">
+<p:sld xmlns:a="http://schemas.openxmlformats.org/drawingml/2006/main" xmlns:r="http://schemas.openxmlformats.org/officeDocument/2006/relationships" xmlns:p="http://schemas.openxmlformats.org/presentationml/2006/main">
   <p:cSld>
     <p:spTree>
       <p:nvGrpSpPr>
@@ -2394,6 +2433,7 @@
         </p:spPr>
         <p:txBody>
           <a:bodyPr anchor="ctr"/>
+          <a:lstStyle/>
           <a:p>
             <a:pPr algn="ctr">
               <a:lnSpc>
@@ -2403,7 +2443,7 @@
             <a:r>
               <a:rPr lang="zh-CN" sz="4400">
                 <a:solidFill>
-                  <a:srgbClr val="ffffff"/>
+                  <a:srgbClr val="FFFFFF"/>
                 </a:solidFill>
                 <a:latin typeface="微软雅黑"/>
                 <a:ea typeface="微软雅黑"/>
@@ -2422,8 +2462,8 @@
         </p:nvSpPr>
         <p:spPr>
           <a:xfrm>
-            <a:off x="1043640" y="1674360"/>
-            <a:ext cx="6777000" cy="4778640"/>
+            <a:off x="611560" y="1674360"/>
+            <a:ext cx="7472240" cy="4778640"/>
           </a:xfrm>
           <a:prstGeom prst="rect">
             <a:avLst/>
@@ -2431,521 +2471,528 @@
         </p:spPr>
         <p:txBody>
           <a:bodyPr/>
-          <a:p>
-            <a:pPr>
-              <a:lnSpc>
-                <a:spcPct val="100000"/>
-              </a:lnSpc>
-            </a:pPr>
-            <a:r>
-              <a:rPr b="1" lang="zh-CN" sz="2400">
-                <a:solidFill>
-                  <a:srgbClr val="ffffff"/>
+          <a:lstStyle/>
+          <a:p>
+            <a:pPr>
+              <a:lnSpc>
+                <a:spcPct val="100000"/>
+              </a:lnSpc>
+            </a:pPr>
+            <a:r>
+              <a:rPr lang="zh-CN" sz="2400" b="1" dirty="0">
+                <a:solidFill>
+                  <a:srgbClr val="FFFFFF"/>
                 </a:solidFill>
                 <a:latin typeface="Consolas"/>
               </a:rPr>
               <a:t>class</a:t>
             </a:r>
             <a:r>
-              <a:rPr lang="zh-CN" sz="2400">
-                <a:solidFill>
-                  <a:srgbClr val="ffffff"/>
-                </a:solidFill>
-                <a:latin typeface="Consolas"/>
-              </a:rPr>
-              <a:t> first{</a:t>
-            </a:r>
-            <a:r>
-              <a:rPr lang="zh-CN" sz="2400">
-                <a:solidFill>
-                  <a:srgbClr val="ffffff"/>
+              <a:rPr lang="zh-CN" sz="2400" dirty="0">
+                <a:solidFill>
+                  <a:srgbClr val="FFFFFF"/>
+                </a:solidFill>
+                <a:latin typeface="Consolas"/>
+              </a:rPr>
+              <a:t> first{	</a:t>
+            </a:r>
+            <a:endParaRPr dirty="0"/>
+          </a:p>
+          <a:p>
+            <a:pPr>
+              <a:lnSpc>
+                <a:spcPct val="100000"/>
+              </a:lnSpc>
+            </a:pPr>
+            <a:r>
+              <a:rPr lang="zh-CN" sz="2400" dirty="0">
+                <a:solidFill>
+                  <a:srgbClr val="FFFFFF"/>
+                </a:solidFill>
+                <a:latin typeface="Consolas"/>
+              </a:rPr>
+              <a:t>	/** </a:t>
+            </a:r>
+            <a:r>
+              <a:rPr lang="zh-CN" sz="2400" b="1" dirty="0">
+                <a:solidFill>
+                  <a:srgbClr val="FFFFFF"/>
+                </a:solidFill>
+                <a:latin typeface="Consolas"/>
+              </a:rPr>
+              <a:t>Main entry point.</a:t>
+            </a:r>
+            <a:r>
+              <a:rPr lang="zh-CN" sz="2400" dirty="0">
+                <a:solidFill>
+                  <a:srgbClr val="FFFFFF"/>
+                </a:solidFill>
+                <a:latin typeface="Consolas"/>
+              </a:rPr>
+              <a:t> */</a:t>
+            </a:r>
+            <a:endParaRPr dirty="0"/>
+          </a:p>
+          <a:p>
+            <a:pPr>
+              <a:lnSpc>
+                <a:spcPct val="100000"/>
+              </a:lnSpc>
+            </a:pPr>
+            <a:r>
+              <a:rPr lang="zh-CN" sz="2400" dirty="0">
+                <a:solidFill>
+                  <a:srgbClr val="FFFFFF"/>
                 </a:solidFill>
                 <a:latin typeface="Consolas"/>
               </a:rPr>
               <a:t>	</a:t>
             </a:r>
-            <a:endParaRPr/>
-          </a:p>
-          <a:p>
-            <a:pPr>
-              <a:lnSpc>
-                <a:spcPct val="100000"/>
-              </a:lnSpc>
-            </a:pPr>
-            <a:r>
-              <a:rPr lang="zh-CN" sz="2400">
-                <a:solidFill>
-                  <a:srgbClr val="ffffff"/>
+            <a:r>
+              <a:rPr lang="zh-CN" sz="2400" b="1" dirty="0">
+                <a:solidFill>
+                  <a:srgbClr val="FFFFFF"/>
+                </a:solidFill>
+                <a:latin typeface="Consolas"/>
+              </a:rPr>
+              <a:t>static</a:t>
+            </a:r>
+            <a:r>
+              <a:rPr lang="zh-CN" sz="2400" dirty="0">
+                <a:solidFill>
+                  <a:srgbClr val="FFFFFF"/>
+                </a:solidFill>
+                <a:latin typeface="Consolas"/>
+              </a:rPr>
+              <a:t> </a:t>
+            </a:r>
+            <a:r>
+              <a:rPr lang="zh-CN" sz="2400" b="1" dirty="0">
+                <a:solidFill>
+                  <a:srgbClr val="FFFFFF"/>
+                </a:solidFill>
+                <a:latin typeface="Consolas"/>
+              </a:rPr>
+              <a:t>void</a:t>
+            </a:r>
+            <a:r>
+              <a:rPr lang="zh-CN" sz="2400" dirty="0">
+                <a:solidFill>
+                  <a:srgbClr val="FFFFFF"/>
+                </a:solidFill>
+                <a:latin typeface="Consolas"/>
+              </a:rPr>
+              <a:t> main(){</a:t>
+            </a:r>
+            <a:endParaRPr dirty="0"/>
+          </a:p>
+          <a:p>
+            <a:pPr>
+              <a:lnSpc>
+                <a:spcPct val="100000"/>
+              </a:lnSpc>
+            </a:pPr>
+            <a:r>
+              <a:rPr lang="zh-CN" sz="2400" dirty="0">
+                <a:solidFill>
+                  <a:srgbClr val="FFFFFF"/>
                 </a:solidFill>
                 <a:latin typeface="Consolas"/>
               </a:rPr>
               <a:t>	</a:t>
             </a:r>
             <a:r>
-              <a:rPr lang="zh-CN" sz="2400">
-                <a:solidFill>
-                  <a:srgbClr val="ffffff"/>
-                </a:solidFill>
-                <a:latin typeface="Consolas"/>
-              </a:rPr>
-              <a:t>/** </a:t>
-            </a:r>
-            <a:r>
-              <a:rPr b="1" lang="zh-CN" sz="2400">
-                <a:solidFill>
-                  <a:srgbClr val="ffffff"/>
-                </a:solidFill>
-                <a:latin typeface="Consolas"/>
-              </a:rPr>
-              <a:t>Main entry point.</a:t>
-            </a:r>
-            <a:r>
-              <a:rPr lang="zh-CN" sz="2400">
-                <a:solidFill>
-                  <a:srgbClr val="ffffff"/>
-                </a:solidFill>
-                <a:latin typeface="Consolas"/>
-              </a:rPr>
-              <a:t> */</a:t>
-            </a:r>
-            <a:endParaRPr/>
-          </a:p>
-          <a:p>
-            <a:pPr>
-              <a:lnSpc>
-                <a:spcPct val="100000"/>
-              </a:lnSpc>
-            </a:pPr>
-            <a:r>
-              <a:rPr lang="zh-CN" sz="2400">
-                <a:solidFill>
-                  <a:srgbClr val="ffffff"/>
+              <a:rPr lang="zh-CN" sz="2400" b="1" dirty="0" smtClean="0">
+                <a:solidFill>
+                  <a:srgbClr val="FFFFFF"/>
+                </a:solidFill>
+                <a:latin typeface="Consolas"/>
+              </a:rPr>
+              <a:t>int</a:t>
+            </a:r>
+            <a:r>
+              <a:rPr lang="zh-CN" sz="2400" dirty="0" smtClean="0">
+                <a:solidFill>
+                  <a:srgbClr val="FFFFFF"/>
+                </a:solidFill>
+                <a:latin typeface="Consolas"/>
+              </a:rPr>
+              <a:t> </a:t>
+            </a:r>
+            <a:r>
+              <a:rPr lang="zh-CN" sz="2400" dirty="0">
+                <a:solidFill>
+                  <a:srgbClr val="FFFFFF"/>
+                </a:solidFill>
+                <a:latin typeface="Consolas"/>
+              </a:rPr>
+              <a:t>arr[] = </a:t>
+            </a:r>
+            <a:r>
+              <a:rPr lang="zh-CN" sz="2400" b="1" dirty="0">
+                <a:solidFill>
+                  <a:srgbClr val="FFFFFF"/>
+                </a:solidFill>
+                <a:latin typeface="Consolas"/>
+              </a:rPr>
+              <a:t>new</a:t>
+            </a:r>
+            <a:r>
+              <a:rPr lang="zh-CN" sz="2400" dirty="0">
+                <a:solidFill>
+                  <a:srgbClr val="FFFFFF"/>
+                </a:solidFill>
+                <a:latin typeface="Consolas"/>
+              </a:rPr>
+              <a:t> </a:t>
+            </a:r>
+            <a:r>
+              <a:rPr lang="zh-CN" sz="2400" b="1" dirty="0">
+                <a:solidFill>
+                  <a:srgbClr val="FFFFFF"/>
+                </a:solidFill>
+                <a:latin typeface="Consolas"/>
+              </a:rPr>
+              <a:t>int</a:t>
+            </a:r>
+            <a:r>
+              <a:rPr lang="zh-CN" sz="2400" dirty="0">
+                <a:solidFill>
+                  <a:srgbClr val="FFFFFF"/>
+                </a:solidFill>
+                <a:latin typeface="Consolas"/>
+              </a:rPr>
+              <a:t>[10]</a:t>
+            </a:r>
+            <a:r>
+              <a:rPr lang="zh-CN" sz="2400" dirty="0" smtClean="0">
+                <a:solidFill>
+                  <a:srgbClr val="FFFFFF"/>
+                </a:solidFill>
+                <a:latin typeface="Consolas"/>
+              </a:rPr>
+              <a:t>;</a:t>
+            </a:r>
+            <a:endParaRPr lang="en-US" altLang="zh-CN" sz="2400" dirty="0" smtClean="0">
+              <a:solidFill>
+                <a:srgbClr val="FFFFFF"/>
+              </a:solidFill>
+              <a:latin typeface="Consolas"/>
+            </a:endParaRPr>
+          </a:p>
+          <a:p>
+            <a:pPr>
+              <a:lnSpc>
+                <a:spcPct val="100000"/>
+              </a:lnSpc>
+            </a:pPr>
+            <a:r>
+              <a:rPr lang="en-US" altLang="zh-CN" sz="2400" dirty="0">
+                <a:solidFill>
+                  <a:srgbClr val="FFFFFF"/>
                 </a:solidFill>
                 <a:latin typeface="Consolas"/>
               </a:rPr>
               <a:t>	</a:t>
             </a:r>
             <a:r>
-              <a:rPr b="1" lang="zh-CN" sz="2400">
-                <a:solidFill>
-                  <a:srgbClr val="ffffff"/>
-                </a:solidFill>
-                <a:latin typeface="Consolas"/>
-              </a:rPr>
-              <a:t>static</a:t>
-            </a:r>
-            <a:r>
-              <a:rPr lang="zh-CN" sz="2400">
-                <a:solidFill>
-                  <a:srgbClr val="ffffff"/>
-                </a:solidFill>
-                <a:latin typeface="Consolas"/>
-              </a:rPr>
-              <a:t> </a:t>
-            </a:r>
-            <a:r>
-              <a:rPr b="1" lang="zh-CN" sz="2400">
-                <a:solidFill>
-                  <a:srgbClr val="ffffff"/>
-                </a:solidFill>
-                <a:latin typeface="Consolas"/>
-              </a:rPr>
-              <a:t>void</a:t>
-            </a:r>
-            <a:r>
-              <a:rPr lang="zh-CN" sz="2400">
-                <a:solidFill>
-                  <a:srgbClr val="ffffff"/>
-                </a:solidFill>
-                <a:latin typeface="Consolas"/>
-              </a:rPr>
-              <a:t> main(){</a:t>
-            </a:r>
-            <a:endParaRPr/>
-          </a:p>
-          <a:p>
-            <a:pPr>
-              <a:lnSpc>
-                <a:spcPct val="100000"/>
-              </a:lnSpc>
-            </a:pPr>
-            <a:r>
-              <a:rPr lang="zh-CN" sz="2400">
-                <a:solidFill>
-                  <a:srgbClr val="ffffff"/>
+              <a:rPr lang="zh-CN" sz="2400" dirty="0" smtClean="0">
+                <a:solidFill>
+                  <a:srgbClr val="FFFFFF"/>
+                </a:solidFill>
+                <a:latin typeface="Consolas"/>
+              </a:rPr>
+              <a:t>//</a:t>
+            </a:r>
+            <a:r>
+              <a:rPr lang="zh-CN" sz="2400" dirty="0">
+                <a:solidFill>
+                  <a:srgbClr val="FFFFFF"/>
+                </a:solidFill>
+                <a:latin typeface="Consolas"/>
+              </a:rPr>
+              <a:t>define an array</a:t>
+            </a:r>
+            <a:endParaRPr dirty="0"/>
+          </a:p>
+          <a:p>
+            <a:pPr>
+              <a:lnSpc>
+                <a:spcPct val="100000"/>
+              </a:lnSpc>
+            </a:pPr>
+            <a:r>
+              <a:rPr lang="en-US" altLang="zh-CN" sz="2400" dirty="0">
+                <a:solidFill>
+                  <a:srgbClr val="FFFFFF"/>
                 </a:solidFill>
                 <a:latin typeface="Consolas"/>
               </a:rPr>
               <a:t>	</a:t>
             </a:r>
             <a:r>
-              <a:rPr lang="zh-CN" sz="2400">
-                <a:solidFill>
-                  <a:srgbClr val="ffffff"/>
+              <a:rPr lang="zh-CN" sz="2400" b="1" dirty="0" smtClean="0">
+                <a:solidFill>
+                  <a:srgbClr val="FFFFFF"/>
+                </a:solidFill>
+                <a:latin typeface="Consolas"/>
+              </a:rPr>
+              <a:t>for</a:t>
+            </a:r>
+            <a:r>
+              <a:rPr lang="zh-CN" sz="2400" dirty="0" smtClean="0">
+                <a:solidFill>
+                  <a:srgbClr val="FFFFFF"/>
+                </a:solidFill>
+                <a:latin typeface="Consolas"/>
+              </a:rPr>
+              <a:t>(</a:t>
+            </a:r>
+            <a:r>
+              <a:rPr lang="zh-CN" sz="2400" b="1" dirty="0">
+                <a:solidFill>
+                  <a:srgbClr val="FFFFFF"/>
+                </a:solidFill>
+                <a:latin typeface="Consolas"/>
+              </a:rPr>
+              <a:t>int</a:t>
+            </a:r>
+            <a:r>
+              <a:rPr lang="zh-CN" sz="2400" dirty="0">
+                <a:solidFill>
+                  <a:srgbClr val="FFFFFF"/>
+                </a:solidFill>
+                <a:latin typeface="Consolas"/>
+              </a:rPr>
+              <a:t> i = 0; i &lt; 10; i = i + 1){</a:t>
+            </a:r>
+            <a:endParaRPr dirty="0"/>
+          </a:p>
+          <a:p>
+            <a:pPr>
+              <a:lnSpc>
+                <a:spcPct val="100000"/>
+              </a:lnSpc>
+            </a:pPr>
+            <a:r>
+              <a:rPr lang="zh-CN" sz="2400" dirty="0">
+                <a:solidFill>
+                  <a:srgbClr val="FFFFFF"/>
+                </a:solidFill>
+                <a:latin typeface="Consolas"/>
+              </a:rPr>
+              <a:t>		</a:t>
+            </a:r>
+            <a:r>
+              <a:rPr lang="zh-CN" sz="2400" dirty="0" smtClean="0">
+                <a:solidFill>
+                  <a:srgbClr val="FFFFFF"/>
+                </a:solidFill>
+                <a:latin typeface="Consolas"/>
+              </a:rPr>
+              <a:t>arr</a:t>
+            </a:r>
+            <a:r>
+              <a:rPr lang="zh-CN" sz="2400" dirty="0">
+                <a:solidFill>
+                  <a:srgbClr val="FFFFFF"/>
+                </a:solidFill>
+                <a:latin typeface="Consolas"/>
+              </a:rPr>
+              <a:t>[i] = i * i % 10;</a:t>
+            </a:r>
+            <a:endParaRPr dirty="0"/>
+          </a:p>
+          <a:p>
+            <a:pPr>
+              <a:lnSpc>
+                <a:spcPct val="100000"/>
+              </a:lnSpc>
+            </a:pPr>
+            <a:r>
+              <a:rPr lang="zh-CN" sz="2400" dirty="0" smtClean="0">
+                <a:solidFill>
+                  <a:srgbClr val="FFFFFF"/>
+                </a:solidFill>
+                <a:latin typeface="Consolas"/>
+              </a:rPr>
+              <a:t>//</a:t>
+            </a:r>
+            <a:r>
+              <a:rPr lang="zh-CN" sz="2400" dirty="0">
+                <a:solidFill>
+                  <a:srgbClr val="FFFFFF"/>
+                </a:solidFill>
+                <a:latin typeface="Consolas"/>
+              </a:rPr>
+              <a:t>initial the array ,make it looks randomly </a:t>
+            </a:r>
+            <a:endParaRPr dirty="0"/>
+          </a:p>
+          <a:p>
+            <a:pPr>
+              <a:lnSpc>
+                <a:spcPct val="100000"/>
+              </a:lnSpc>
+            </a:pPr>
+            <a:r>
+              <a:rPr lang="en-US" altLang="zh-CN" sz="2400" dirty="0">
+                <a:solidFill>
+                  <a:srgbClr val="FFFFFF"/>
                 </a:solidFill>
                 <a:latin typeface="Consolas"/>
               </a:rPr>
               <a:t>	</a:t>
             </a:r>
             <a:r>
-              <a:rPr lang="zh-CN" sz="2400">
-                <a:solidFill>
-                  <a:srgbClr val="ffffff"/>
-                </a:solidFill>
-                <a:latin typeface="Consolas"/>
-              </a:rPr>
-              <a:t>        </a:t>
-            </a:r>
-            <a:r>
-              <a:rPr b="1" lang="zh-CN" sz="2400">
-                <a:solidFill>
-                  <a:srgbClr val="ffffff"/>
-                </a:solidFill>
-                <a:latin typeface="Consolas"/>
-              </a:rPr>
-              <a:t>int</a:t>
-            </a:r>
-            <a:r>
-              <a:rPr lang="zh-CN" sz="2400">
-                <a:solidFill>
-                  <a:srgbClr val="ffffff"/>
-                </a:solidFill>
-                <a:latin typeface="Consolas"/>
-              </a:rPr>
-              <a:t> arr[] = </a:t>
-            </a:r>
-            <a:r>
-              <a:rPr b="1" lang="zh-CN" sz="2400">
-                <a:solidFill>
-                  <a:srgbClr val="ffffff"/>
-                </a:solidFill>
-                <a:latin typeface="Consolas"/>
-              </a:rPr>
-              <a:t>new</a:t>
-            </a:r>
-            <a:r>
-              <a:rPr lang="zh-CN" sz="2400">
-                <a:solidFill>
-                  <a:srgbClr val="ffffff"/>
-                </a:solidFill>
-                <a:latin typeface="Consolas"/>
-              </a:rPr>
-              <a:t> </a:t>
-            </a:r>
-            <a:r>
-              <a:rPr b="1" lang="zh-CN" sz="2400">
-                <a:solidFill>
-                  <a:srgbClr val="ffffff"/>
-                </a:solidFill>
-                <a:latin typeface="Consolas"/>
-              </a:rPr>
-              <a:t>int</a:t>
-            </a:r>
-            <a:r>
-              <a:rPr lang="zh-CN" sz="2400">
-                <a:solidFill>
-                  <a:srgbClr val="ffffff"/>
-                </a:solidFill>
-                <a:latin typeface="Consolas"/>
-              </a:rPr>
-              <a:t>[10];//define an array</a:t>
-            </a:r>
-            <a:endParaRPr/>
-          </a:p>
-          <a:p>
-            <a:pPr>
-              <a:lnSpc>
-                <a:spcPct val="100000"/>
-              </a:lnSpc>
-            </a:pPr>
-            <a:r>
-              <a:rPr lang="zh-CN" sz="2400">
-                <a:solidFill>
-                  <a:srgbClr val="ffffff"/>
+              <a:rPr lang="zh-CN" sz="2400" dirty="0" smtClean="0">
+                <a:solidFill>
+                  <a:srgbClr val="FFFFFF"/>
+                </a:solidFill>
+                <a:latin typeface="Consolas"/>
+              </a:rPr>
+              <a:t>}</a:t>
+            </a:r>
+            <a:endParaRPr dirty="0"/>
+          </a:p>
+          <a:p>
+            <a:pPr>
+              <a:lnSpc>
+                <a:spcPct val="100000"/>
+              </a:lnSpc>
+            </a:pPr>
+            <a:r>
+              <a:rPr lang="zh-CN" sz="2400" dirty="0">
+                <a:solidFill>
+                  <a:srgbClr val="FFFFFF"/>
                 </a:solidFill>
                 <a:latin typeface="Consolas"/>
               </a:rPr>
               <a:t>	</a:t>
             </a:r>
             <a:r>
-              <a:rPr lang="zh-CN" sz="2400">
-                <a:solidFill>
-                  <a:srgbClr val="ffffff"/>
+              <a:rPr lang="zh-CN" sz="2400" dirty="0" smtClean="0">
+                <a:solidFill>
+                  <a:srgbClr val="FFFFFF"/>
+                </a:solidFill>
+                <a:latin typeface="Consolas"/>
+              </a:rPr>
+              <a:t>quicksort</a:t>
+            </a:r>
+            <a:r>
+              <a:rPr lang="zh-CN" sz="2400" dirty="0">
+                <a:solidFill>
+                  <a:srgbClr val="FFFFFF"/>
+                </a:solidFill>
+                <a:latin typeface="Consolas"/>
+              </a:rPr>
+              <a:t>(arr, 0, 9); </a:t>
+            </a:r>
+            <a:endParaRPr lang="en-US" altLang="zh-CN" sz="2400" dirty="0" smtClean="0">
+              <a:solidFill>
+                <a:srgbClr val="FFFFFF"/>
+              </a:solidFill>
+              <a:latin typeface="Consolas"/>
+            </a:endParaRPr>
+          </a:p>
+          <a:p>
+            <a:pPr>
+              <a:lnSpc>
+                <a:spcPct val="100000"/>
+              </a:lnSpc>
+            </a:pPr>
+            <a:r>
+              <a:rPr lang="en-US" altLang="zh-CN" sz="2400" dirty="0">
+                <a:solidFill>
+                  <a:srgbClr val="FFFFFF"/>
                 </a:solidFill>
                 <a:latin typeface="Consolas"/>
               </a:rPr>
               <a:t>	</a:t>
             </a:r>
             <a:r>
-              <a:rPr lang="zh-CN" sz="2400">
-                <a:solidFill>
-                  <a:srgbClr val="ffffff"/>
-                </a:solidFill>
-                <a:latin typeface="Consolas"/>
-              </a:rPr>
-              <a:t>        </a:t>
-            </a:r>
-            <a:r>
-              <a:rPr b="1" lang="zh-CN" sz="2400">
-                <a:solidFill>
-                  <a:srgbClr val="ffffff"/>
-                </a:solidFill>
-                <a:latin typeface="Consolas"/>
-              </a:rPr>
-              <a:t>for </a:t>
-            </a:r>
-            <a:r>
-              <a:rPr lang="zh-CN" sz="2400">
-                <a:solidFill>
-                  <a:srgbClr val="ffffff"/>
-                </a:solidFill>
-                <a:latin typeface="Consolas"/>
-              </a:rPr>
-              <a:t>(</a:t>
-            </a:r>
-            <a:r>
-              <a:rPr b="1" lang="zh-CN" sz="2400">
-                <a:solidFill>
-                  <a:srgbClr val="ffffff"/>
-                </a:solidFill>
-                <a:latin typeface="Consolas"/>
-              </a:rPr>
-              <a:t>int</a:t>
-            </a:r>
-            <a:r>
-              <a:rPr lang="zh-CN" sz="2400">
-                <a:solidFill>
-                  <a:srgbClr val="ffffff"/>
-                </a:solidFill>
-                <a:latin typeface="Consolas"/>
-              </a:rPr>
-              <a:t> i = 0; i &lt; 10; i = i + 1){</a:t>
-            </a:r>
-            <a:endParaRPr/>
-          </a:p>
-          <a:p>
-            <a:pPr>
-              <a:lnSpc>
-                <a:spcPct val="100000"/>
-              </a:lnSpc>
-            </a:pPr>
-            <a:r>
-              <a:rPr lang="zh-CN" sz="2400">
-                <a:solidFill>
-                  <a:srgbClr val="ffffff"/>
-                </a:solidFill>
-                <a:latin typeface="Consolas"/>
-              </a:rPr>
-              <a:t>	</a:t>
-            </a:r>
-            <a:r>
-              <a:rPr lang="zh-CN" sz="2400">
-                <a:solidFill>
-                  <a:srgbClr val="ffffff"/>
-                </a:solidFill>
-                <a:latin typeface="Consolas"/>
-              </a:rPr>
-              <a:t>	</a:t>
-            </a:r>
-            <a:r>
-              <a:rPr lang="zh-CN" sz="2400">
-                <a:solidFill>
-                  <a:srgbClr val="ffffff"/>
-                </a:solidFill>
-                <a:latin typeface="Consolas"/>
-              </a:rPr>
-              <a:t>	</a:t>
-            </a:r>
-            <a:r>
-              <a:rPr lang="zh-CN" sz="2400">
-                <a:solidFill>
-                  <a:srgbClr val="ffffff"/>
-                </a:solidFill>
-                <a:latin typeface="Consolas"/>
-              </a:rPr>
-              <a:t>                </a:t>
-            </a:r>
-            <a:r>
-              <a:rPr lang="zh-CN" sz="2400">
-                <a:solidFill>
-                  <a:srgbClr val="ffffff"/>
-                </a:solidFill>
-                <a:latin typeface="Consolas"/>
-              </a:rPr>
-              <a:t>arr[i] = i * i % 10;</a:t>
-            </a:r>
-            <a:endParaRPr/>
-          </a:p>
-          <a:p>
-            <a:pPr>
-              <a:lnSpc>
-                <a:spcPct val="100000"/>
-              </a:lnSpc>
-            </a:pPr>
-            <a:r>
-              <a:rPr lang="zh-CN" sz="2400">
-                <a:solidFill>
-                  <a:srgbClr val="ffffff"/>
-                </a:solidFill>
-                <a:latin typeface="Consolas"/>
-              </a:rPr>
-              <a:t>                      </a:t>
-            </a:r>
-            <a:r>
-              <a:rPr lang="zh-CN" sz="2400">
-                <a:solidFill>
-                  <a:srgbClr val="ffffff"/>
-                </a:solidFill>
-                <a:latin typeface="Consolas"/>
-              </a:rPr>
-              <a:t>//initial the array ,make it looks randomly </a:t>
-            </a:r>
-            <a:endParaRPr/>
-          </a:p>
-          <a:p>
-            <a:pPr>
-              <a:lnSpc>
-                <a:spcPct val="100000"/>
-              </a:lnSpc>
-            </a:pPr>
-            <a:r>
-              <a:rPr lang="zh-CN" sz="2400">
-                <a:solidFill>
-                  <a:srgbClr val="ffffff"/>
-                </a:solidFill>
-                <a:latin typeface="Consolas"/>
-              </a:rPr>
-              <a:t>	</a:t>
-            </a:r>
-            <a:r>
-              <a:rPr lang="zh-CN" sz="2400">
-                <a:solidFill>
-                  <a:srgbClr val="ffffff"/>
-                </a:solidFill>
-                <a:latin typeface="Consolas"/>
-              </a:rPr>
-              <a:t>	</a:t>
-            </a:r>
-            <a:r>
-              <a:rPr lang="zh-CN" sz="2400">
-                <a:solidFill>
-                  <a:srgbClr val="ffffff"/>
-                </a:solidFill>
-                <a:latin typeface="Consolas"/>
-              </a:rPr>
-              <a:t>        </a:t>
-            </a:r>
-            <a:r>
-              <a:rPr lang="zh-CN" sz="2400">
-                <a:solidFill>
-                  <a:srgbClr val="ffffff"/>
+              <a:rPr lang="zh-CN" sz="2400" dirty="0" smtClean="0">
+                <a:solidFill>
+                  <a:srgbClr val="FFFFFF"/>
+                </a:solidFill>
+                <a:latin typeface="Consolas"/>
+              </a:rPr>
+              <a:t>//</a:t>
+            </a:r>
+            <a:r>
+              <a:rPr lang="zh-CN" sz="2400" dirty="0">
+                <a:solidFill>
+                  <a:srgbClr val="FFFFFF"/>
+                </a:solidFill>
+                <a:latin typeface="Consolas"/>
+              </a:rPr>
+              <a:t>call the quicksort method</a:t>
+            </a:r>
+            <a:endParaRPr dirty="0"/>
+          </a:p>
+          <a:p>
+            <a:pPr>
+              <a:lnSpc>
+                <a:spcPct val="100000"/>
+              </a:lnSpc>
+            </a:pPr>
+            <a:r>
+              <a:rPr lang="zh-CN" sz="2400" dirty="0" smtClean="0">
+                <a:solidFill>
+                  <a:srgbClr val="FFFFFF"/>
                 </a:solidFill>
                 <a:latin typeface="Consolas"/>
               </a:rPr>
               <a:t>}</a:t>
             </a:r>
-            <a:endParaRPr/>
-          </a:p>
-          <a:p>
-            <a:pPr>
-              <a:lnSpc>
-                <a:spcPct val="100000"/>
-              </a:lnSpc>
-            </a:pPr>
-            <a:r>
-              <a:rPr lang="zh-CN" sz="2400">
-                <a:solidFill>
-                  <a:srgbClr val="ffffff"/>
-                </a:solidFill>
-                <a:latin typeface="Consolas"/>
-              </a:rPr>
-              <a:t>	</a:t>
-            </a:r>
-            <a:r>
-              <a:rPr lang="zh-CN" sz="2400">
-                <a:solidFill>
-                  <a:srgbClr val="ffffff"/>
-                </a:solidFill>
-                <a:latin typeface="Consolas"/>
-              </a:rPr>
-              <a:t>	</a:t>
-            </a:r>
-            <a:r>
-              <a:rPr lang="zh-CN" sz="2400">
-                <a:solidFill>
-                  <a:srgbClr val="ffffff"/>
-                </a:solidFill>
-                <a:latin typeface="Consolas"/>
-              </a:rPr>
-              <a:t>        </a:t>
-            </a:r>
-            <a:r>
-              <a:rPr lang="zh-CN" sz="2400">
-                <a:solidFill>
-                  <a:srgbClr val="ffffff"/>
-                </a:solidFill>
-                <a:latin typeface="Consolas"/>
-              </a:rPr>
-              <a:t>quicksort(arr, 0, 9); //call the quicksort method</a:t>
-            </a:r>
-            <a:endParaRPr/>
-          </a:p>
-          <a:p>
-            <a:pPr>
-              <a:lnSpc>
-                <a:spcPct val="100000"/>
-              </a:lnSpc>
-            </a:pPr>
-            <a:r>
-              <a:rPr lang="zh-CN" sz="2400">
-                <a:solidFill>
-                  <a:srgbClr val="ffffff"/>
-                </a:solidFill>
-                <a:latin typeface="Consolas"/>
-              </a:rPr>
-              <a:t>        </a:t>
-            </a:r>
-            <a:r>
-              <a:rPr lang="zh-CN" sz="2400">
-                <a:solidFill>
-                  <a:srgbClr val="ffffff"/>
-                </a:solidFill>
-                <a:latin typeface="Consolas"/>
-              </a:rPr>
-              <a:t>}</a:t>
-            </a:r>
-            <a:endParaRPr/>
-          </a:p>
-          <a:p>
-            <a:pPr>
-              <a:lnSpc>
-                <a:spcPct val="100000"/>
-              </a:lnSpc>
-            </a:pPr>
-            <a:endParaRPr/>
+            <a:r>
+              <a:rPr lang="en-US" altLang="zh-CN" sz="2400" dirty="0" smtClean="0">
+                <a:solidFill>
+                  <a:srgbClr val="FFFFFF"/>
+                </a:solidFill>
+                <a:latin typeface="Consolas"/>
+              </a:rPr>
+              <a:t>//end of main function</a:t>
+            </a:r>
+            <a:endParaRPr dirty="0"/>
+          </a:p>
+          <a:p>
+            <a:pPr>
+              <a:lnSpc>
+                <a:spcPct val="100000"/>
+              </a:lnSpc>
+            </a:pPr>
+            <a:endParaRPr dirty="0"/>
           </a:p>
         </p:txBody>
       </p:sp>
     </p:spTree>
   </p:cSld>
+  <p:clrMapOvr>
+    <a:masterClrMapping/>
+  </p:clrMapOvr>
   <p:timing>
     <p:tnLst>
       <p:par>
-        <p:cTn dur="indefinite" id="5" nodeType="tmRoot" restart="never">
+        <p:cTn id="1" dur="indefinite" restart="never" nodeType="tmRoot">
           <p:childTnLst>
             <p:seq>
-              <p:cTn id="6" nodeType="mainSeq">
-                <p:childTnLst/>
+              <p:cTn id="2" nodeType="mainSeq">
+                <p:childTnLst>
+                  <p:par>
+                    <p:cTn id="3"/>
+                  </p:par>
+                </p:childTnLst>
               </p:cTn>
               <p:prevCondLst>
-                <p:cond delay="0" evt="onPrev">
+                <p:cond evt="onPrev" delay="0">
                   <p:tgtEl>
                     <p:sldTgt/>
                   </p:tgtEl>
                 </p:cond>
               </p:prevCondLst>
               <p:nextCondLst>
-                <p:cond delay="0" evt="onNext">
+                <p:cond evt="onNext" delay="0">
                   <p:tgtEl>
                     <p:sldTgt/>
                   </p:tgtEl>
@@ -2961,7 +3008,7 @@
 </file>
 
 <file path=ppt/slides/slide5.xml><?xml version="1.0" encoding="utf-8"?>
-<p:sld xmlns:a="http://schemas.openxmlformats.org/drawingml/2006/main" xmlns:p="http://schemas.openxmlformats.org/presentationml/2006/main" xmlns:r="http://schemas.openxmlformats.org/officeDocument/2006/relationships">
+<p:sld xmlns:a="http://schemas.openxmlformats.org/drawingml/2006/main" xmlns:r="http://schemas.openxmlformats.org/officeDocument/2006/relationships" xmlns:p="http://schemas.openxmlformats.org/presentationml/2006/main">
   <p:cSld>
     <p:spTree>
       <p:nvGrpSpPr>
@@ -2994,946 +3041,955 @@
         </p:spPr>
         <p:txBody>
           <a:bodyPr/>
-          <a:p>
-            <a:pPr>
-              <a:lnSpc>
-                <a:spcPct val="100000"/>
-              </a:lnSpc>
-            </a:pPr>
-            <a:r>
-              <a:rPr b="1" lang="zh-CN" sz="2000">
-                <a:solidFill>
-                  <a:srgbClr val="000000"/>
+          <a:lstStyle/>
+          <a:p>
+            <a:pPr>
+              <a:lnSpc>
+                <a:spcPct val="100000"/>
+              </a:lnSpc>
+            </a:pPr>
+            <a:r>
+              <a:rPr lang="zh-CN" sz="2000" b="1" dirty="0" smtClean="0">
+                <a:solidFill>
+                  <a:srgbClr val="FFFFFF"/>
+                </a:solidFill>
+                <a:latin typeface="Consolas"/>
+              </a:rPr>
+              <a:t>static</a:t>
+            </a:r>
+            <a:r>
+              <a:rPr lang="zh-CN" sz="2000" dirty="0" smtClean="0">
+                <a:solidFill>
+                  <a:srgbClr val="FFFFFF"/>
+                </a:solidFill>
+                <a:latin typeface="Consolas"/>
+              </a:rPr>
+              <a:t> </a:t>
+            </a:r>
+            <a:r>
+              <a:rPr lang="zh-CN" sz="2000" b="1" dirty="0">
+                <a:solidFill>
+                  <a:srgbClr val="FFFFFF"/>
+                </a:solidFill>
+                <a:latin typeface="Consolas"/>
+              </a:rPr>
+              <a:t>void</a:t>
+            </a:r>
+            <a:r>
+              <a:rPr lang="zh-CN" sz="2000" dirty="0">
+                <a:solidFill>
+                  <a:srgbClr val="FFFFFF"/>
+                </a:solidFill>
+                <a:latin typeface="Consolas"/>
+              </a:rPr>
+              <a:t> quicksort(</a:t>
+            </a:r>
+            <a:r>
+              <a:rPr lang="zh-CN" sz="2000" b="1" dirty="0">
+                <a:solidFill>
+                  <a:srgbClr val="FFFFFF"/>
+                </a:solidFill>
+                <a:latin typeface="Consolas"/>
+              </a:rPr>
+              <a:t>int</a:t>
+            </a:r>
+            <a:r>
+              <a:rPr lang="zh-CN" sz="2000" dirty="0">
+                <a:solidFill>
+                  <a:srgbClr val="FFFFFF"/>
+                </a:solidFill>
+                <a:latin typeface="Consolas"/>
+              </a:rPr>
+              <a:t>[] a, </a:t>
+            </a:r>
+            <a:r>
+              <a:rPr lang="zh-CN" sz="2000" b="1" dirty="0">
+                <a:solidFill>
+                  <a:srgbClr val="FFFFFF"/>
+                </a:solidFill>
+                <a:latin typeface="Consolas"/>
+              </a:rPr>
+              <a:t>int</a:t>
+            </a:r>
+            <a:r>
+              <a:rPr lang="zh-CN" sz="2000" dirty="0">
+                <a:solidFill>
+                  <a:srgbClr val="FFFFFF"/>
+                </a:solidFill>
+                <a:latin typeface="Consolas"/>
+              </a:rPr>
+              <a:t> begin, </a:t>
+            </a:r>
+            <a:r>
+              <a:rPr lang="zh-CN" sz="2000" b="1" dirty="0">
+                <a:solidFill>
+                  <a:srgbClr val="FFFFFF"/>
+                </a:solidFill>
+                <a:latin typeface="Consolas"/>
+              </a:rPr>
+              <a:t>int</a:t>
+            </a:r>
+            <a:r>
+              <a:rPr lang="zh-CN" sz="2000" dirty="0">
+                <a:solidFill>
+                  <a:srgbClr val="FFFFFF"/>
+                </a:solidFill>
+                <a:latin typeface="Consolas"/>
+              </a:rPr>
+              <a:t> end) 	{</a:t>
+            </a:r>
+            <a:endParaRPr dirty="0"/>
+          </a:p>
+          <a:p>
+            <a:pPr>
+              <a:lnSpc>
+                <a:spcPct val="100000"/>
+              </a:lnSpc>
+            </a:pPr>
+            <a:r>
+              <a:rPr lang="zh-CN" sz="2000" dirty="0">
+                <a:solidFill>
+                  <a:srgbClr val="FFFFFF"/>
+                </a:solidFill>
+                <a:latin typeface="Consolas"/>
+              </a:rPr>
+              <a:t>       </a:t>
+            </a:r>
+            <a:r>
+              <a:rPr lang="zh-CN" sz="2000" dirty="0" smtClean="0">
+                <a:solidFill>
+                  <a:srgbClr val="FFFFFF"/>
+                </a:solidFill>
+                <a:latin typeface="Consolas"/>
+              </a:rPr>
+              <a:t>//</a:t>
+            </a:r>
+            <a:r>
+              <a:rPr lang="zh-CN" sz="2000" dirty="0">
+                <a:solidFill>
+                  <a:srgbClr val="FFFFFF"/>
+                </a:solidFill>
+                <a:latin typeface="Consolas"/>
+              </a:rPr>
+              <a:t>the quicksort function</a:t>
+            </a:r>
+            <a:endParaRPr dirty="0"/>
+          </a:p>
+          <a:p>
+            <a:pPr>
+              <a:lnSpc>
+                <a:spcPct val="100000"/>
+              </a:lnSpc>
+            </a:pPr>
+            <a:r>
+              <a:rPr lang="en-US" altLang="zh-CN" sz="2000" dirty="0">
+                <a:solidFill>
+                  <a:srgbClr val="FFFFFF"/>
                 </a:solidFill>
                 <a:latin typeface="Consolas"/>
               </a:rPr>
               <a:t>	</a:t>
             </a:r>
             <a:r>
-              <a:rPr b="1" lang="zh-CN" sz="2000">
-                <a:solidFill>
-                  <a:srgbClr val="ffffff"/>
-                </a:solidFill>
-                <a:latin typeface="Consolas"/>
-              </a:rPr>
-              <a:t>static</a:t>
-            </a:r>
-            <a:r>
-              <a:rPr lang="zh-CN" sz="2000">
-                <a:solidFill>
-                  <a:srgbClr val="ffffff"/>
+              <a:rPr lang="zh-CN" sz="2000" b="1" dirty="0" smtClean="0">
+                <a:solidFill>
+                  <a:srgbClr val="FFFFFF"/>
+                </a:solidFill>
+                <a:latin typeface="Consolas"/>
+              </a:rPr>
+              <a:t>if</a:t>
+            </a:r>
+            <a:r>
+              <a:rPr lang="zh-CN" sz="2000" dirty="0" smtClean="0">
+                <a:solidFill>
+                  <a:srgbClr val="FFFFFF"/>
                 </a:solidFill>
                 <a:latin typeface="Consolas"/>
               </a:rPr>
               <a:t> </a:t>
             </a:r>
             <a:r>
-              <a:rPr b="1" lang="zh-CN" sz="2000">
-                <a:solidFill>
-                  <a:srgbClr val="ffffff"/>
-                </a:solidFill>
-                <a:latin typeface="Consolas"/>
-              </a:rPr>
-              <a:t>void</a:t>
-            </a:r>
-            <a:r>
-              <a:rPr lang="zh-CN" sz="2000">
-                <a:solidFill>
-                  <a:srgbClr val="ffffff"/>
-                </a:solidFill>
-                <a:latin typeface="Consolas"/>
-              </a:rPr>
-              <a:t> quicksort(</a:t>
-            </a:r>
-            <a:r>
-              <a:rPr b="1" lang="zh-CN" sz="2000">
-                <a:solidFill>
-                  <a:srgbClr val="ffffff"/>
+              <a:rPr lang="zh-CN" sz="2000" dirty="0">
+                <a:solidFill>
+                  <a:srgbClr val="FFFFFF"/>
+                </a:solidFill>
+                <a:latin typeface="Consolas"/>
+              </a:rPr>
+              <a:t>(begin &gt;= end)  //end of calling itself;</a:t>
+            </a:r>
+            <a:endParaRPr dirty="0"/>
+          </a:p>
+          <a:p>
+            <a:pPr>
+              <a:lnSpc>
+                <a:spcPct val="100000"/>
+              </a:lnSpc>
+            </a:pPr>
+            <a:r>
+              <a:rPr lang="zh-CN" sz="2000" dirty="0">
+                <a:solidFill>
+                  <a:srgbClr val="FFFFFF"/>
+                </a:solidFill>
+                <a:latin typeface="Consolas"/>
+              </a:rPr>
+              <a:t>	</a:t>
+            </a:r>
+            <a:r>
+              <a:rPr lang="en-US" altLang="zh-CN" sz="2000" dirty="0">
+                <a:solidFill>
+                  <a:srgbClr val="FFFFFF"/>
+                </a:solidFill>
+                <a:latin typeface="Consolas"/>
+              </a:rPr>
+              <a:t>	</a:t>
+            </a:r>
+            <a:r>
+              <a:rPr lang="zh-CN" sz="2000" b="1" dirty="0" smtClean="0">
+                <a:solidFill>
+                  <a:srgbClr val="FFFFFF"/>
+                </a:solidFill>
+                <a:latin typeface="Consolas"/>
+              </a:rPr>
+              <a:t>return</a:t>
+            </a:r>
+            <a:r>
+              <a:rPr lang="zh-CN" sz="2000" dirty="0" smtClean="0">
+                <a:solidFill>
+                  <a:srgbClr val="FFFFFF"/>
+                </a:solidFill>
+                <a:latin typeface="Consolas"/>
+              </a:rPr>
+              <a:t> </a:t>
+            </a:r>
+            <a:r>
+              <a:rPr lang="zh-CN" sz="2000" dirty="0">
+                <a:solidFill>
+                  <a:srgbClr val="FFFFFF"/>
+                </a:solidFill>
+                <a:latin typeface="Consolas"/>
+              </a:rPr>
+              <a:t>;</a:t>
+            </a:r>
+            <a:endParaRPr dirty="0"/>
+          </a:p>
+          <a:p>
+            <a:pPr>
+              <a:lnSpc>
+                <a:spcPct val="100000"/>
+              </a:lnSpc>
+            </a:pPr>
+            <a:r>
+              <a:rPr lang="zh-CN" sz="2000" dirty="0">
+                <a:solidFill>
+                  <a:srgbClr val="FFFFFF"/>
+                </a:solidFill>
+                <a:latin typeface="Consolas"/>
+              </a:rPr>
+              <a:t>	</a:t>
+            </a:r>
+            <a:r>
+              <a:rPr lang="zh-CN" sz="2000" b="1" dirty="0" smtClean="0">
+                <a:solidFill>
+                  <a:srgbClr val="FFFFFF"/>
                 </a:solidFill>
                 <a:latin typeface="Consolas"/>
               </a:rPr>
               <a:t>int</a:t>
             </a:r>
             <a:r>
-              <a:rPr lang="zh-CN" sz="2000">
-                <a:solidFill>
-                  <a:srgbClr val="ffffff"/>
-                </a:solidFill>
-                <a:latin typeface="Consolas"/>
-              </a:rPr>
-              <a:t>[] a, </a:t>
-            </a:r>
-            <a:r>
-              <a:rPr b="1" lang="zh-CN" sz="2000">
-                <a:solidFill>
-                  <a:srgbClr val="ffffff"/>
+              <a:rPr lang="zh-CN" sz="2000" dirty="0" smtClean="0">
+                <a:solidFill>
+                  <a:srgbClr val="FFFFFF"/>
+                </a:solidFill>
+                <a:latin typeface="Consolas"/>
+              </a:rPr>
+              <a:t> </a:t>
+            </a:r>
+            <a:r>
+              <a:rPr lang="zh-CN" sz="2000" dirty="0">
+                <a:solidFill>
+                  <a:srgbClr val="FFFFFF"/>
+                </a:solidFill>
+                <a:latin typeface="Consolas"/>
+              </a:rPr>
+              <a:t>mid_num = a[begin];</a:t>
+            </a:r>
+            <a:endParaRPr dirty="0"/>
+          </a:p>
+          <a:p>
+            <a:pPr>
+              <a:lnSpc>
+                <a:spcPct val="100000"/>
+              </a:lnSpc>
+            </a:pPr>
+            <a:r>
+              <a:rPr lang="en-US" altLang="zh-CN" sz="2000" dirty="0">
+                <a:solidFill>
+                  <a:srgbClr val="FFFFFF"/>
+                </a:solidFill>
+                <a:latin typeface="Consolas"/>
+              </a:rPr>
+              <a:t>	</a:t>
+            </a:r>
+            <a:r>
+              <a:rPr lang="zh-CN" sz="2000" b="1" dirty="0" smtClean="0">
+                <a:solidFill>
+                  <a:srgbClr val="FFFFFF"/>
                 </a:solidFill>
                 <a:latin typeface="Consolas"/>
               </a:rPr>
               <a:t>int</a:t>
             </a:r>
             <a:r>
-              <a:rPr lang="zh-CN" sz="2000">
-                <a:solidFill>
-                  <a:srgbClr val="ffffff"/>
-                </a:solidFill>
-                <a:latin typeface="Consolas"/>
-              </a:rPr>
-              <a:t> begin, </a:t>
-            </a:r>
-            <a:r>
-              <a:rPr b="1" lang="zh-CN" sz="2000">
-                <a:solidFill>
-                  <a:srgbClr val="ffffff"/>
+              <a:rPr lang="zh-CN" sz="2000" dirty="0" smtClean="0">
+                <a:solidFill>
+                  <a:srgbClr val="FFFFFF"/>
+                </a:solidFill>
+                <a:latin typeface="Consolas"/>
+              </a:rPr>
+              <a:t> </a:t>
+            </a:r>
+            <a:r>
+              <a:rPr lang="zh-CN" sz="2000" dirty="0">
+                <a:solidFill>
+                  <a:srgbClr val="FFFFFF"/>
+                </a:solidFill>
+                <a:latin typeface="Consolas"/>
+              </a:rPr>
+              <a:t>mid_pos = begin;</a:t>
+            </a:r>
+            <a:endParaRPr dirty="0"/>
+          </a:p>
+          <a:p>
+            <a:pPr>
+              <a:lnSpc>
+                <a:spcPct val="100000"/>
+              </a:lnSpc>
+            </a:pPr>
+            <a:r>
+              <a:rPr lang="zh-CN" sz="2000" dirty="0">
+                <a:solidFill>
+                  <a:srgbClr val="FFFFFF"/>
+                </a:solidFill>
+                <a:latin typeface="Consolas"/>
+              </a:rPr>
+              <a:t>	</a:t>
+            </a:r>
+            <a:r>
+              <a:rPr lang="zh-CN" sz="2000" dirty="0" smtClean="0">
+                <a:solidFill>
+                  <a:srgbClr val="FFFFFF"/>
+                </a:solidFill>
+                <a:latin typeface="Consolas"/>
+              </a:rPr>
+              <a:t>for </a:t>
+            </a:r>
+            <a:r>
+              <a:rPr lang="zh-CN" sz="2000" dirty="0">
+                <a:solidFill>
+                  <a:srgbClr val="FFFFFF"/>
+                </a:solidFill>
+                <a:latin typeface="Consolas"/>
+              </a:rPr>
+              <a:t>(</a:t>
+            </a:r>
+            <a:r>
+              <a:rPr lang="zh-CN" sz="2000" b="1" dirty="0">
+                <a:solidFill>
+                  <a:srgbClr val="FFFFFF"/>
                 </a:solidFill>
                 <a:latin typeface="Consolas"/>
               </a:rPr>
               <a:t>int</a:t>
             </a:r>
             <a:r>
-              <a:rPr lang="zh-CN" sz="2000">
-                <a:solidFill>
-                  <a:srgbClr val="ffffff"/>
-                </a:solidFill>
-                <a:latin typeface="Consolas"/>
-              </a:rPr>
-              <a:t> end) </a:t>
-            </a:r>
-            <a:r>
-              <a:rPr lang="zh-CN" sz="2000">
-                <a:solidFill>
-                  <a:srgbClr val="ffffff"/>
+              <a:rPr lang="zh-CN" sz="2000" dirty="0">
+                <a:solidFill>
+                  <a:srgbClr val="FFFFFF"/>
+                </a:solidFill>
+                <a:latin typeface="Consolas"/>
+              </a:rPr>
+              <a:t> i = begin + 1; i &lt;= end; i = i + 1) 	</a:t>
+            </a:r>
+            <a:r>
+              <a:rPr lang="zh-CN" sz="2000" dirty="0" smtClean="0">
+                <a:solidFill>
+                  <a:srgbClr val="FFFFFF"/>
+                </a:solidFill>
+                <a:latin typeface="Consolas"/>
+              </a:rPr>
+              <a:t>{</a:t>
+            </a:r>
+            <a:endParaRPr dirty="0"/>
+          </a:p>
+          <a:p>
+            <a:pPr>
+              <a:lnSpc>
+                <a:spcPct val="100000"/>
+              </a:lnSpc>
+            </a:pPr>
+            <a:r>
+              <a:rPr lang="zh-CN" sz="2000" dirty="0">
+                <a:solidFill>
+                  <a:srgbClr val="FFFFFF"/>
                 </a:solidFill>
                 <a:latin typeface="Consolas"/>
               </a:rPr>
               <a:t>	</a:t>
             </a:r>
             <a:r>
-              <a:rPr lang="zh-CN" sz="2000">
-                <a:solidFill>
-                  <a:srgbClr val="ffffff"/>
-                </a:solidFill>
-                <a:latin typeface="Consolas"/>
-              </a:rPr>
-              <a:t>{</a:t>
-            </a:r>
-            <a:endParaRPr/>
-          </a:p>
-          <a:p>
-            <a:pPr>
-              <a:lnSpc>
-                <a:spcPct val="100000"/>
-              </a:lnSpc>
-            </a:pPr>
-            <a:r>
-              <a:rPr lang="zh-CN" sz="2000">
-                <a:solidFill>
-                  <a:srgbClr val="ffffff"/>
-                </a:solidFill>
-                <a:latin typeface="Consolas"/>
-              </a:rPr>
-              <a:t>               </a:t>
-            </a:r>
-            <a:r>
-              <a:rPr lang="zh-CN" sz="2000">
-                <a:solidFill>
-                  <a:srgbClr val="ffffff"/>
-                </a:solidFill>
-                <a:latin typeface="Consolas"/>
-              </a:rPr>
-              <a:t>//the quicksort function</a:t>
-            </a:r>
-            <a:endParaRPr/>
-          </a:p>
-          <a:p>
-            <a:pPr>
-              <a:lnSpc>
-                <a:spcPct val="100000"/>
-              </a:lnSpc>
-            </a:pPr>
-            <a:r>
-              <a:rPr lang="zh-CN" sz="2000">
-                <a:solidFill>
-                  <a:srgbClr val="ffffff"/>
+              <a:rPr lang="en-US" altLang="zh-CN" sz="2000" dirty="0">
+                <a:solidFill>
+                  <a:srgbClr val="FFFFFF"/>
                 </a:solidFill>
                 <a:latin typeface="Consolas"/>
               </a:rPr>
               <a:t>	</a:t>
             </a:r>
             <a:r>
-              <a:rPr lang="zh-CN" sz="2000">
-                <a:solidFill>
-                  <a:srgbClr val="ffffff"/>
+              <a:rPr lang="zh-CN" sz="2000" b="1" dirty="0" smtClean="0">
+                <a:solidFill>
+                  <a:srgbClr val="FFFFFF"/>
+                </a:solidFill>
+                <a:latin typeface="Consolas"/>
+              </a:rPr>
+              <a:t>if</a:t>
+            </a:r>
+            <a:r>
+              <a:rPr lang="zh-CN" sz="2000" dirty="0" smtClean="0">
+                <a:solidFill>
+                  <a:srgbClr val="FFFFFF"/>
+                </a:solidFill>
+                <a:latin typeface="Consolas"/>
+              </a:rPr>
+              <a:t> </a:t>
+            </a:r>
+            <a:r>
+              <a:rPr lang="zh-CN" sz="2000" dirty="0">
+                <a:solidFill>
+                  <a:srgbClr val="FFFFFF"/>
+                </a:solidFill>
+                <a:latin typeface="Consolas"/>
+              </a:rPr>
+              <a:t>(a[i] &lt; mid_num){</a:t>
+            </a:r>
+            <a:endParaRPr dirty="0"/>
+          </a:p>
+          <a:p>
+            <a:pPr>
+              <a:lnSpc>
+                <a:spcPct val="100000"/>
+              </a:lnSpc>
+            </a:pPr>
+            <a:r>
+              <a:rPr lang="zh-CN" sz="2000" dirty="0">
+                <a:solidFill>
+                  <a:srgbClr val="FFFFFF"/>
                 </a:solidFill>
                 <a:latin typeface="Consolas"/>
               </a:rPr>
               <a:t>	</a:t>
             </a:r>
             <a:r>
-              <a:rPr lang="zh-CN" sz="2000">
-                <a:solidFill>
-                  <a:srgbClr val="ffffff"/>
-                </a:solidFill>
-                <a:latin typeface="Consolas"/>
-              </a:rPr>
-              <a:t>        </a:t>
-            </a:r>
-            <a:r>
-              <a:rPr b="1" lang="zh-CN" sz="2000">
-                <a:solidFill>
-                  <a:srgbClr val="ffffff"/>
-                </a:solidFill>
-                <a:latin typeface="Consolas"/>
-              </a:rPr>
-              <a:t>if</a:t>
-            </a:r>
-            <a:r>
-              <a:rPr lang="zh-CN" sz="2000">
-                <a:solidFill>
-                  <a:srgbClr val="ffffff"/>
-                </a:solidFill>
-                <a:latin typeface="Consolas"/>
-              </a:rPr>
-              <a:t> (begin &gt;= end)  //end of calling itself;</a:t>
-            </a:r>
-            <a:endParaRPr/>
-          </a:p>
-          <a:p>
-            <a:pPr>
-              <a:lnSpc>
-                <a:spcPct val="100000"/>
-              </a:lnSpc>
-            </a:pPr>
-            <a:r>
-              <a:rPr lang="zh-CN" sz="2000">
-                <a:solidFill>
-                  <a:srgbClr val="ffffff"/>
+              <a:rPr lang="en-US" altLang="zh-CN" sz="2000" dirty="0">
+                <a:solidFill>
+                  <a:srgbClr val="FFFFFF"/>
                 </a:solidFill>
                 <a:latin typeface="Consolas"/>
               </a:rPr>
               <a:t>	</a:t>
             </a:r>
             <a:r>
-              <a:rPr lang="zh-CN" sz="2000">
-                <a:solidFill>
-                  <a:srgbClr val="ffffff"/>
+              <a:rPr lang="en-US" altLang="zh-CN" sz="2000" dirty="0" smtClean="0">
+                <a:solidFill>
+                  <a:srgbClr val="FFFFFF"/>
                 </a:solidFill>
                 <a:latin typeface="Consolas"/>
               </a:rPr>
               <a:t>	</a:t>
             </a:r>
             <a:r>
-              <a:rPr lang="zh-CN" sz="2000">
-                <a:solidFill>
-                  <a:srgbClr val="ffffff"/>
-                </a:solidFill>
-                <a:latin typeface="Consolas"/>
-              </a:rPr>
-              <a:t>         </a:t>
-            </a:r>
-            <a:r>
-              <a:rPr lang="zh-CN" sz="2000">
-                <a:solidFill>
-                  <a:srgbClr val="ffffff"/>
+              <a:rPr lang="zh-CN" sz="2000" dirty="0" smtClean="0">
+                <a:solidFill>
+                  <a:srgbClr val="FFFFFF"/>
+                </a:solidFill>
+                <a:latin typeface="Consolas"/>
+              </a:rPr>
+              <a:t>swap</a:t>
+            </a:r>
+            <a:r>
+              <a:rPr lang="zh-CN" sz="2000" dirty="0">
+                <a:solidFill>
+                  <a:srgbClr val="FFFFFF"/>
+                </a:solidFill>
+                <a:latin typeface="Consolas"/>
+              </a:rPr>
+              <a:t>(a, mid_pos + 1, i)</a:t>
+            </a:r>
+            <a:r>
+              <a:rPr lang="zh-CN" sz="2000" dirty="0" smtClean="0">
+                <a:solidFill>
+                  <a:srgbClr val="FFFFFF"/>
+                </a:solidFill>
+                <a:latin typeface="Consolas"/>
+              </a:rPr>
+              <a:t>;</a:t>
+            </a:r>
+            <a:endParaRPr lang="en-US" altLang="zh-CN" sz="2000" dirty="0" smtClean="0">
+              <a:solidFill>
+                <a:srgbClr val="FFFFFF"/>
+              </a:solidFill>
+              <a:latin typeface="Consolas"/>
+            </a:endParaRPr>
+          </a:p>
+          <a:p>
+            <a:pPr>
+              <a:lnSpc>
+                <a:spcPct val="100000"/>
+              </a:lnSpc>
+            </a:pPr>
+            <a:r>
+              <a:rPr lang="en-US" altLang="zh-CN" sz="2000" dirty="0">
+                <a:solidFill>
+                  <a:srgbClr val="FFFFFF"/>
                 </a:solidFill>
                 <a:latin typeface="Consolas"/>
               </a:rPr>
               <a:t>	</a:t>
             </a:r>
             <a:r>
-              <a:rPr b="1" lang="zh-CN" sz="2000">
-                <a:solidFill>
-                  <a:srgbClr val="ffffff"/>
-                </a:solidFill>
-                <a:latin typeface="Consolas"/>
-              </a:rPr>
-              <a:t>return</a:t>
-            </a:r>
-            <a:r>
-              <a:rPr lang="zh-CN" sz="2000">
-                <a:solidFill>
-                  <a:srgbClr val="ffffff"/>
-                </a:solidFill>
-                <a:latin typeface="Consolas"/>
-              </a:rPr>
-              <a:t> ;</a:t>
-            </a:r>
-            <a:endParaRPr/>
-          </a:p>
-          <a:p>
-            <a:pPr>
-              <a:lnSpc>
-                <a:spcPct val="100000"/>
-              </a:lnSpc>
-            </a:pPr>
-            <a:r>
-              <a:rPr lang="zh-CN" sz="2000">
-                <a:solidFill>
-                  <a:srgbClr val="ffffff"/>
+              <a:rPr lang="en-US" altLang="zh-CN" sz="2000" dirty="0" smtClean="0">
+                <a:solidFill>
+                  <a:srgbClr val="FFFFFF"/>
+                </a:solidFill>
+                <a:latin typeface="Consolas"/>
+              </a:rPr>
+              <a:t>		</a:t>
+            </a:r>
+            <a:r>
+              <a:rPr lang="zh-CN" sz="2000" dirty="0" smtClean="0">
+                <a:solidFill>
+                  <a:srgbClr val="FFFFFF"/>
+                </a:solidFill>
+                <a:latin typeface="Consolas"/>
+              </a:rPr>
+              <a:t>//</a:t>
+            </a:r>
+            <a:r>
+              <a:rPr lang="zh-CN" sz="2000" dirty="0">
+                <a:solidFill>
+                  <a:srgbClr val="FFFFFF"/>
+                </a:solidFill>
+                <a:latin typeface="Consolas"/>
+              </a:rPr>
+              <a:t>put the min_num  in the right place</a:t>
+            </a:r>
+            <a:endParaRPr dirty="0"/>
+          </a:p>
+          <a:p>
+            <a:pPr>
+              <a:lnSpc>
+                <a:spcPct val="100000"/>
+              </a:lnSpc>
+            </a:pPr>
+            <a:r>
+              <a:rPr lang="zh-CN" sz="2000" dirty="0">
+                <a:solidFill>
+                  <a:srgbClr val="FFFFFF"/>
+                </a:solidFill>
+                <a:latin typeface="Consolas"/>
+              </a:rPr>
+              <a:t>		</a:t>
+            </a:r>
+            <a:r>
+              <a:rPr lang="en-US" altLang="zh-CN" sz="2000" dirty="0">
+                <a:solidFill>
+                  <a:srgbClr val="FFFFFF"/>
                 </a:solidFill>
                 <a:latin typeface="Consolas"/>
               </a:rPr>
               <a:t>	</a:t>
             </a:r>
             <a:r>
-              <a:rPr lang="zh-CN" sz="2000">
-                <a:solidFill>
-                  <a:srgbClr val="ffffff"/>
+              <a:rPr lang="zh-CN" sz="2000" dirty="0" smtClean="0">
+                <a:solidFill>
+                  <a:srgbClr val="FFFFFF"/>
+                </a:solidFill>
+                <a:latin typeface="Consolas"/>
+              </a:rPr>
+              <a:t>mid</a:t>
+            </a:r>
+            <a:r>
+              <a:rPr lang="zh-CN" sz="2000" dirty="0">
+                <a:solidFill>
+                  <a:srgbClr val="FFFFFF"/>
+                </a:solidFill>
+                <a:latin typeface="Consolas"/>
+              </a:rPr>
+              <a:t>_pos = mid_pos + 1;</a:t>
+            </a:r>
+            <a:endParaRPr dirty="0"/>
+          </a:p>
+          <a:p>
+            <a:pPr>
+              <a:lnSpc>
+                <a:spcPct val="100000"/>
+              </a:lnSpc>
+            </a:pPr>
+            <a:r>
+              <a:rPr lang="zh-CN" sz="2000" dirty="0">
+                <a:solidFill>
+                  <a:srgbClr val="FFFFFF"/>
                 </a:solidFill>
                 <a:latin typeface="Consolas"/>
               </a:rPr>
               <a:t>	</a:t>
             </a:r>
             <a:r>
-              <a:rPr lang="zh-CN" sz="2000">
-                <a:solidFill>
-                  <a:srgbClr val="ffffff"/>
-                </a:solidFill>
-                <a:latin typeface="Consolas"/>
-              </a:rPr>
-              <a:t>        </a:t>
-            </a:r>
-            <a:r>
-              <a:rPr b="1" lang="zh-CN" sz="2000">
-                <a:solidFill>
-                  <a:srgbClr val="ffffff"/>
-                </a:solidFill>
-                <a:latin typeface="Consolas"/>
-              </a:rPr>
-              <a:t>int</a:t>
-            </a:r>
-            <a:r>
-              <a:rPr lang="zh-CN" sz="2000">
-                <a:solidFill>
-                  <a:srgbClr val="ffffff"/>
-                </a:solidFill>
-                <a:latin typeface="Consolas"/>
-              </a:rPr>
-              <a:t> mid_num = a[begin];</a:t>
-            </a:r>
-            <a:endParaRPr/>
-          </a:p>
-          <a:p>
-            <a:pPr>
-              <a:lnSpc>
-                <a:spcPct val="100000"/>
-              </a:lnSpc>
-            </a:pPr>
-            <a:r>
-              <a:rPr lang="zh-CN" sz="2000">
-                <a:solidFill>
-                  <a:srgbClr val="ffffff"/>
+              <a:rPr lang="en-US" altLang="zh-CN" sz="2000" dirty="0">
+                <a:solidFill>
+                  <a:srgbClr val="FFFFFF"/>
                 </a:solidFill>
                 <a:latin typeface="Consolas"/>
               </a:rPr>
               <a:t>	</a:t>
             </a:r>
             <a:r>
-              <a:rPr lang="zh-CN" sz="2000">
-                <a:solidFill>
-                  <a:srgbClr val="ffffff"/>
+              <a:rPr lang="zh-CN" sz="2000" dirty="0" smtClean="0">
+                <a:solidFill>
+                  <a:srgbClr val="FFFFFF"/>
+                </a:solidFill>
+                <a:latin typeface="Consolas"/>
+              </a:rPr>
+              <a:t>}</a:t>
+            </a:r>
+            <a:endParaRPr dirty="0"/>
+          </a:p>
+          <a:p>
+            <a:pPr>
+              <a:lnSpc>
+                <a:spcPct val="100000"/>
+              </a:lnSpc>
+            </a:pPr>
+            <a:r>
+              <a:rPr lang="en-US" altLang="zh-CN" sz="2000" dirty="0">
+                <a:solidFill>
+                  <a:srgbClr val="FFFFFF"/>
                 </a:solidFill>
                 <a:latin typeface="Consolas"/>
               </a:rPr>
               <a:t>	</a:t>
             </a:r>
             <a:r>
-              <a:rPr lang="zh-CN" sz="2000">
-                <a:solidFill>
-                  <a:srgbClr val="ffffff"/>
-                </a:solidFill>
-                <a:latin typeface="Consolas"/>
-              </a:rPr>
-              <a:t>        </a:t>
-            </a:r>
-            <a:r>
-              <a:rPr b="1" lang="zh-CN" sz="2000">
-                <a:solidFill>
-                  <a:srgbClr val="ffffff"/>
-                </a:solidFill>
-                <a:latin typeface="Consolas"/>
-              </a:rPr>
-              <a:t>int</a:t>
-            </a:r>
-            <a:r>
-              <a:rPr lang="zh-CN" sz="2000">
-                <a:solidFill>
-                  <a:srgbClr val="ffffff"/>
-                </a:solidFill>
-                <a:latin typeface="Consolas"/>
-              </a:rPr>
-              <a:t> mid_pos = begin;</a:t>
-            </a:r>
-            <a:endParaRPr/>
-          </a:p>
-          <a:p>
-            <a:pPr>
-              <a:lnSpc>
-                <a:spcPct val="100000"/>
-              </a:lnSpc>
-            </a:pPr>
-            <a:r>
-              <a:rPr lang="zh-CN" sz="2000">
-                <a:solidFill>
-                  <a:srgbClr val="ffffff"/>
+              <a:rPr lang="zh-CN" sz="2000" dirty="0" smtClean="0">
+                <a:solidFill>
+                  <a:srgbClr val="FFFFFF"/>
+                </a:solidFill>
+                <a:latin typeface="Consolas"/>
+              </a:rPr>
+              <a:t>}</a:t>
+            </a:r>
+            <a:endParaRPr dirty="0"/>
+          </a:p>
+          <a:p>
+            <a:pPr>
+              <a:lnSpc>
+                <a:spcPct val="100000"/>
+              </a:lnSpc>
+            </a:pPr>
+            <a:r>
+              <a:rPr lang="en-US" altLang="zh-CN" sz="2000" dirty="0">
+                <a:solidFill>
+                  <a:srgbClr val="FFFFFF"/>
                 </a:solidFill>
                 <a:latin typeface="Consolas"/>
               </a:rPr>
               <a:t>	</a:t>
             </a:r>
             <a:r>
-              <a:rPr lang="zh-CN" sz="2000">
-                <a:solidFill>
-                  <a:srgbClr val="ffffff"/>
+              <a:rPr lang="zh-CN" sz="2000" dirty="0" smtClean="0">
+                <a:solidFill>
+                  <a:srgbClr val="FFFFFF"/>
+                </a:solidFill>
+                <a:latin typeface="Consolas"/>
+              </a:rPr>
+              <a:t>swap</a:t>
+            </a:r>
+            <a:r>
+              <a:rPr lang="zh-CN" sz="2000" dirty="0">
+                <a:solidFill>
+                  <a:srgbClr val="FFFFFF"/>
+                </a:solidFill>
+                <a:latin typeface="Consolas"/>
+              </a:rPr>
+              <a:t>(a, mid_pos, begin)</a:t>
+            </a:r>
+            <a:r>
+              <a:rPr lang="zh-CN" sz="2000" dirty="0" smtClean="0">
+                <a:solidFill>
+                  <a:srgbClr val="FFFFFF"/>
+                </a:solidFill>
+                <a:latin typeface="Consolas"/>
+              </a:rPr>
+              <a:t>;</a:t>
+            </a:r>
+            <a:endParaRPr lang="en-US" altLang="zh-CN" sz="2000" dirty="0" smtClean="0">
+              <a:solidFill>
+                <a:srgbClr val="FFFFFF"/>
+              </a:solidFill>
+              <a:latin typeface="Consolas"/>
+            </a:endParaRPr>
+          </a:p>
+          <a:p>
+            <a:pPr>
+              <a:lnSpc>
+                <a:spcPct val="100000"/>
+              </a:lnSpc>
+            </a:pPr>
+            <a:r>
+              <a:rPr lang="en-US" altLang="zh-CN" sz="2000" dirty="0">
+                <a:solidFill>
+                  <a:srgbClr val="FFFFFF"/>
                 </a:solidFill>
                 <a:latin typeface="Consolas"/>
               </a:rPr>
               <a:t>	</a:t>
             </a:r>
             <a:r>
-              <a:rPr lang="zh-CN" sz="2000">
-                <a:solidFill>
-                  <a:srgbClr val="ffffff"/>
-                </a:solidFill>
-                <a:latin typeface="Consolas"/>
-              </a:rPr>
-              <a:t>        </a:t>
-            </a:r>
-            <a:r>
-              <a:rPr lang="zh-CN" sz="2000">
-                <a:solidFill>
-                  <a:srgbClr val="ffffff"/>
-                </a:solidFill>
-                <a:latin typeface="Consolas"/>
-              </a:rPr>
-              <a:t>for (</a:t>
-            </a:r>
-            <a:r>
-              <a:rPr b="1" lang="zh-CN" sz="2000">
-                <a:solidFill>
-                  <a:srgbClr val="ffffff"/>
-                </a:solidFill>
-                <a:latin typeface="Consolas"/>
-              </a:rPr>
-              <a:t>int</a:t>
-            </a:r>
-            <a:r>
-              <a:rPr lang="zh-CN" sz="2000">
-                <a:solidFill>
-                  <a:srgbClr val="ffffff"/>
-                </a:solidFill>
-                <a:latin typeface="Consolas"/>
-              </a:rPr>
-              <a:t> i = begin + 1; i &lt;= end; i = i + 1) </a:t>
-            </a:r>
-            <a:r>
-              <a:rPr lang="zh-CN" sz="2000">
-                <a:solidFill>
-                  <a:srgbClr val="ffffff"/>
+              <a:rPr lang="zh-CN" sz="2000" dirty="0" smtClean="0">
+                <a:solidFill>
+                  <a:srgbClr val="FFFFFF"/>
+                </a:solidFill>
+                <a:latin typeface="Consolas"/>
+              </a:rPr>
+              <a:t>//</a:t>
+            </a:r>
+            <a:r>
+              <a:rPr lang="zh-CN" sz="2000" dirty="0">
+                <a:solidFill>
+                  <a:srgbClr val="FFFFFF"/>
+                </a:solidFill>
+                <a:latin typeface="Consolas"/>
+              </a:rPr>
+              <a:t>swap function ;because the code is too long...</a:t>
+            </a:r>
+            <a:endParaRPr dirty="0"/>
+          </a:p>
+          <a:p>
+            <a:pPr>
+              <a:lnSpc>
+                <a:spcPct val="100000"/>
+              </a:lnSpc>
+            </a:pPr>
+            <a:r>
+              <a:rPr lang="en-US" altLang="zh-CN" sz="2000" dirty="0">
+                <a:solidFill>
+                  <a:srgbClr val="FFFFFF"/>
                 </a:solidFill>
                 <a:latin typeface="Consolas"/>
               </a:rPr>
               <a:t>	</a:t>
             </a:r>
             <a:r>
-              <a:rPr lang="zh-CN" sz="2000">
-                <a:solidFill>
-                  <a:srgbClr val="ffffff"/>
+              <a:rPr lang="zh-CN" sz="2000" dirty="0" smtClean="0">
+                <a:solidFill>
+                  <a:srgbClr val="FFFFFF"/>
+                </a:solidFill>
+                <a:latin typeface="Consolas"/>
+              </a:rPr>
+              <a:t>quicksort</a:t>
+            </a:r>
+            <a:r>
+              <a:rPr lang="zh-CN" sz="2000" dirty="0">
+                <a:solidFill>
+                  <a:srgbClr val="FFFFFF"/>
+                </a:solidFill>
+                <a:latin typeface="Consolas"/>
+              </a:rPr>
+              <a:t>(a, begin, mid_pos-1);  </a:t>
+            </a:r>
+            <a:endParaRPr dirty="0"/>
+          </a:p>
+          <a:p>
+            <a:pPr>
+              <a:lnSpc>
+                <a:spcPct val="100000"/>
+              </a:lnSpc>
+            </a:pPr>
+            <a:r>
+              <a:rPr lang="en-US" altLang="zh-CN" sz="2000" dirty="0">
+                <a:solidFill>
+                  <a:srgbClr val="FFFFFF"/>
                 </a:solidFill>
                 <a:latin typeface="Consolas"/>
               </a:rPr>
               <a:t>	</a:t>
             </a:r>
             <a:r>
-              <a:rPr lang="zh-CN" sz="2000">
-                <a:solidFill>
-                  <a:srgbClr val="ffffff"/>
-                </a:solidFill>
-                <a:latin typeface="Consolas"/>
-              </a:rPr>
-              <a:t>{</a:t>
-            </a:r>
-            <a:endParaRPr/>
-          </a:p>
-          <a:p>
-            <a:pPr>
-              <a:lnSpc>
-                <a:spcPct val="100000"/>
-              </a:lnSpc>
-            </a:pPr>
-            <a:r>
-              <a:rPr lang="zh-CN" sz="2000">
-                <a:solidFill>
-                  <a:srgbClr val="ffffff"/>
+              <a:rPr lang="zh-CN" sz="2000" dirty="0" smtClean="0">
+                <a:solidFill>
+                  <a:srgbClr val="FFFFFF"/>
+                </a:solidFill>
+                <a:latin typeface="Consolas"/>
+              </a:rPr>
+              <a:t>quicksort</a:t>
+            </a:r>
+            <a:r>
+              <a:rPr lang="zh-CN" sz="2000" dirty="0">
+                <a:solidFill>
+                  <a:srgbClr val="FFFFFF"/>
+                </a:solidFill>
+                <a:latin typeface="Consolas"/>
+              </a:rPr>
+              <a:t>(a, mid_pos+1, end);  </a:t>
+            </a:r>
+            <a:r>
+              <a:rPr lang="en-US" altLang="zh-CN" sz="2000" dirty="0" smtClean="0">
+                <a:solidFill>
+                  <a:srgbClr val="FFFFFF"/>
                 </a:solidFill>
                 <a:latin typeface="Consolas"/>
               </a:rPr>
               <a:t>	</a:t>
             </a:r>
-            <a:r>
-              <a:rPr lang="zh-CN" sz="2000">
-                <a:solidFill>
-                  <a:srgbClr val="ffffff"/>
-                </a:solidFill>
-                <a:latin typeface="Consolas"/>
-              </a:rPr>
+          </a:p>
+          <a:p>
+            <a:pPr>
+              <a:lnSpc>
+                <a:spcPct val="100000"/>
+              </a:lnSpc>
+            </a:pPr>
+            <a:r>
+              <a:rPr lang="en-US" dirty="0" smtClean="0"/>
               <a:t>	</a:t>
             </a:r>
             <a:r>
-              <a:rPr lang="zh-CN" sz="2000">
-                <a:solidFill>
-                  <a:srgbClr val="ffffff"/>
-                </a:solidFill>
-                <a:latin typeface="Consolas"/>
-              </a:rPr>
-              <a:t>	</a:t>
-            </a:r>
-            <a:r>
-              <a:rPr lang="zh-CN" sz="2000">
-                <a:solidFill>
-                  <a:srgbClr val="ffffff"/>
-                </a:solidFill>
-                <a:latin typeface="Consolas"/>
-              </a:rPr>
-              <a:t>                </a:t>
-            </a:r>
-            <a:r>
-              <a:rPr b="1" lang="zh-CN" sz="2000">
-                <a:solidFill>
-                  <a:srgbClr val="ffffff"/>
-                </a:solidFill>
-                <a:latin typeface="Consolas"/>
-              </a:rPr>
-              <a:t>if</a:t>
-            </a:r>
-            <a:r>
-              <a:rPr lang="zh-CN" sz="2000">
-                <a:solidFill>
-                  <a:srgbClr val="ffffff"/>
-                </a:solidFill>
-                <a:latin typeface="Consolas"/>
-              </a:rPr>
-              <a:t> (a[i] &lt; mid_num){</a:t>
-            </a:r>
-            <a:endParaRPr/>
-          </a:p>
-          <a:p>
-            <a:pPr>
-              <a:lnSpc>
-                <a:spcPct val="100000"/>
-              </a:lnSpc>
-            </a:pPr>
-            <a:r>
-              <a:rPr lang="zh-CN" sz="2000">
-                <a:solidFill>
-                  <a:srgbClr val="ffffff"/>
-                </a:solidFill>
-                <a:latin typeface="Consolas"/>
-              </a:rPr>
-              <a:t>	</a:t>
-            </a:r>
-            <a:r>
-              <a:rPr lang="zh-CN" sz="2000">
-                <a:solidFill>
-                  <a:srgbClr val="ffffff"/>
-                </a:solidFill>
-                <a:latin typeface="Consolas"/>
-              </a:rPr>
-              <a:t>	</a:t>
-            </a:r>
-            <a:r>
-              <a:rPr lang="zh-CN" sz="2000">
-                <a:solidFill>
-                  <a:srgbClr val="ffffff"/>
-                </a:solidFill>
-                <a:latin typeface="Consolas"/>
-              </a:rPr>
-              <a:t>	</a:t>
-            </a:r>
-            <a:r>
-              <a:rPr lang="zh-CN" sz="2000">
-                <a:solidFill>
-                  <a:srgbClr val="ffffff"/>
-                </a:solidFill>
-                <a:latin typeface="Consolas"/>
-              </a:rPr>
-              <a:t>	</a:t>
-            </a:r>
-            <a:r>
-              <a:rPr lang="zh-CN" sz="2000">
-                <a:solidFill>
-                  <a:srgbClr val="ffffff"/>
-                </a:solidFill>
-                <a:latin typeface="Consolas"/>
-              </a:rPr>
-              <a:t>                        </a:t>
-            </a:r>
-            <a:r>
-              <a:rPr lang="zh-CN" sz="2000">
-                <a:solidFill>
-                  <a:srgbClr val="ffffff"/>
-                </a:solidFill>
-                <a:latin typeface="Consolas"/>
-              </a:rPr>
-              <a:t>swap(a, mid_pos + 1, i);//put the min_num  in the right place</a:t>
-            </a:r>
-            <a:endParaRPr/>
-          </a:p>
-          <a:p>
-            <a:pPr>
-              <a:lnSpc>
-                <a:spcPct val="100000"/>
-              </a:lnSpc>
-            </a:pPr>
-            <a:r>
-              <a:rPr lang="zh-CN" sz="2000">
-                <a:solidFill>
-                  <a:srgbClr val="ffffff"/>
-                </a:solidFill>
-                <a:latin typeface="Consolas"/>
-              </a:rPr>
-              <a:t>	</a:t>
-            </a:r>
-            <a:r>
-              <a:rPr lang="zh-CN" sz="2000">
-                <a:solidFill>
-                  <a:srgbClr val="ffffff"/>
-                </a:solidFill>
-                <a:latin typeface="Consolas"/>
-              </a:rPr>
-              <a:t>	</a:t>
-            </a:r>
-            <a:r>
-              <a:rPr lang="zh-CN" sz="2000">
-                <a:solidFill>
-                  <a:srgbClr val="ffffff"/>
-                </a:solidFill>
-                <a:latin typeface="Consolas"/>
-              </a:rPr>
-              <a:t>	</a:t>
-            </a:r>
-            <a:r>
-              <a:rPr lang="zh-CN" sz="2000">
-                <a:solidFill>
-                  <a:srgbClr val="ffffff"/>
-                </a:solidFill>
-                <a:latin typeface="Consolas"/>
-              </a:rPr>
-              <a:t>	</a:t>
-            </a:r>
-            <a:r>
-              <a:rPr lang="zh-CN" sz="2000">
-                <a:solidFill>
-                  <a:srgbClr val="ffffff"/>
-                </a:solidFill>
-                <a:latin typeface="Consolas"/>
-              </a:rPr>
-              <a:t>                        </a:t>
-            </a:r>
-            <a:r>
-              <a:rPr lang="zh-CN" sz="2000">
-                <a:solidFill>
-                  <a:srgbClr val="ffffff"/>
-                </a:solidFill>
-                <a:latin typeface="Consolas"/>
-              </a:rPr>
-              <a:t>mid_pos = mid_pos + 1;</a:t>
-            </a:r>
-            <a:endParaRPr/>
-          </a:p>
-          <a:p>
-            <a:pPr>
-              <a:lnSpc>
-                <a:spcPct val="100000"/>
-              </a:lnSpc>
-            </a:pPr>
-            <a:r>
-              <a:rPr lang="zh-CN" sz="2000">
-                <a:solidFill>
-                  <a:srgbClr val="ffffff"/>
-                </a:solidFill>
-                <a:latin typeface="Consolas"/>
-              </a:rPr>
-              <a:t>	</a:t>
-            </a:r>
-            <a:r>
-              <a:rPr lang="zh-CN" sz="2000">
-                <a:solidFill>
-                  <a:srgbClr val="ffffff"/>
-                </a:solidFill>
-                <a:latin typeface="Consolas"/>
-              </a:rPr>
-              <a:t>	</a:t>
-            </a:r>
-            <a:r>
-              <a:rPr lang="zh-CN" sz="2000">
-                <a:solidFill>
-                  <a:srgbClr val="ffffff"/>
-                </a:solidFill>
-                <a:latin typeface="Consolas"/>
-              </a:rPr>
-              <a:t>	</a:t>
-            </a:r>
-            <a:r>
-              <a:rPr lang="zh-CN" sz="2000">
-                <a:solidFill>
-                  <a:srgbClr val="ffffff"/>
-                </a:solidFill>
-                <a:latin typeface="Consolas"/>
-              </a:rPr>
-              <a:t>                </a:t>
-            </a:r>
-            <a:r>
-              <a:rPr lang="zh-CN" sz="2000">
-                <a:solidFill>
-                  <a:srgbClr val="ffffff"/>
+              <a:rPr lang="zh-CN" altLang="zh-CN" sz="2000" dirty="0" smtClean="0">
+                <a:solidFill>
+                  <a:srgbClr val="FFFFFF"/>
+                </a:solidFill>
+                <a:latin typeface="Consolas"/>
+              </a:rPr>
+              <a:t>//divide into two part</a:t>
+            </a:r>
+            <a:r>
+              <a:rPr lang="en-US" altLang="zh-CN" sz="2000" dirty="0" smtClean="0">
+                <a:solidFill>
+                  <a:srgbClr val="FFFFFF"/>
+                </a:solidFill>
+                <a:latin typeface="Consolas"/>
+              </a:rPr>
+              <a:t> and recursive</a:t>
+            </a:r>
+            <a:r>
+              <a:rPr lang="zh-CN" altLang="zh-CN" sz="2000" dirty="0" smtClean="0">
+                <a:solidFill>
+                  <a:srgbClr val="FFFFFF"/>
+                </a:solidFill>
+                <a:latin typeface="Consolas"/>
+              </a:rPr>
+              <a:t> </a:t>
+            </a:r>
+            <a:endParaRPr sz="2000" dirty="0"/>
+          </a:p>
+          <a:p>
+            <a:pPr>
+              <a:lnSpc>
+                <a:spcPct val="100000"/>
+              </a:lnSpc>
+            </a:pPr>
+            <a:r>
+              <a:rPr lang="zh-CN" sz="2000" dirty="0" smtClean="0">
+                <a:solidFill>
+                  <a:srgbClr val="FFFFFF"/>
                 </a:solidFill>
                 <a:latin typeface="Consolas"/>
               </a:rPr>
               <a:t>}</a:t>
             </a:r>
-            <a:endParaRPr/>
-          </a:p>
-          <a:p>
-            <a:pPr>
-              <a:lnSpc>
-                <a:spcPct val="100000"/>
-              </a:lnSpc>
-            </a:pPr>
-            <a:r>
-              <a:rPr lang="zh-CN" sz="2000">
-                <a:solidFill>
-                  <a:srgbClr val="ffffff"/>
-                </a:solidFill>
-                <a:latin typeface="Consolas"/>
-              </a:rPr>
-              <a:t>	</a:t>
-            </a:r>
-            <a:r>
-              <a:rPr lang="zh-CN" sz="2000">
-                <a:solidFill>
-                  <a:srgbClr val="ffffff"/>
-                </a:solidFill>
-                <a:latin typeface="Consolas"/>
-              </a:rPr>
-              <a:t>	</a:t>
-            </a:r>
-            <a:r>
-              <a:rPr lang="zh-CN" sz="2000">
-                <a:solidFill>
-                  <a:srgbClr val="ffffff"/>
-                </a:solidFill>
-                <a:latin typeface="Consolas"/>
-              </a:rPr>
-              <a:t>        </a:t>
-            </a:r>
-            <a:r>
-              <a:rPr lang="zh-CN" sz="2000">
-                <a:solidFill>
-                  <a:srgbClr val="ffffff"/>
-                </a:solidFill>
-                <a:latin typeface="Consolas"/>
+            <a:r>
+              <a:rPr lang="en-US" altLang="zh-CN" sz="2000" dirty="0" smtClean="0">
+                <a:solidFill>
+                  <a:srgbClr val="FFFFFF"/>
+                </a:solidFill>
+                <a:latin typeface="Consolas"/>
+              </a:rPr>
+              <a:t>//end of </a:t>
+            </a:r>
+            <a:r>
+              <a:rPr lang="en-US" altLang="zh-CN" sz="2000" smtClean="0">
+                <a:solidFill>
+                  <a:srgbClr val="FFFFFF"/>
+                </a:solidFill>
+                <a:latin typeface="Consolas"/>
+              </a:rPr>
+              <a:t>quicksort function</a:t>
+            </a:r>
+            <a:endParaRPr dirty="0"/>
+          </a:p>
+          <a:p>
+            <a:pPr>
+              <a:lnSpc>
+                <a:spcPct val="100000"/>
+              </a:lnSpc>
+            </a:pPr>
+            <a:r>
+              <a:rPr lang="zh-CN" sz="2000" dirty="0" smtClean="0">
+                <a:solidFill>
+                  <a:srgbClr val="FFFFFF"/>
+                </a:solidFill>
+                <a:latin typeface="Calibri"/>
               </a:rPr>
               <a:t>}</a:t>
             </a:r>
-            <a:endParaRPr/>
-          </a:p>
-          <a:p>
-            <a:pPr>
-              <a:lnSpc>
-                <a:spcPct val="100000"/>
-              </a:lnSpc>
-            </a:pPr>
-            <a:r>
-              <a:rPr lang="zh-CN" sz="2000">
-                <a:solidFill>
-                  <a:srgbClr val="ffffff"/>
-                </a:solidFill>
-                <a:latin typeface="Consolas"/>
-              </a:rPr>
-              <a:t>               </a:t>
-            </a:r>
-            <a:r>
-              <a:rPr lang="zh-CN" sz="2000">
-                <a:solidFill>
-                  <a:srgbClr val="ffffff"/>
-                </a:solidFill>
-                <a:latin typeface="Consolas"/>
-              </a:rPr>
-              <a:t>swap(a, mid_pos, begin);//</a:t>
-            </a:r>
-            <a:r>
-              <a:rPr lang="zh-CN" sz="2000">
-                <a:solidFill>
-                  <a:srgbClr val="ffffff"/>
-                </a:solidFill>
-                <a:latin typeface="Consolas"/>
-              </a:rPr>
-              <a:t>swap function ;because the code is too long...</a:t>
-            </a:r>
-            <a:endParaRPr/>
-          </a:p>
-          <a:p>
-            <a:pPr>
-              <a:lnSpc>
-                <a:spcPct val="100000"/>
-              </a:lnSpc>
-            </a:pPr>
-            <a:r>
-              <a:rPr lang="zh-CN" sz="2000">
-                <a:solidFill>
-                  <a:srgbClr val="ffffff"/>
-                </a:solidFill>
-                <a:latin typeface="Consolas"/>
-              </a:rPr>
-              <a:t>	</a:t>
-            </a:r>
-            <a:r>
-              <a:rPr lang="zh-CN" sz="2000">
-                <a:solidFill>
-                  <a:srgbClr val="ffffff"/>
-                </a:solidFill>
-                <a:latin typeface="Consolas"/>
-              </a:rPr>
-              <a:t>	</a:t>
-            </a:r>
-            <a:r>
-              <a:rPr lang="zh-CN" sz="2000">
-                <a:solidFill>
-                  <a:srgbClr val="ffffff"/>
-                </a:solidFill>
-                <a:latin typeface="Consolas"/>
-              </a:rPr>
-              <a:t>        </a:t>
-            </a:r>
-            <a:r>
-              <a:rPr lang="zh-CN" sz="2000">
-                <a:solidFill>
-                  <a:srgbClr val="ffffff"/>
-                </a:solidFill>
-                <a:latin typeface="Consolas"/>
-              </a:rPr>
-              <a:t>quicksort(a, begin, mid_pos-1);  //divide into two part </a:t>
-            </a:r>
-            <a:endParaRPr/>
-          </a:p>
-          <a:p>
-            <a:pPr>
-              <a:lnSpc>
-                <a:spcPct val="100000"/>
-              </a:lnSpc>
-            </a:pPr>
-            <a:r>
-              <a:rPr lang="zh-CN" sz="2000">
-                <a:solidFill>
-                  <a:srgbClr val="ffffff"/>
-                </a:solidFill>
-                <a:latin typeface="Consolas"/>
-              </a:rPr>
-              <a:t>	</a:t>
-            </a:r>
-            <a:r>
-              <a:rPr lang="zh-CN" sz="2000">
-                <a:solidFill>
-                  <a:srgbClr val="ffffff"/>
-                </a:solidFill>
-                <a:latin typeface="Consolas"/>
-              </a:rPr>
-              <a:t>	</a:t>
-            </a:r>
-            <a:r>
-              <a:rPr lang="zh-CN" sz="2000">
-                <a:solidFill>
-                  <a:srgbClr val="ffffff"/>
-                </a:solidFill>
-                <a:latin typeface="Consolas"/>
-              </a:rPr>
-              <a:t>        </a:t>
-            </a:r>
-            <a:r>
-              <a:rPr lang="zh-CN" sz="2000">
-                <a:solidFill>
-                  <a:srgbClr val="ffffff"/>
-                </a:solidFill>
-                <a:latin typeface="Consolas"/>
-              </a:rPr>
-              <a:t>quicksort(a, mid_pos+1, end);  //call itself;</a:t>
-            </a:r>
-            <a:endParaRPr/>
-          </a:p>
-          <a:p>
-            <a:pPr>
-              <a:lnSpc>
-                <a:spcPct val="100000"/>
-              </a:lnSpc>
-            </a:pPr>
-            <a:r>
-              <a:rPr lang="zh-CN" sz="2000">
-                <a:solidFill>
-                  <a:srgbClr val="ffffff"/>
-                </a:solidFill>
-                <a:latin typeface="Consolas"/>
-              </a:rPr>
-              <a:t>	</a:t>
-            </a:r>
-            <a:r>
-              <a:rPr lang="zh-CN" sz="2000">
-                <a:solidFill>
-                  <a:srgbClr val="ffffff"/>
-                </a:solidFill>
-                <a:latin typeface="Consolas"/>
-              </a:rPr>
-              <a:t>}</a:t>
-            </a:r>
-            <a:endParaRPr/>
-          </a:p>
-          <a:p>
-            <a:pPr>
-              <a:lnSpc>
-                <a:spcPct val="100000"/>
-              </a:lnSpc>
-            </a:pPr>
-            <a:r>
-              <a:rPr lang="zh-CN" sz="2000">
-                <a:solidFill>
-                  <a:srgbClr val="ffffff"/>
+            <a:r>
+              <a:rPr lang="en-US" altLang="zh-CN" sz="2000" dirty="0" smtClean="0">
+                <a:solidFill>
+                  <a:srgbClr val="FFFFFF"/>
                 </a:solidFill>
                 <a:latin typeface="Calibri"/>
               </a:rPr>
-              <a:t>}</a:t>
-            </a:r>
-            <a:endParaRPr/>
-          </a:p>
-          <a:p>
-            <a:pPr>
-              <a:lnSpc>
-                <a:spcPct val="100000"/>
-              </a:lnSpc>
-            </a:pPr>
-            <a:endParaRPr/>
+              <a:t>//end of the whole first class</a:t>
+            </a:r>
+            <a:endParaRPr dirty="0"/>
+          </a:p>
+          <a:p>
+            <a:pPr>
+              <a:lnSpc>
+                <a:spcPct val="100000"/>
+              </a:lnSpc>
+            </a:pPr>
+            <a:endParaRPr dirty="0"/>
           </a:p>
         </p:txBody>
       </p:sp>
     </p:spTree>
   </p:cSld>
+  <p:clrMapOvr>
+    <a:masterClrMapping/>
+  </p:clrMapOvr>
   <p:timing>
     <p:tnLst>
       <p:par>
-        <p:cTn dur="indefinite" id="7" nodeType="tmRoot" restart="never">
+        <p:cTn id="1" dur="indefinite" restart="never" nodeType="tmRoot">
           <p:childTnLst>
             <p:seq>
-              <p:cTn id="8" nodeType="mainSeq">
-                <p:childTnLst/>
+              <p:cTn id="2" nodeType="mainSeq">
+                <p:childTnLst>
+                  <p:par>
+                    <p:cTn id="3"/>
+                  </p:par>
+                </p:childTnLst>
               </p:cTn>
               <p:prevCondLst>
-                <p:cond delay="0" evt="onPrev">
+                <p:cond evt="onPrev" delay="0">
                   <p:tgtEl>
                     <p:sldTgt/>
                   </p:tgtEl>
                 </p:cond>
               </p:prevCondLst>
               <p:nextCondLst>
-                <p:cond delay="0" evt="onNext">
+                <p:cond evt="onNext" delay="0">
                   <p:tgtEl>
                     <p:sldTgt/>
                   </p:tgtEl>
@@ -4168,5 +4224,7 @@
       </a:bgFillStyleLst>
     </a:fmtScheme>
   </a:themeElements>
+  <a:objectDefaults/>
+  <a:extraClrSchemeLst/>
 </a:theme>
 </file>
--- a/submit/LittleJava语言简介.pptx
+++ b/submit/LittleJava语言简介.pptx
@@ -5,11 +5,12 @@
     <p:sldMasterId id="2147483648" r:id="rId1"/>
   </p:sldMasterIdLst>
   <p:sldIdLst>
-    <p:sldId id="256" r:id="rId2"/>
-    <p:sldId id="257" r:id="rId3"/>
-    <p:sldId id="258" r:id="rId4"/>
-    <p:sldId id="259" r:id="rId5"/>
-    <p:sldId id="260" r:id="rId6"/>
+    <p:sldId id="261" r:id="rId2"/>
+    <p:sldId id="256" r:id="rId3"/>
+    <p:sldId id="257" r:id="rId4"/>
+    <p:sldId id="258" r:id="rId5"/>
+    <p:sldId id="259" r:id="rId6"/>
+    <p:sldId id="260" r:id="rId7"/>
   </p:sldIdLst>
   <p:sldSz cx="9144000" cy="6858000" type="screen4x3"/>
   <p:notesSz cx="7772400" cy="10058400"/>
@@ -1708,6 +1709,109 @@
       </p:grpSpPr>
       <p:sp>
         <p:nvSpPr>
+          <p:cNvPr id="2" name="TextShape 1"/>
+          <p:cNvSpPr txBox="1"/>
+          <p:nvPr/>
+        </p:nvSpPr>
+        <p:spPr>
+          <a:xfrm>
+            <a:off x="457200" y="2708920"/>
+            <a:ext cx="8229240" cy="1142640"/>
+          </a:xfrm>
+          <a:prstGeom prst="rect">
+            <a:avLst/>
+          </a:prstGeom>
+        </p:spPr>
+        <p:txBody>
+          <a:bodyPr anchor="ctr"/>
+          <a:lstStyle/>
+          <a:p>
+            <a:pPr algn="ctr">
+              <a:lnSpc>
+                <a:spcPct val="100000"/>
+              </a:lnSpc>
+            </a:pPr>
+            <a:r>
+              <a:rPr lang="zh-CN" sz="6000" dirty="0" smtClean="0">
+                <a:solidFill>
+                  <a:srgbClr val="FFFFFF"/>
+                </a:solidFill>
+                <a:latin typeface="Consolas"/>
+              </a:rPr>
+              <a:t>LittleJav</a:t>
+            </a:r>
+            <a:r>
+              <a:rPr lang="en-US" altLang="zh-CN" sz="6000" dirty="0" smtClean="0">
+                <a:solidFill>
+                  <a:srgbClr val="FFFFFF"/>
+                </a:solidFill>
+                <a:latin typeface="Consolas"/>
+              </a:rPr>
+              <a:t>a</a:t>
+            </a:r>
+            <a:endParaRPr lang="en-US" altLang="zh-CN" sz="6000" dirty="0" smtClean="0">
+              <a:solidFill>
+                <a:srgbClr val="FFFFFF"/>
+              </a:solidFill>
+              <a:latin typeface="Consolas"/>
+            </a:endParaRPr>
+          </a:p>
+          <a:p>
+            <a:pPr algn="ctr">
+              <a:lnSpc>
+                <a:spcPct val="100000"/>
+              </a:lnSpc>
+            </a:pPr>
+            <a:r>
+              <a:rPr lang="zh-CN" altLang="en-US" sz="2000" dirty="0" smtClean="0">
+                <a:solidFill>
+                  <a:srgbClr val="FFFFFF"/>
+                </a:solidFill>
+                <a:latin typeface="Consolas"/>
+              </a:rPr>
+              <a:t>施佳鑫 梁凉 袁理</a:t>
+            </a:r>
+            <a:endParaRPr lang="en-US" altLang="zh-CN" sz="2000" dirty="0" smtClean="0">
+              <a:solidFill>
+                <a:srgbClr val="FFFFFF"/>
+              </a:solidFill>
+              <a:latin typeface="Consolas"/>
+            </a:endParaRPr>
+          </a:p>
+        </p:txBody>
+      </p:sp>
+    </p:spTree>
+    <p:extLst>
+      <p:ext uri="{BB962C8B-B14F-4D97-AF65-F5344CB8AC3E}">
+        <p14:creationId xmlns:p14="http://schemas.microsoft.com/office/powerpoint/2010/main" val="3816499396"/>
+      </p:ext>
+    </p:extLst>
+  </p:cSld>
+  <p:clrMapOvr>
+    <a:masterClrMapping/>
+  </p:clrMapOvr>
+</p:sld>
+</file>
+
+<file path=ppt/slides/slide2.xml><?xml version="1.0" encoding="utf-8"?>
+<p:sld xmlns:a="http://schemas.openxmlformats.org/drawingml/2006/main" xmlns:r="http://schemas.openxmlformats.org/officeDocument/2006/relationships" xmlns:p="http://schemas.openxmlformats.org/presentationml/2006/main">
+  <p:cSld>
+    <p:spTree>
+      <p:nvGrpSpPr>
+        <p:cNvPr id="1" name=""/>
+        <p:cNvGrpSpPr/>
+        <p:nvPr/>
+      </p:nvGrpSpPr>
+      <p:grpSpPr>
+        <a:xfrm>
+          <a:off x="0" y="0"/>
+          <a:ext cx="0" cy="0"/>
+          <a:chOff x="0" y="0"/>
+          <a:chExt cx="0" cy="0"/>
+        </a:xfrm>
+      </p:grpSpPr>
+      <p:sp>
+        <p:nvSpPr>
           <p:cNvPr id="37" name="TextShape 1"/>
           <p:cNvSpPr txBox="1"/>
           <p:nvPr/>
@@ -1730,16 +1834,7 @@
                 <a:spcPct val="100000"/>
               </a:lnSpc>
             </a:pPr>
-            <a:r>
-              <a:rPr lang="zh-CN" sz="4400">
-                <a:solidFill>
-                  <a:srgbClr val="FFFFFF"/>
-                </a:solidFill>
-                <a:latin typeface="Consolas"/>
-              </a:rPr>
-              <a:t>LittleJava</a:t>
-            </a:r>
-            <a:endParaRPr/>
+            <a:endParaRPr dirty="0"/>
           </a:p>
         </p:txBody>
       </p:sp>
@@ -1751,7 +1846,7 @@
         </p:nvSpPr>
         <p:spPr>
           <a:xfrm>
-            <a:off x="457200" y="1600200"/>
+            <a:off x="481427" y="1124744"/>
             <a:ext cx="8229240" cy="4525560"/>
           </a:xfrm>
           <a:prstGeom prst="rect">
@@ -1770,7 +1865,7 @@
               <a:buChar char="•"/>
             </a:pPr>
             <a:r>
-              <a:rPr lang="zh-CN" sz="3200">
+              <a:rPr lang="zh-CN" sz="3200" dirty="0" smtClean="0">
                 <a:solidFill>
                   <a:srgbClr val="FFFFFF"/>
                 </a:solidFill>
@@ -1779,7 +1874,13 @@
               </a:rPr>
               <a:t>语言概述</a:t>
             </a:r>
-            <a:endParaRPr/>
+            <a:endParaRPr lang="en-US" altLang="zh-CN" sz="3200" dirty="0" smtClean="0">
+              <a:solidFill>
+                <a:srgbClr val="FFFFFF"/>
+              </a:solidFill>
+              <a:latin typeface="微软雅黑"/>
+              <a:ea typeface="微软雅黑"/>
+            </a:endParaRPr>
           </a:p>
           <a:p>
             <a:pPr>
@@ -1789,17 +1890,7 @@
               <a:buFont typeface="Arial"/>
               <a:buChar char="•"/>
             </a:pPr>
-            <a:r>
-              <a:rPr lang="zh-CN" sz="3200">
-                <a:solidFill>
-                  <a:srgbClr val="FFFFFF"/>
-                </a:solidFill>
-                <a:latin typeface="微软雅黑"/>
-                <a:ea typeface="微软雅黑"/>
-              </a:rPr>
-              <a:t>语法规则概要</a:t>
-            </a:r>
-            <a:endParaRPr/>
+            <a:endParaRPr dirty="0" smtClean="0"/>
           </a:p>
           <a:p>
             <a:pPr>
@@ -1810,16 +1901,62 @@
               <a:buChar char="•"/>
             </a:pPr>
             <a:r>
-              <a:rPr lang="zh-CN" sz="3200">
-                <a:solidFill>
-                  <a:srgbClr val="FFFFFF"/>
-                </a:solidFill>
-                <a:latin typeface="微软雅黑"/>
-                <a:ea typeface="微软雅黑"/>
-              </a:rPr>
-              <a:t>样例程序及说明</a:t>
-            </a:r>
-            <a:endParaRPr/>
+              <a:rPr lang="zh-CN" sz="3200" dirty="0" smtClean="0">
+                <a:solidFill>
+                  <a:srgbClr val="FFFFFF"/>
+                </a:solidFill>
+                <a:latin typeface="微软雅黑"/>
+                <a:ea typeface="微软雅黑"/>
+              </a:rPr>
+              <a:t>语法规则概要</a:t>
+            </a:r>
+            <a:endParaRPr lang="en-US" altLang="zh-CN" sz="3200" dirty="0" smtClean="0">
+              <a:solidFill>
+                <a:srgbClr val="FFFFFF"/>
+              </a:solidFill>
+              <a:latin typeface="微软雅黑"/>
+              <a:ea typeface="微软雅黑"/>
+            </a:endParaRPr>
+          </a:p>
+          <a:p>
+            <a:pPr>
+              <a:lnSpc>
+                <a:spcPct val="100000"/>
+              </a:lnSpc>
+              <a:buFont typeface="Arial"/>
+              <a:buChar char="•"/>
+            </a:pPr>
+            <a:endParaRPr dirty="0" smtClean="0"/>
+          </a:p>
+          <a:p>
+            <a:pPr>
+              <a:lnSpc>
+                <a:spcPct val="100000"/>
+              </a:lnSpc>
+              <a:buFont typeface="Arial"/>
+              <a:buChar char="•"/>
+            </a:pPr>
+            <a:r>
+              <a:rPr lang="zh-CN" sz="3200" dirty="0" smtClean="0">
+                <a:solidFill>
+                  <a:srgbClr val="FFFFFF"/>
+                </a:solidFill>
+                <a:latin typeface="微软雅黑"/>
+                <a:ea typeface="微软雅黑"/>
+              </a:rPr>
+              <a:t>样</a:t>
+            </a:r>
+            <a:r>
+              <a:rPr lang="zh-CN" sz="3200" dirty="0">
+                <a:solidFill>
+                  <a:srgbClr val="FFFFFF"/>
+                </a:solidFill>
+                <a:latin typeface="微软雅黑"/>
+                <a:ea typeface="微软雅黑"/>
+              </a:rPr>
+              <a:t>例程序及说明</a:t>
+            </a:r>
+            <a:endParaRPr dirty="0"/>
           </a:p>
         </p:txBody>
       </p:sp>
@@ -1831,7 +1968,7 @@
 </p:sld>
 </file>
 
-<file path=ppt/slides/slide2.xml><?xml version="1.0" encoding="utf-8"?>
+<file path=ppt/slides/slide3.xml><?xml version="1.0" encoding="utf-8"?>
 <p:sld xmlns:a="http://schemas.openxmlformats.org/drawingml/2006/main" xmlns:r="http://schemas.openxmlformats.org/officeDocument/2006/relationships" xmlns:p="http://schemas.openxmlformats.org/presentationml/2006/main">
   <p:cSld>
     <p:spTree>
@@ -1903,8 +2040,8 @@
         </p:nvSpPr>
         <p:spPr>
           <a:xfrm>
-            <a:off x="457200" y="1600200"/>
-            <a:ext cx="8229240" cy="4525560"/>
+            <a:off x="457200" y="1391920"/>
+            <a:ext cx="8229240" cy="5061416"/>
           </a:xfrm>
           <a:prstGeom prst="rect">
             <a:avLst/>
@@ -1922,7 +2059,7 @@
               <a:buChar char="•"/>
             </a:pPr>
             <a:r>
-              <a:rPr lang="zh-CN" sz="3200">
+              <a:rPr lang="zh-CN" sz="2400" dirty="0">
                 <a:solidFill>
                   <a:srgbClr val="FFFFFF"/>
                 </a:solidFill>
@@ -1931,33 +2068,79 @@
               </a:rPr>
               <a:t>设计理念</a:t>
             </a:r>
-            <a:endParaRPr/>
-          </a:p>
-          <a:p>
-            <a:pPr>
-              <a:lnSpc>
-                <a:spcPct val="100000"/>
-              </a:lnSpc>
-            </a:pPr>
-            <a:r>
-              <a:rPr lang="zh-CN" sz="3200">
-                <a:solidFill>
-                  <a:srgbClr val="FFFFFF"/>
-                </a:solidFill>
-                <a:latin typeface="微软雅黑"/>
-                <a:ea typeface="微软雅黑"/>
-              </a:rPr>
-              <a:t>	简化</a:t>
-            </a:r>
-            <a:endParaRPr/>
-          </a:p>
-          <a:p>
-            <a:pPr>
-              <a:lnSpc>
-                <a:spcPct val="100000"/>
-              </a:lnSpc>
-            </a:pPr>
-            <a:endParaRPr/>
+            <a:endParaRPr sz="2400" dirty="0"/>
+          </a:p>
+          <a:p>
+            <a:pPr>
+              <a:lnSpc>
+                <a:spcPct val="100000"/>
+              </a:lnSpc>
+            </a:pPr>
+            <a:r>
+              <a:rPr lang="zh-CN" sz="2400" dirty="0">
+                <a:solidFill>
+                  <a:srgbClr val="FFFFFF"/>
+                </a:solidFill>
+                <a:latin typeface="微软雅黑"/>
+                <a:ea typeface="微软雅黑"/>
+              </a:rPr>
+              <a:t>	</a:t>
+            </a:r>
+            <a:r>
+              <a:rPr lang="en-US" altLang="zh-CN" sz="2400" dirty="0" err="1" smtClean="0">
+                <a:solidFill>
+                  <a:srgbClr val="FFFFFF"/>
+                </a:solidFill>
+                <a:latin typeface="微软雅黑"/>
+                <a:ea typeface="微软雅黑"/>
+              </a:rPr>
+              <a:t>LittleJava</a:t>
+            </a:r>
+            <a:r>
+              <a:rPr lang="zh-CN" altLang="en-US" sz="2400" dirty="0" smtClean="0">
+                <a:solidFill>
+                  <a:srgbClr val="FFFFFF"/>
+                </a:solidFill>
+                <a:latin typeface="微软雅黑"/>
+                <a:ea typeface="微软雅黑"/>
+              </a:rPr>
+              <a:t>旨在将复杂的</a:t>
+            </a:r>
+            <a:r>
+              <a:rPr lang="en-US" altLang="zh-CN" sz="2400" dirty="0" smtClean="0">
+                <a:solidFill>
+                  <a:srgbClr val="FFFFFF"/>
+                </a:solidFill>
+                <a:latin typeface="微软雅黑"/>
+                <a:ea typeface="微软雅黑"/>
+              </a:rPr>
+              <a:t>Java</a:t>
+            </a:r>
+            <a:r>
+              <a:rPr lang="zh-CN" altLang="en-US" sz="2400" dirty="0" smtClean="0">
+                <a:solidFill>
+                  <a:srgbClr val="FFFFFF"/>
+                </a:solidFill>
+                <a:latin typeface="微软雅黑"/>
+                <a:ea typeface="微软雅黑"/>
+              </a:rPr>
+              <a:t>语言进行简化，使得语言清晰，简单易懂，容易上手</a:t>
+            </a:r>
+            <a:endParaRPr lang="en-US" altLang="zh-CN" sz="2400" dirty="0" smtClean="0">
+              <a:solidFill>
+                <a:srgbClr val="FFFFFF"/>
+              </a:solidFill>
+              <a:latin typeface="微软雅黑"/>
+              <a:ea typeface="微软雅黑"/>
+            </a:endParaRPr>
+          </a:p>
+          <a:p>
+            <a:pPr>
+              <a:lnSpc>
+                <a:spcPct val="100000"/>
+              </a:lnSpc>
+            </a:pPr>
+            <a:endParaRPr sz="2400" dirty="0"/>
           </a:p>
           <a:p>
             <a:pPr>
@@ -1968,7 +2151,7 @@
               <a:buChar char="•"/>
             </a:pPr>
             <a:r>
-              <a:rPr lang="zh-CN" sz="3200">
+              <a:rPr lang="zh-CN" sz="2400" dirty="0">
                 <a:solidFill>
                   <a:srgbClr val="FFFFFF"/>
                 </a:solidFill>
@@ -1977,43 +2160,142 @@
               </a:rPr>
               <a:t>语言用途</a:t>
             </a:r>
-            <a:endParaRPr/>
-          </a:p>
-          <a:p>
-            <a:pPr>
-              <a:lnSpc>
-                <a:spcPct val="100000"/>
-              </a:lnSpc>
-            </a:pPr>
-            <a:r>
-              <a:rPr lang="zh-CN" sz="3200">
-                <a:solidFill>
-                  <a:srgbClr val="FFFFFF"/>
-                </a:solidFill>
-                <a:latin typeface="微软雅黑"/>
-                <a:ea typeface="微软雅黑"/>
-              </a:rPr>
-              <a:t>	面向初学者，也能在熟悉顺利转向</a:t>
-            </a:r>
-            <a:r>
-              <a:rPr lang="zh-CN" sz="3200">
-                <a:solidFill>
-                  <a:srgbClr val="FFFFFF"/>
-                </a:solidFill>
-                <a:latin typeface="Consolas"/>
+            <a:endParaRPr sz="2400" dirty="0"/>
+          </a:p>
+          <a:p>
+            <a:pPr>
+              <a:lnSpc>
+                <a:spcPct val="100000"/>
+              </a:lnSpc>
+            </a:pPr>
+            <a:r>
+              <a:rPr lang="zh-CN" sz="2400" dirty="0">
+                <a:solidFill>
+                  <a:srgbClr val="FFFFFF"/>
+                </a:solidFill>
+                <a:latin typeface="微软雅黑"/>
+                <a:ea typeface="微软雅黑"/>
+              </a:rPr>
+              <a:t>	</a:t>
+            </a:r>
+            <a:r>
+              <a:rPr lang="en-US" altLang="zh-CN" sz="2400" dirty="0" err="1" smtClean="0">
+                <a:solidFill>
+                  <a:srgbClr val="FFFFFF"/>
+                </a:solidFill>
+                <a:latin typeface="微软雅黑"/>
+                <a:ea typeface="微软雅黑"/>
+              </a:rPr>
+              <a:t>LittleJava</a:t>
+            </a:r>
+            <a:r>
+              <a:rPr lang="zh-CN" altLang="en-US" sz="2400" dirty="0" smtClean="0">
+                <a:solidFill>
+                  <a:srgbClr val="FFFFFF"/>
+                </a:solidFill>
+                <a:latin typeface="微软雅黑"/>
+                <a:ea typeface="微软雅黑"/>
+              </a:rPr>
+              <a:t>主要用于教学，面向初学者</a:t>
+            </a:r>
+            <a:r>
+              <a:rPr lang="zh-CN" sz="2400" dirty="0" smtClean="0">
+                <a:solidFill>
+                  <a:srgbClr val="FFFFFF"/>
+                </a:solidFill>
+                <a:latin typeface="微软雅黑"/>
+                <a:ea typeface="微软雅黑"/>
+              </a:rPr>
+              <a:t>，</a:t>
+            </a:r>
+            <a:r>
+              <a:rPr lang="zh-CN" altLang="en-US" sz="2400" dirty="0" smtClean="0">
+                <a:solidFill>
+                  <a:srgbClr val="FFFFFF"/>
+                </a:solidFill>
+                <a:latin typeface="微软雅黑"/>
+                <a:ea typeface="微软雅黑"/>
+              </a:rPr>
+              <a:t>熟练掌握</a:t>
+            </a:r>
+            <a:r>
+              <a:rPr lang="en-US" altLang="zh-CN" sz="2400" dirty="0" err="1" smtClean="0">
+                <a:solidFill>
+                  <a:srgbClr val="FFFFFF"/>
+                </a:solidFill>
+                <a:latin typeface="微软雅黑"/>
+                <a:ea typeface="微软雅黑"/>
+              </a:rPr>
+              <a:t>LittleJava</a:t>
+            </a:r>
+            <a:r>
+              <a:rPr lang="zh-CN" altLang="en-US" sz="2400" dirty="0" smtClean="0">
+                <a:solidFill>
+                  <a:srgbClr val="FFFFFF"/>
+                </a:solidFill>
+                <a:latin typeface="微软雅黑"/>
+                <a:ea typeface="微软雅黑"/>
+              </a:rPr>
+              <a:t>可以对</a:t>
+            </a:r>
+            <a:r>
+              <a:rPr lang="en-US" altLang="zh-CN" sz="2400" dirty="0" smtClean="0">
+                <a:solidFill>
+                  <a:srgbClr val="FFFFFF"/>
+                </a:solidFill>
+                <a:latin typeface="微软雅黑"/>
                 <a:ea typeface="微软雅黑"/>
               </a:rPr>
               <a:t>Java</a:t>
             </a:r>
-            <a:endParaRPr/>
-          </a:p>
-          <a:p>
-            <a:pPr>
-              <a:lnSpc>
-                <a:spcPct val="100000"/>
-              </a:lnSpc>
-            </a:pPr>
-            <a:endParaRPr/>
+            <a:r>
+              <a:rPr lang="zh-CN" altLang="en-US" sz="2400" dirty="0" smtClean="0">
+                <a:solidFill>
+                  <a:srgbClr val="FFFFFF"/>
+                </a:solidFill>
+                <a:latin typeface="微软雅黑"/>
+                <a:ea typeface="微软雅黑"/>
+              </a:rPr>
+              <a:t>有一个基本的了解，</a:t>
+            </a:r>
+            <a:r>
+              <a:rPr lang="zh-CN" altLang="en-US" sz="2400" dirty="0">
+                <a:solidFill>
+                  <a:srgbClr val="FFFFFF"/>
+                </a:solidFill>
+                <a:latin typeface="微软雅黑"/>
+                <a:ea typeface="微软雅黑"/>
+              </a:rPr>
+              <a:t>也</a:t>
+            </a:r>
+            <a:r>
+              <a:rPr lang="zh-CN" altLang="en-US" sz="2400" dirty="0" smtClean="0">
+                <a:solidFill>
+                  <a:srgbClr val="FFFFFF"/>
+                </a:solidFill>
+                <a:latin typeface="微软雅黑"/>
+                <a:ea typeface="微软雅黑"/>
+              </a:rPr>
+              <a:t>能很顺利的过渡到</a:t>
+            </a:r>
+            <a:r>
+              <a:rPr lang="en-US" altLang="zh-CN" sz="2400" dirty="0" smtClean="0">
+                <a:solidFill>
+                  <a:srgbClr val="FFFFFF"/>
+                </a:solidFill>
+                <a:latin typeface="微软雅黑"/>
+                <a:ea typeface="微软雅黑"/>
+              </a:rPr>
+              <a:t>Java</a:t>
+            </a:r>
+          </a:p>
+          <a:p>
+            <a:pPr>
+              <a:lnSpc>
+                <a:spcPct val="100000"/>
+              </a:lnSpc>
+            </a:pPr>
+            <a:endParaRPr sz="2400" dirty="0"/>
           </a:p>
           <a:p>
             <a:pPr>
@@ -2024,7 +2306,7 @@
               <a:buChar char="•"/>
             </a:pPr>
             <a:r>
-              <a:rPr lang="zh-CN" sz="3200">
+              <a:rPr lang="zh-CN" sz="2400" dirty="0">
                 <a:solidFill>
                   <a:srgbClr val="FFFFFF"/>
                 </a:solidFill>
@@ -2033,7 +2315,7 @@
               </a:rPr>
               <a:t>特点</a:t>
             </a:r>
-            <a:endParaRPr/>
+            <a:endParaRPr sz="2400" dirty="0"/>
           </a:p>
           <a:p>
             <a:pPr lvl="1">
@@ -2044,16 +2326,36 @@
               <a:buAutoNum type="arabicPeriod"/>
             </a:pPr>
             <a:r>
-              <a:rPr lang="zh-CN" sz="2800">
-                <a:solidFill>
-                  <a:srgbClr val="FFFFFF"/>
-                </a:solidFill>
-                <a:latin typeface="微软雅黑"/>
-                <a:ea typeface="微软雅黑"/>
-              </a:rPr>
-              <a:t>语法简单</a:t>
-            </a:r>
-            <a:endParaRPr/>
+              <a:rPr lang="zh-CN" sz="2400" dirty="0">
+                <a:solidFill>
+                  <a:srgbClr val="FFFFFF"/>
+                </a:solidFill>
+                <a:latin typeface="微软雅黑"/>
+                <a:ea typeface="微软雅黑"/>
+              </a:rPr>
+              <a:t>语法</a:t>
+            </a:r>
+            <a:r>
+              <a:rPr lang="zh-CN" sz="2400" dirty="0" smtClean="0">
+                <a:solidFill>
+                  <a:srgbClr val="FFFFFF"/>
+                </a:solidFill>
+                <a:latin typeface="微软雅黑"/>
+                <a:ea typeface="微软雅黑"/>
+              </a:rPr>
+              <a:t>简单</a:t>
+            </a:r>
+            <a:r>
+              <a:rPr lang="zh-CN" altLang="en-US" sz="2400" dirty="0" smtClean="0">
+                <a:solidFill>
+                  <a:srgbClr val="FFFFFF"/>
+                </a:solidFill>
+                <a:latin typeface="微软雅黑"/>
+                <a:ea typeface="微软雅黑"/>
+              </a:rPr>
+              <a:t>，便于学习</a:t>
+            </a:r>
+            <a:endParaRPr sz="2400" dirty="0"/>
           </a:p>
           <a:p>
             <a:pPr lvl="1">
@@ -2064,7 +2366,7 @@
               <a:buAutoNum type="arabicPeriod"/>
             </a:pPr>
             <a:r>
-              <a:rPr lang="zh-CN" sz="2800">
+              <a:rPr lang="zh-CN" sz="2400" dirty="0">
                 <a:solidFill>
                   <a:srgbClr val="FFFFFF"/>
                 </a:solidFill>
@@ -2073,7 +2375,7 @@
               </a:rPr>
               <a:t>能体现出Java语言的特性</a:t>
             </a:r>
-            <a:endParaRPr/>
+            <a:endParaRPr sz="2400" dirty="0"/>
           </a:p>
           <a:p>
             <a:pPr lvl="1">
@@ -2084,277 +2386,56 @@
               <a:buAutoNum type="arabicPeriod"/>
             </a:pPr>
             <a:r>
-              <a:rPr lang="zh-CN" sz="2800">
-                <a:solidFill>
-                  <a:srgbClr val="FFFFFF"/>
-                </a:solidFill>
-                <a:latin typeface="微软雅黑"/>
-                <a:ea typeface="微软雅黑"/>
-              </a:rPr>
-              <a:t>减少高级语法及语言特性特性</a:t>
-            </a:r>
-            <a:endParaRPr/>
-          </a:p>
-        </p:txBody>
-      </p:sp>
-    </p:spTree>
-  </p:cSld>
-  <p:clrMapOvr>
-    <a:masterClrMapping/>
-  </p:clrMapOvr>
-  <p:timing>
-    <p:tnLst>
-      <p:par>
-        <p:cTn id="1" dur="indefinite" restart="never" nodeType="tmRoot">
-          <p:childTnLst>
-            <p:seq>
-              <p:cTn id="2" nodeType="mainSeq">
-                <p:childTnLst>
-                  <p:par>
-                    <p:cTn id="3"/>
-                  </p:par>
-                </p:childTnLst>
-              </p:cTn>
-              <p:prevCondLst>
-                <p:cond evt="onPrev" delay="0">
-                  <p:tgtEl>
-                    <p:sldTgt/>
-                  </p:tgtEl>
-                </p:cond>
-              </p:prevCondLst>
-              <p:nextCondLst>
-                <p:cond evt="onNext" delay="0">
-                  <p:tgtEl>
-                    <p:sldTgt/>
-                  </p:tgtEl>
-                </p:cond>
-              </p:nextCondLst>
-            </p:seq>
-          </p:childTnLst>
-        </p:cTn>
-      </p:par>
-    </p:tnLst>
-  </p:timing>
-</p:sld>
-</file>
-
-<file path=ppt/slides/slide3.xml><?xml version="1.0" encoding="utf-8"?>
-<p:sld xmlns:a="http://schemas.openxmlformats.org/drawingml/2006/main" xmlns:r="http://schemas.openxmlformats.org/officeDocument/2006/relationships" xmlns:p="http://schemas.openxmlformats.org/presentationml/2006/main">
-  <p:cSld>
-    <p:spTree>
-      <p:nvGrpSpPr>
-        <p:cNvPr id="1" name=""/>
-        <p:cNvGrpSpPr/>
-        <p:nvPr/>
-      </p:nvGrpSpPr>
-      <p:grpSpPr>
-        <a:xfrm>
-          <a:off x="0" y="0"/>
-          <a:ext cx="0" cy="0"/>
-          <a:chOff x="0" y="0"/>
-          <a:chExt cx="0" cy="0"/>
-        </a:xfrm>
-      </p:grpSpPr>
-      <p:sp>
-        <p:nvSpPr>
-          <p:cNvPr id="41" name="TextShape 1"/>
-          <p:cNvSpPr txBox="1"/>
-          <p:nvPr/>
-        </p:nvSpPr>
-        <p:spPr>
-          <a:xfrm>
-            <a:off x="457200" y="274680"/>
-            <a:ext cx="8229240" cy="1142640"/>
-          </a:xfrm>
-          <a:prstGeom prst="rect">
-            <a:avLst/>
-          </a:prstGeom>
-        </p:spPr>
-        <p:txBody>
-          <a:bodyPr anchor="ctr"/>
-          <a:lstStyle/>
-          <a:p>
-            <a:pPr algn="ctr">
-              <a:lnSpc>
-                <a:spcPct val="100000"/>
-              </a:lnSpc>
-            </a:pPr>
-            <a:r>
-              <a:rPr lang="zh-CN" sz="4400">
-                <a:solidFill>
-                  <a:srgbClr val="FFFFFF"/>
-                </a:solidFill>
-                <a:latin typeface="Consolas"/>
-              </a:rPr>
-              <a:t>LittleJava</a:t>
-            </a:r>
-            <a:r>
-              <a:rPr lang="zh-CN" sz="4400">
-                <a:solidFill>
-                  <a:srgbClr val="FFFFFF"/>
-                </a:solidFill>
-                <a:latin typeface="微软雅黑"/>
-                <a:ea typeface="微软雅黑"/>
-              </a:rPr>
-              <a:t>语法规则概要</a:t>
-            </a:r>
-            <a:endParaRPr/>
-          </a:p>
-        </p:txBody>
-      </p:sp>
-      <p:sp>
-        <p:nvSpPr>
-          <p:cNvPr id="42" name="TextShape 2"/>
-          <p:cNvSpPr txBox="1"/>
-          <p:nvPr/>
-        </p:nvSpPr>
-        <p:spPr>
-          <a:xfrm>
-            <a:off x="457200" y="1600200"/>
-            <a:ext cx="8229240" cy="4525560"/>
-          </a:xfrm>
-          <a:prstGeom prst="rect">
-            <a:avLst/>
-          </a:prstGeom>
-        </p:spPr>
-        <p:txBody>
-          <a:bodyPr/>
-          <a:lstStyle/>
-          <a:p>
-            <a:pPr>
-              <a:lnSpc>
-                <a:spcPct val="100000"/>
-              </a:lnSpc>
-              <a:buFont typeface="Arial"/>
-              <a:buChar char="•"/>
-            </a:pPr>
-            <a:r>
-              <a:rPr lang="zh-CN" sz="3200">
-                <a:solidFill>
-                  <a:srgbClr val="FFFFFF"/>
-                </a:solidFill>
-                <a:latin typeface="微软雅黑"/>
-                <a:ea typeface="微软雅黑"/>
-              </a:rPr>
-              <a:t>自定义类</a:t>
-            </a:r>
-            <a:endParaRPr/>
-          </a:p>
-          <a:p>
-            <a:pPr lvl="1">
-              <a:lnSpc>
-                <a:spcPct val="100000"/>
-              </a:lnSpc>
-              <a:buFont typeface="Arial"/>
-              <a:buChar char="–"/>
-            </a:pPr>
-            <a:r>
-              <a:rPr lang="zh-CN" sz="2800">
-                <a:solidFill>
-                  <a:srgbClr val="FFFFFF"/>
-                </a:solidFill>
-                <a:latin typeface="微软雅黑"/>
-                <a:ea typeface="微软雅黑"/>
-              </a:rPr>
-              <a:t>成员变量必须先于成员函数定义</a:t>
-            </a:r>
-            <a:endParaRPr/>
-          </a:p>
-          <a:p>
-            <a:pPr>
-              <a:lnSpc>
-                <a:spcPct val="100000"/>
-              </a:lnSpc>
-              <a:buFont typeface="Arial"/>
-              <a:buChar char="•"/>
-            </a:pPr>
-            <a:r>
-              <a:rPr lang="zh-CN" sz="3200">
-                <a:solidFill>
-                  <a:srgbClr val="FFFFFF"/>
-                </a:solidFill>
-                <a:latin typeface="微软雅黑"/>
-                <a:ea typeface="微软雅黑"/>
-              </a:rPr>
-              <a:t>优先级与Java相同的表达式</a:t>
-            </a:r>
-            <a:endParaRPr/>
-          </a:p>
-          <a:p>
-            <a:pPr>
-              <a:lnSpc>
-                <a:spcPct val="100000"/>
-              </a:lnSpc>
-              <a:buFont typeface="Arial"/>
-              <a:buChar char="•"/>
-            </a:pPr>
-            <a:r>
-              <a:rPr lang="zh-CN" sz="3200">
-                <a:solidFill>
-                  <a:srgbClr val="FFFFFF"/>
-                </a:solidFill>
-                <a:latin typeface="微软雅黑"/>
-                <a:ea typeface="微软雅黑"/>
-              </a:rPr>
-              <a:t>去除位运算</a:t>
-            </a:r>
-            <a:endParaRPr/>
-          </a:p>
-          <a:p>
-            <a:pPr>
-              <a:lnSpc>
-                <a:spcPct val="100000"/>
-              </a:lnSpc>
-              <a:buFont typeface="Arial"/>
-              <a:buChar char="•"/>
-            </a:pPr>
-            <a:r>
-              <a:rPr lang="zh-CN" sz="3200">
-                <a:solidFill>
-                  <a:srgbClr val="FFFFFF"/>
-                </a:solidFill>
-                <a:latin typeface="微软雅黑"/>
-                <a:ea typeface="微软雅黑"/>
-              </a:rPr>
-              <a:t>去除继承和多态</a:t>
-            </a:r>
-            <a:endParaRPr/>
-          </a:p>
-          <a:p>
-            <a:pPr>
-              <a:lnSpc>
-                <a:spcPct val="100000"/>
-              </a:lnSpc>
-              <a:buFont typeface="Arial"/>
-              <a:buChar char="•"/>
-            </a:pPr>
-            <a:r>
-              <a:rPr lang="zh-CN" sz="3200">
-                <a:solidFill>
-                  <a:srgbClr val="FFFFFF"/>
-                </a:solidFill>
-                <a:latin typeface="微软雅黑"/>
-                <a:ea typeface="微软雅黑"/>
-              </a:rPr>
-              <a:t>去除*=、/=、+=、-=、自增、自减操作符</a:t>
-            </a:r>
-            <a:endParaRPr/>
-          </a:p>
-          <a:p>
-            <a:pPr>
-              <a:lnSpc>
-                <a:spcPct val="100000"/>
-              </a:lnSpc>
-            </a:pPr>
-            <a:endParaRPr/>
-          </a:p>
-          <a:p>
-            <a:pPr>
-              <a:lnSpc>
-                <a:spcPct val="100000"/>
-              </a:lnSpc>
-            </a:pPr>
-            <a:endParaRPr/>
+              <a:rPr lang="zh-CN" sz="2400" dirty="0" smtClean="0">
+                <a:solidFill>
+                  <a:srgbClr val="FFFFFF"/>
+                </a:solidFill>
+                <a:latin typeface="微软雅黑"/>
+                <a:ea typeface="微软雅黑"/>
+              </a:rPr>
+              <a:t>减少</a:t>
+            </a:r>
+            <a:r>
+              <a:rPr lang="zh-CN" altLang="en-US" sz="2400" dirty="0" smtClean="0">
+                <a:solidFill>
+                  <a:srgbClr val="FFFFFF"/>
+                </a:solidFill>
+                <a:latin typeface="微软雅黑"/>
+                <a:ea typeface="微软雅黑"/>
+              </a:rPr>
+              <a:t>复杂的</a:t>
+            </a:r>
+            <a:r>
+              <a:rPr lang="zh-CN" sz="2400" dirty="0" smtClean="0">
+                <a:solidFill>
+                  <a:srgbClr val="FFFFFF"/>
+                </a:solidFill>
+                <a:latin typeface="微软雅黑"/>
+                <a:ea typeface="微软雅黑"/>
+              </a:rPr>
+              <a:t>高级</a:t>
+            </a:r>
+            <a:r>
+              <a:rPr lang="zh-CN" sz="2400" dirty="0">
+                <a:solidFill>
+                  <a:srgbClr val="FFFFFF"/>
+                </a:solidFill>
+                <a:latin typeface="微软雅黑"/>
+                <a:ea typeface="微软雅黑"/>
+              </a:rPr>
+              <a:t>语法及语言</a:t>
+            </a:r>
+            <a:r>
+              <a:rPr lang="zh-CN" sz="2400" dirty="0" smtClean="0">
+                <a:solidFill>
+                  <a:srgbClr val="FFFFFF"/>
+                </a:solidFill>
+                <a:latin typeface="微软雅黑"/>
+                <a:ea typeface="微软雅黑"/>
+              </a:rPr>
+              <a:t>特性</a:t>
+            </a:r>
+            <a:endParaRPr sz="2400" dirty="0"/>
           </a:p>
         </p:txBody>
       </p:sp>
@@ -2418,14 +2499,14 @@
       </p:grpSpPr>
       <p:sp>
         <p:nvSpPr>
-          <p:cNvPr id="43" name="TextShape 1"/>
+          <p:cNvPr id="41" name="TextShape 1"/>
           <p:cNvSpPr txBox="1"/>
           <p:nvPr/>
         </p:nvSpPr>
         <p:spPr>
           <a:xfrm>
-            <a:off x="1059480" y="620640"/>
-            <a:ext cx="7024320" cy="829440"/>
+            <a:off x="457200" y="274680"/>
+            <a:ext cx="8229240" cy="1142640"/>
           </a:xfrm>
           <a:prstGeom prst="rect">
             <a:avLst/>
@@ -2445,10 +2526,19 @@
                 <a:solidFill>
                   <a:srgbClr val="FFFFFF"/>
                 </a:solidFill>
-                <a:latin typeface="微软雅黑"/>
-                <a:ea typeface="微软雅黑"/>
-              </a:rPr>
-              <a:t>样例程序及说明</a:t>
+                <a:latin typeface="Consolas"/>
+              </a:rPr>
+              <a:t>LittleJava</a:t>
+            </a:r>
+            <a:r>
+              <a:rPr lang="zh-CN" sz="4400">
+                <a:solidFill>
+                  <a:srgbClr val="FFFFFF"/>
+                </a:solidFill>
+                <a:latin typeface="微软雅黑"/>
+                <a:ea typeface="微软雅黑"/>
+              </a:rPr>
+              <a:t>语法规则概要</a:t>
             </a:r>
             <a:endParaRPr/>
           </a:p>
@@ -2456,14 +2546,14 @@
       </p:sp>
       <p:sp>
         <p:nvSpPr>
-          <p:cNvPr id="44" name="TextShape 2"/>
+          <p:cNvPr id="42" name="TextShape 2"/>
           <p:cNvSpPr txBox="1"/>
           <p:nvPr/>
         </p:nvSpPr>
         <p:spPr>
           <a:xfrm>
-            <a:off x="611560" y="1674360"/>
-            <a:ext cx="7472240" cy="4778640"/>
+            <a:off x="457200" y="1600200"/>
+            <a:ext cx="8229240" cy="4525560"/>
           </a:xfrm>
           <a:prstGeom prst="rect">
             <a:avLst/>
@@ -2477,207 +2567,25 @@
               <a:lnSpc>
                 <a:spcPct val="100000"/>
               </a:lnSpc>
-            </a:pPr>
-            <a:r>
-              <a:rPr lang="zh-CN" sz="2400" b="1" dirty="0">
-                <a:solidFill>
-                  <a:srgbClr val="FFFFFF"/>
-                </a:solidFill>
-                <a:latin typeface="Consolas"/>
-              </a:rPr>
-              <a:t>class</a:t>
-            </a:r>
-            <a:r>
-              <a:rPr lang="zh-CN" sz="2400" dirty="0">
-                <a:solidFill>
-                  <a:srgbClr val="FFFFFF"/>
-                </a:solidFill>
-                <a:latin typeface="Consolas"/>
-              </a:rPr>
-              <a:t> first{	</a:t>
-            </a:r>
-            <a:endParaRPr dirty="0"/>
-          </a:p>
-          <a:p>
-            <a:pPr>
-              <a:lnSpc>
-                <a:spcPct val="100000"/>
-              </a:lnSpc>
-            </a:pPr>
-            <a:r>
-              <a:rPr lang="zh-CN" sz="2400" dirty="0">
-                <a:solidFill>
-                  <a:srgbClr val="FFFFFF"/>
-                </a:solidFill>
-                <a:latin typeface="Consolas"/>
-              </a:rPr>
-              <a:t>	/** </a:t>
-            </a:r>
-            <a:r>
-              <a:rPr lang="zh-CN" sz="2400" b="1" dirty="0">
-                <a:solidFill>
-                  <a:srgbClr val="FFFFFF"/>
-                </a:solidFill>
-                <a:latin typeface="Consolas"/>
-              </a:rPr>
-              <a:t>Main entry point.</a:t>
-            </a:r>
-            <a:r>
-              <a:rPr lang="zh-CN" sz="2400" dirty="0">
-                <a:solidFill>
-                  <a:srgbClr val="FFFFFF"/>
-                </a:solidFill>
-                <a:latin typeface="Consolas"/>
-              </a:rPr>
-              <a:t> */</a:t>
-            </a:r>
-            <a:endParaRPr dirty="0"/>
-          </a:p>
-          <a:p>
-            <a:pPr>
-              <a:lnSpc>
-                <a:spcPct val="100000"/>
-              </a:lnSpc>
-            </a:pPr>
-            <a:r>
-              <a:rPr lang="zh-CN" sz="2400" dirty="0">
-                <a:solidFill>
-                  <a:srgbClr val="FFFFFF"/>
-                </a:solidFill>
-                <a:latin typeface="Consolas"/>
-              </a:rPr>
-              <a:t>	</a:t>
-            </a:r>
-            <a:r>
-              <a:rPr lang="zh-CN" sz="2400" b="1" dirty="0">
-                <a:solidFill>
-                  <a:srgbClr val="FFFFFF"/>
-                </a:solidFill>
-                <a:latin typeface="Consolas"/>
-              </a:rPr>
-              <a:t>static</a:t>
-            </a:r>
-            <a:r>
-              <a:rPr lang="zh-CN" sz="2400" dirty="0">
-                <a:solidFill>
-                  <a:srgbClr val="FFFFFF"/>
-                </a:solidFill>
-                <a:latin typeface="Consolas"/>
-              </a:rPr>
-              <a:t> </a:t>
-            </a:r>
-            <a:r>
-              <a:rPr lang="zh-CN" sz="2400" b="1" dirty="0">
-                <a:solidFill>
-                  <a:srgbClr val="FFFFFF"/>
-                </a:solidFill>
-                <a:latin typeface="Consolas"/>
-              </a:rPr>
-              <a:t>void</a:t>
-            </a:r>
-            <a:r>
-              <a:rPr lang="zh-CN" sz="2400" dirty="0">
-                <a:solidFill>
-                  <a:srgbClr val="FFFFFF"/>
-                </a:solidFill>
-                <a:latin typeface="Consolas"/>
-              </a:rPr>
-              <a:t> main(){</a:t>
-            </a:r>
-            <a:endParaRPr dirty="0"/>
-          </a:p>
-          <a:p>
-            <a:pPr>
-              <a:lnSpc>
-                <a:spcPct val="100000"/>
-              </a:lnSpc>
-            </a:pPr>
-            <a:r>
-              <a:rPr lang="zh-CN" sz="2400" dirty="0">
-                <a:solidFill>
-                  <a:srgbClr val="FFFFFF"/>
-                </a:solidFill>
-                <a:latin typeface="Consolas"/>
-              </a:rPr>
-              <a:t>	</a:t>
-            </a:r>
-            <a:r>
-              <a:rPr lang="zh-CN" sz="2400" b="1" dirty="0" smtClean="0">
-                <a:solidFill>
-                  <a:srgbClr val="FFFFFF"/>
-                </a:solidFill>
-                <a:latin typeface="Consolas"/>
-              </a:rPr>
-              <a:t>int</a:t>
-            </a:r>
-            <a:r>
-              <a:rPr lang="zh-CN" sz="2400" dirty="0" smtClean="0">
-                <a:solidFill>
-                  <a:srgbClr val="FFFFFF"/>
-                </a:solidFill>
-                <a:latin typeface="Consolas"/>
-              </a:rPr>
-              <a:t> </a:t>
-            </a:r>
-            <a:r>
-              <a:rPr lang="zh-CN" sz="2400" dirty="0">
-                <a:solidFill>
-                  <a:srgbClr val="FFFFFF"/>
-                </a:solidFill>
-                <a:latin typeface="Consolas"/>
-              </a:rPr>
-              <a:t>arr[] = </a:t>
-            </a:r>
-            <a:r>
-              <a:rPr lang="zh-CN" sz="2400" b="1" dirty="0">
-                <a:solidFill>
-                  <a:srgbClr val="FFFFFF"/>
-                </a:solidFill>
-                <a:latin typeface="Consolas"/>
-              </a:rPr>
-              <a:t>new</a:t>
-            </a:r>
-            <a:r>
-              <a:rPr lang="zh-CN" sz="2400" dirty="0">
-                <a:solidFill>
-                  <a:srgbClr val="FFFFFF"/>
-                </a:solidFill>
-                <a:latin typeface="Consolas"/>
-              </a:rPr>
-              <a:t> </a:t>
-            </a:r>
-            <a:r>
-              <a:rPr lang="zh-CN" sz="2400" b="1" dirty="0">
-                <a:solidFill>
-                  <a:srgbClr val="FFFFFF"/>
-                </a:solidFill>
-                <a:latin typeface="Consolas"/>
-              </a:rPr>
-              <a:t>int</a:t>
-            </a:r>
-            <a:r>
-              <a:rPr lang="zh-CN" sz="2400" dirty="0">
-                <a:solidFill>
-                  <a:srgbClr val="FFFFFF"/>
-                </a:solidFill>
-                <a:latin typeface="Consolas"/>
-              </a:rPr>
-              <a:t>[10]</a:t>
-            </a:r>
-            <a:r>
-              <a:rPr lang="zh-CN" sz="2400" dirty="0" smtClean="0">
-                <a:solidFill>
-                  <a:srgbClr val="FFFFFF"/>
-                </a:solidFill>
-                <a:latin typeface="Consolas"/>
-              </a:rPr>
-              <a:t>;</a:t>
-            </a:r>
-            <a:endParaRPr lang="en-US" altLang="zh-CN" sz="2400" dirty="0" smtClean="0">
+              <a:buFont typeface="Arial"/>
+              <a:buChar char="•"/>
+            </a:pPr>
+            <a:r>
+              <a:rPr lang="zh-CN" altLang="en-US" sz="3200" dirty="0" smtClean="0">
+                <a:solidFill>
+                  <a:srgbClr val="FFFFFF"/>
+                </a:solidFill>
+                <a:latin typeface="微软雅黑"/>
+                <a:ea typeface="微软雅黑"/>
+              </a:rPr>
+              <a:t>基本类型</a:t>
+            </a:r>
+            <a:endParaRPr lang="en-US" altLang="zh-CN" sz="3200" dirty="0" smtClean="0">
               <a:solidFill>
                 <a:srgbClr val="FFFFFF"/>
               </a:solidFill>
-              <a:latin typeface="Consolas"/>
+              <a:latin typeface="微软雅黑"/>
+              <a:ea typeface="微软雅黑"/>
             </a:endParaRPr>
           </a:p>
           <a:p>
@@ -2687,212 +2595,51 @@
               </a:lnSpc>
             </a:pPr>
             <a:r>
-              <a:rPr lang="en-US" altLang="zh-CN" sz="2400" dirty="0">
-                <a:solidFill>
-                  <a:srgbClr val="FFFFFF"/>
-                </a:solidFill>
-                <a:latin typeface="Consolas"/>
-              </a:rPr>
-              <a:t>	</a:t>
-            </a:r>
-            <a:r>
-              <a:rPr lang="zh-CN" sz="2400" dirty="0" smtClean="0">
-                <a:solidFill>
-                  <a:srgbClr val="FFFFFF"/>
-                </a:solidFill>
-                <a:latin typeface="Consolas"/>
-              </a:rPr>
-              <a:t>//</a:t>
-            </a:r>
-            <a:r>
-              <a:rPr lang="zh-CN" sz="2400" dirty="0">
-                <a:solidFill>
-                  <a:srgbClr val="FFFFFF"/>
-                </a:solidFill>
-                <a:latin typeface="Consolas"/>
-              </a:rPr>
-              <a:t>define an array</a:t>
-            </a:r>
-            <a:endParaRPr dirty="0"/>
-          </a:p>
-          <a:p>
-            <a:pPr>
-              <a:lnSpc>
-                <a:spcPct val="100000"/>
-              </a:lnSpc>
-            </a:pPr>
-            <a:r>
-              <a:rPr lang="en-US" altLang="zh-CN" sz="2400" dirty="0">
-                <a:solidFill>
-                  <a:srgbClr val="FFFFFF"/>
-                </a:solidFill>
-                <a:latin typeface="Consolas"/>
-              </a:rPr>
-              <a:t>	</a:t>
-            </a:r>
-            <a:r>
-              <a:rPr lang="zh-CN" sz="2400" b="1" dirty="0" smtClean="0">
-                <a:solidFill>
-                  <a:srgbClr val="FFFFFF"/>
-                </a:solidFill>
-                <a:latin typeface="Consolas"/>
-              </a:rPr>
-              <a:t>for</a:t>
-            </a:r>
-            <a:r>
-              <a:rPr lang="zh-CN" sz="2400" dirty="0" smtClean="0">
-                <a:solidFill>
-                  <a:srgbClr val="FFFFFF"/>
-                </a:solidFill>
-                <a:latin typeface="Consolas"/>
-              </a:rPr>
-              <a:t>(</a:t>
-            </a:r>
-            <a:r>
-              <a:rPr lang="zh-CN" sz="2400" b="1" dirty="0">
-                <a:solidFill>
-                  <a:srgbClr val="FFFFFF"/>
-                </a:solidFill>
-                <a:latin typeface="Consolas"/>
+              <a:rPr lang="en-US" altLang="zh-CN" sz="3200" dirty="0" smtClean="0">
+                <a:solidFill>
+                  <a:srgbClr val="FFFFFF"/>
+                </a:solidFill>
+                <a:latin typeface="微软雅黑"/>
+                <a:ea typeface="微软雅黑"/>
+              </a:rPr>
+              <a:t>    -</a:t>
+            </a:r>
+            <a:r>
+              <a:rPr lang="en-US" altLang="zh-CN" sz="2800" dirty="0" err="1" smtClean="0">
+                <a:solidFill>
+                  <a:srgbClr val="FFFFFF"/>
+                </a:solidFill>
+                <a:latin typeface="微软雅黑"/>
+                <a:ea typeface="微软雅黑"/>
               </a:rPr>
               <a:t>int</a:t>
             </a:r>
             <a:r>
-              <a:rPr lang="zh-CN" sz="2400" dirty="0">
-                <a:solidFill>
-                  <a:srgbClr val="FFFFFF"/>
-                </a:solidFill>
-                <a:latin typeface="Consolas"/>
-              </a:rPr>
-              <a:t> i = 0; i &lt; 10; i = i + 1){</a:t>
-            </a:r>
-            <a:endParaRPr dirty="0"/>
-          </a:p>
-          <a:p>
-            <a:pPr>
-              <a:lnSpc>
-                <a:spcPct val="100000"/>
-              </a:lnSpc>
-            </a:pPr>
-            <a:r>
-              <a:rPr lang="zh-CN" sz="2400" dirty="0">
-                <a:solidFill>
-                  <a:srgbClr val="FFFFFF"/>
-                </a:solidFill>
-                <a:latin typeface="Consolas"/>
-              </a:rPr>
-              <a:t>		</a:t>
-            </a:r>
-            <a:r>
-              <a:rPr lang="zh-CN" sz="2400" dirty="0" smtClean="0">
-                <a:solidFill>
-                  <a:srgbClr val="FFFFFF"/>
-                </a:solidFill>
-                <a:latin typeface="Consolas"/>
-              </a:rPr>
-              <a:t>arr</a:t>
-            </a:r>
-            <a:r>
-              <a:rPr lang="zh-CN" sz="2400" dirty="0">
-                <a:solidFill>
-                  <a:srgbClr val="FFFFFF"/>
-                </a:solidFill>
-                <a:latin typeface="Consolas"/>
-              </a:rPr>
-              <a:t>[i] = i * i % 10;</a:t>
-            </a:r>
-            <a:endParaRPr dirty="0"/>
-          </a:p>
-          <a:p>
-            <a:pPr>
-              <a:lnSpc>
-                <a:spcPct val="100000"/>
-              </a:lnSpc>
-            </a:pPr>
-            <a:r>
-              <a:rPr lang="zh-CN" sz="2400" dirty="0" smtClean="0">
-                <a:solidFill>
-                  <a:srgbClr val="FFFFFF"/>
-                </a:solidFill>
-                <a:latin typeface="Consolas"/>
-              </a:rPr>
-              <a:t>//</a:t>
-            </a:r>
-            <a:r>
-              <a:rPr lang="zh-CN" sz="2400" dirty="0">
-                <a:solidFill>
-                  <a:srgbClr val="FFFFFF"/>
-                </a:solidFill>
-                <a:latin typeface="Consolas"/>
-              </a:rPr>
-              <a:t>initial the array ,make it looks randomly </a:t>
-            </a:r>
-            <a:endParaRPr dirty="0"/>
-          </a:p>
-          <a:p>
-            <a:pPr>
-              <a:lnSpc>
-                <a:spcPct val="100000"/>
-              </a:lnSpc>
-            </a:pPr>
-            <a:r>
-              <a:rPr lang="en-US" altLang="zh-CN" sz="2400" dirty="0">
-                <a:solidFill>
-                  <a:srgbClr val="FFFFFF"/>
-                </a:solidFill>
-                <a:latin typeface="Consolas"/>
-              </a:rPr>
-              <a:t>	</a:t>
-            </a:r>
-            <a:r>
-              <a:rPr lang="zh-CN" sz="2400" dirty="0" smtClean="0">
-                <a:solidFill>
-                  <a:srgbClr val="FFFFFF"/>
-                </a:solidFill>
-                <a:latin typeface="Consolas"/>
-              </a:rPr>
-              <a:t>}</a:t>
-            </a:r>
-            <a:endParaRPr dirty="0"/>
-          </a:p>
-          <a:p>
-            <a:pPr>
-              <a:lnSpc>
-                <a:spcPct val="100000"/>
-              </a:lnSpc>
-            </a:pPr>
-            <a:r>
-              <a:rPr lang="zh-CN" sz="2400" dirty="0">
-                <a:solidFill>
-                  <a:srgbClr val="FFFFFF"/>
-                </a:solidFill>
-                <a:latin typeface="Consolas"/>
-              </a:rPr>
-              <a:t>	</a:t>
-            </a:r>
-            <a:r>
-              <a:rPr lang="zh-CN" sz="2400" dirty="0" smtClean="0">
-                <a:solidFill>
-                  <a:srgbClr val="FFFFFF"/>
-                </a:solidFill>
-                <a:latin typeface="Consolas"/>
-              </a:rPr>
-              <a:t>quicksort</a:t>
-            </a:r>
-            <a:r>
-              <a:rPr lang="zh-CN" sz="2400" dirty="0">
-                <a:solidFill>
-                  <a:srgbClr val="FFFFFF"/>
-                </a:solidFill>
-                <a:latin typeface="Consolas"/>
-              </a:rPr>
-              <a:t>(arr, 0, 9); </a:t>
-            </a:r>
-            <a:endParaRPr lang="en-US" altLang="zh-CN" sz="2400" dirty="0" smtClean="0">
+              <a:rPr lang="en-US" altLang="zh-CN" sz="2800" dirty="0" smtClean="0">
+                <a:solidFill>
+                  <a:srgbClr val="FFFFFF"/>
+                </a:solidFill>
+                <a:latin typeface="微软雅黑"/>
+                <a:ea typeface="微软雅黑"/>
+              </a:rPr>
+              <a:t>, char, float, </a:t>
+            </a:r>
+            <a:r>
+              <a:rPr lang="en-US" altLang="zh-CN" sz="2800" dirty="0" err="1" smtClean="0">
+                <a:solidFill>
+                  <a:srgbClr val="FFFFFF"/>
+                </a:solidFill>
+                <a:latin typeface="微软雅黑"/>
+                <a:ea typeface="微软雅黑"/>
+              </a:rPr>
+              <a:t>bool</a:t>
+            </a:r>
+            <a:endParaRPr lang="en-US" altLang="zh-CN" sz="2800" dirty="0" smtClean="0">
               <a:solidFill>
                 <a:srgbClr val="FFFFFF"/>
               </a:solidFill>
-              <a:latin typeface="Consolas"/>
+              <a:latin typeface="微软雅黑"/>
+              <a:ea typeface="微软雅黑"/>
             </a:endParaRPr>
           </a:p>
           <a:p>
@@ -2900,60 +2647,137 @@
               <a:lnSpc>
                 <a:spcPct val="100000"/>
               </a:lnSpc>
-            </a:pPr>
-            <a:r>
-              <a:rPr lang="en-US" altLang="zh-CN" sz="2400" dirty="0">
-                <a:solidFill>
-                  <a:srgbClr val="FFFFFF"/>
-                </a:solidFill>
-                <a:latin typeface="Consolas"/>
-              </a:rPr>
-              <a:t>	</a:t>
-            </a:r>
-            <a:r>
-              <a:rPr lang="zh-CN" sz="2400" dirty="0" smtClean="0">
-                <a:solidFill>
-                  <a:srgbClr val="FFFFFF"/>
-                </a:solidFill>
-                <a:latin typeface="Consolas"/>
-              </a:rPr>
-              <a:t>//</a:t>
-            </a:r>
-            <a:r>
-              <a:rPr lang="zh-CN" sz="2400" dirty="0">
-                <a:solidFill>
-                  <a:srgbClr val="FFFFFF"/>
-                </a:solidFill>
-                <a:latin typeface="Consolas"/>
-              </a:rPr>
-              <a:t>call the quicksort method</a:t>
+              <a:buFont typeface="Arial"/>
+              <a:buChar char="•"/>
+            </a:pPr>
+            <a:r>
+              <a:rPr lang="zh-CN" sz="3200" dirty="0" smtClean="0">
+                <a:solidFill>
+                  <a:srgbClr val="FFFFFF"/>
+                </a:solidFill>
+                <a:latin typeface="微软雅黑"/>
+                <a:ea typeface="微软雅黑"/>
+              </a:rPr>
+              <a:t>自定义</a:t>
+            </a:r>
+            <a:r>
+              <a:rPr lang="zh-CN" sz="3200" dirty="0">
+                <a:solidFill>
+                  <a:srgbClr val="FFFFFF"/>
+                </a:solidFill>
+                <a:latin typeface="微软雅黑"/>
+                <a:ea typeface="微软雅黑"/>
+              </a:rPr>
+              <a:t>类</a:t>
             </a:r>
             <a:endParaRPr dirty="0"/>
           </a:p>
           <a:p>
-            <a:pPr>
-              <a:lnSpc>
-                <a:spcPct val="100000"/>
-              </a:lnSpc>
-            </a:pPr>
-            <a:r>
-              <a:rPr lang="zh-CN" sz="2400" dirty="0" smtClean="0">
-                <a:solidFill>
-                  <a:srgbClr val="FFFFFF"/>
-                </a:solidFill>
-                <a:latin typeface="Consolas"/>
-              </a:rPr>
-              <a:t>}</a:t>
-            </a:r>
-            <a:r>
-              <a:rPr lang="en-US" altLang="zh-CN" sz="2400" dirty="0" smtClean="0">
-                <a:solidFill>
-                  <a:srgbClr val="FFFFFF"/>
-                </a:solidFill>
-                <a:latin typeface="Consolas"/>
-              </a:rPr>
-              <a:t>//end of main function</a:t>
-            </a:r>
+            <a:pPr lvl="1">
+              <a:lnSpc>
+                <a:spcPct val="100000"/>
+              </a:lnSpc>
+              <a:buFont typeface="Arial"/>
+              <a:buChar char="–"/>
+            </a:pPr>
+            <a:r>
+              <a:rPr lang="zh-CN" sz="2800" dirty="0">
+                <a:solidFill>
+                  <a:srgbClr val="FFFFFF"/>
+                </a:solidFill>
+                <a:latin typeface="微软雅黑"/>
+                <a:ea typeface="微软雅黑"/>
+              </a:rPr>
+              <a:t>成员变量必须先于成员函数定义</a:t>
+            </a:r>
+            <a:endParaRPr dirty="0"/>
+          </a:p>
+          <a:p>
+            <a:pPr>
+              <a:lnSpc>
+                <a:spcPct val="100000"/>
+              </a:lnSpc>
+              <a:buFont typeface="Arial"/>
+              <a:buChar char="•"/>
+            </a:pPr>
+            <a:r>
+              <a:rPr lang="zh-CN" sz="3200" dirty="0">
+                <a:solidFill>
+                  <a:srgbClr val="FFFFFF"/>
+                </a:solidFill>
+                <a:latin typeface="微软雅黑"/>
+                <a:ea typeface="微软雅黑"/>
+              </a:rPr>
+              <a:t>优先级与Java相同的表达式</a:t>
+            </a:r>
+            <a:endParaRPr dirty="0"/>
+          </a:p>
+          <a:p>
+            <a:pPr>
+              <a:lnSpc>
+                <a:spcPct val="100000"/>
+              </a:lnSpc>
+              <a:buFont typeface="Arial"/>
+              <a:buChar char="•"/>
+            </a:pPr>
+            <a:r>
+              <a:rPr lang="zh-CN" sz="3200" dirty="0">
+                <a:solidFill>
+                  <a:srgbClr val="FFFFFF"/>
+                </a:solidFill>
+                <a:latin typeface="微软雅黑"/>
+                <a:ea typeface="微软雅黑"/>
+              </a:rPr>
+              <a:t>去除位运算</a:t>
+            </a:r>
+            <a:endParaRPr dirty="0"/>
+          </a:p>
+          <a:p>
+            <a:pPr>
+              <a:lnSpc>
+                <a:spcPct val="100000"/>
+              </a:lnSpc>
+              <a:buFont typeface="Arial"/>
+              <a:buChar char="•"/>
+            </a:pPr>
+            <a:r>
+              <a:rPr lang="zh-CN" sz="3200" dirty="0">
+                <a:solidFill>
+                  <a:srgbClr val="FFFFFF"/>
+                </a:solidFill>
+                <a:latin typeface="微软雅黑"/>
+                <a:ea typeface="微软雅黑"/>
+              </a:rPr>
+              <a:t>去除继承和多态</a:t>
+            </a:r>
+            <a:endParaRPr dirty="0"/>
+          </a:p>
+          <a:p>
+            <a:pPr>
+              <a:lnSpc>
+                <a:spcPct val="100000"/>
+              </a:lnSpc>
+              <a:buFont typeface="Arial"/>
+              <a:buChar char="•"/>
+            </a:pPr>
+            <a:r>
+              <a:rPr lang="zh-CN" sz="3200" dirty="0">
+                <a:solidFill>
+                  <a:srgbClr val="FFFFFF"/>
+                </a:solidFill>
+                <a:latin typeface="微软雅黑"/>
+                <a:ea typeface="微软雅黑"/>
+              </a:rPr>
+              <a:t>去除*=、/=、+=、-=、自增、自减操作符</a:t>
+            </a:r>
+            <a:endParaRPr dirty="0"/>
+          </a:p>
+          <a:p>
+            <a:pPr>
+              <a:lnSpc>
+                <a:spcPct val="100000"/>
+              </a:lnSpc>
+            </a:pPr>
             <a:endParaRPr dirty="0"/>
           </a:p>
           <a:p>
@@ -3008,6 +2832,614 @@
 </file>
 
 <file path=ppt/slides/slide5.xml><?xml version="1.0" encoding="utf-8"?>
+<p:sld xmlns:a="http://schemas.openxmlformats.org/drawingml/2006/main" xmlns:r="http://schemas.openxmlformats.org/officeDocument/2006/relationships" xmlns:p="http://schemas.openxmlformats.org/presentationml/2006/main">
+  <p:cSld>
+    <p:spTree>
+      <p:nvGrpSpPr>
+        <p:cNvPr id="1" name=""/>
+        <p:cNvGrpSpPr/>
+        <p:nvPr/>
+      </p:nvGrpSpPr>
+      <p:grpSpPr>
+        <a:xfrm>
+          <a:off x="0" y="0"/>
+          <a:ext cx="0" cy="0"/>
+          <a:chOff x="0" y="0"/>
+          <a:chExt cx="0" cy="0"/>
+        </a:xfrm>
+      </p:grpSpPr>
+      <p:sp>
+        <p:nvSpPr>
+          <p:cNvPr id="43" name="TextShape 1"/>
+          <p:cNvSpPr txBox="1"/>
+          <p:nvPr/>
+        </p:nvSpPr>
+        <p:spPr>
+          <a:xfrm>
+            <a:off x="1059480" y="620640"/>
+            <a:ext cx="7024320" cy="829440"/>
+          </a:xfrm>
+          <a:prstGeom prst="rect">
+            <a:avLst/>
+          </a:prstGeom>
+        </p:spPr>
+        <p:txBody>
+          <a:bodyPr anchor="ctr"/>
+          <a:lstStyle/>
+          <a:p>
+            <a:pPr algn="ctr">
+              <a:lnSpc>
+                <a:spcPct val="100000"/>
+              </a:lnSpc>
+            </a:pPr>
+            <a:r>
+              <a:rPr lang="zh-CN" sz="4400">
+                <a:solidFill>
+                  <a:srgbClr val="FFFFFF"/>
+                </a:solidFill>
+                <a:latin typeface="微软雅黑"/>
+                <a:ea typeface="微软雅黑"/>
+              </a:rPr>
+              <a:t>样例程序及说明</a:t>
+            </a:r>
+            <a:endParaRPr/>
+          </a:p>
+        </p:txBody>
+      </p:sp>
+      <p:sp>
+        <p:nvSpPr>
+          <p:cNvPr id="44" name="TextShape 2"/>
+          <p:cNvSpPr txBox="1"/>
+          <p:nvPr/>
+        </p:nvSpPr>
+        <p:spPr>
+          <a:xfrm>
+            <a:off x="611560" y="1674360"/>
+            <a:ext cx="7472240" cy="4778640"/>
+          </a:xfrm>
+          <a:prstGeom prst="rect">
+            <a:avLst/>
+          </a:prstGeom>
+        </p:spPr>
+        <p:txBody>
+          <a:bodyPr/>
+          <a:lstStyle/>
+          <a:p>
+            <a:pPr>
+              <a:lnSpc>
+                <a:spcPct val="100000"/>
+              </a:lnSpc>
+            </a:pPr>
+            <a:r>
+              <a:rPr lang="zh-CN" sz="2400" b="1" dirty="0">
+                <a:solidFill>
+                  <a:srgbClr val="FFFFFF"/>
+                </a:solidFill>
+                <a:latin typeface="Consolas"/>
+              </a:rPr>
+              <a:t>class</a:t>
+            </a:r>
+            <a:r>
+              <a:rPr lang="zh-CN" sz="2400" dirty="0">
+                <a:solidFill>
+                  <a:srgbClr val="FFFFFF"/>
+                </a:solidFill>
+                <a:latin typeface="Consolas"/>
+              </a:rPr>
+              <a:t> first{	</a:t>
+            </a:r>
+            <a:endParaRPr dirty="0"/>
+          </a:p>
+          <a:p>
+            <a:pPr>
+              <a:lnSpc>
+                <a:spcPct val="100000"/>
+              </a:lnSpc>
+            </a:pPr>
+            <a:r>
+              <a:rPr lang="zh-CN" sz="2400" dirty="0">
+                <a:solidFill>
+                  <a:srgbClr val="FFFFFF"/>
+                </a:solidFill>
+                <a:latin typeface="Consolas"/>
+              </a:rPr>
+              <a:t>	/** </a:t>
+            </a:r>
+            <a:r>
+              <a:rPr lang="zh-CN" sz="2400" b="1" dirty="0">
+                <a:solidFill>
+                  <a:srgbClr val="FFFFFF"/>
+                </a:solidFill>
+                <a:latin typeface="Consolas"/>
+              </a:rPr>
+              <a:t>Main entry point.</a:t>
+            </a:r>
+            <a:r>
+              <a:rPr lang="zh-CN" sz="2400" dirty="0">
+                <a:solidFill>
+                  <a:srgbClr val="FFFFFF"/>
+                </a:solidFill>
+                <a:latin typeface="Consolas"/>
+              </a:rPr>
+              <a:t> */</a:t>
+            </a:r>
+            <a:endParaRPr dirty="0"/>
+          </a:p>
+          <a:p>
+            <a:pPr>
+              <a:lnSpc>
+                <a:spcPct val="100000"/>
+              </a:lnSpc>
+            </a:pPr>
+            <a:r>
+              <a:rPr lang="zh-CN" sz="2400" dirty="0">
+                <a:solidFill>
+                  <a:srgbClr val="FFFFFF"/>
+                </a:solidFill>
+                <a:latin typeface="Consolas"/>
+              </a:rPr>
+              <a:t>	</a:t>
+            </a:r>
+            <a:r>
+              <a:rPr lang="zh-CN" sz="2400" b="1" dirty="0">
+                <a:solidFill>
+                  <a:srgbClr val="FFFFFF"/>
+                </a:solidFill>
+                <a:latin typeface="Consolas"/>
+              </a:rPr>
+              <a:t>static</a:t>
+            </a:r>
+            <a:r>
+              <a:rPr lang="zh-CN" sz="2400" dirty="0">
+                <a:solidFill>
+                  <a:srgbClr val="FFFFFF"/>
+                </a:solidFill>
+                <a:latin typeface="Consolas"/>
+              </a:rPr>
+              <a:t> </a:t>
+            </a:r>
+            <a:r>
+              <a:rPr lang="zh-CN" sz="2400" b="1" dirty="0">
+                <a:solidFill>
+                  <a:srgbClr val="FFFFFF"/>
+                </a:solidFill>
+                <a:latin typeface="Consolas"/>
+              </a:rPr>
+              <a:t>void</a:t>
+            </a:r>
+            <a:r>
+              <a:rPr lang="zh-CN" sz="2400" dirty="0">
+                <a:solidFill>
+                  <a:srgbClr val="FFFFFF"/>
+                </a:solidFill>
+                <a:latin typeface="Consolas"/>
+              </a:rPr>
+              <a:t> main(){</a:t>
+            </a:r>
+            <a:endParaRPr dirty="0"/>
+          </a:p>
+          <a:p>
+            <a:pPr>
+              <a:lnSpc>
+                <a:spcPct val="100000"/>
+              </a:lnSpc>
+            </a:pPr>
+            <a:r>
+              <a:rPr lang="zh-CN" sz="2400" dirty="0">
+                <a:solidFill>
+                  <a:srgbClr val="FFFFFF"/>
+                </a:solidFill>
+                <a:latin typeface="Consolas"/>
+              </a:rPr>
+              <a:t>	</a:t>
+            </a:r>
+            <a:r>
+              <a:rPr lang="zh-CN" sz="2400" b="1" dirty="0" smtClean="0">
+                <a:solidFill>
+                  <a:srgbClr val="FFFFFF"/>
+                </a:solidFill>
+                <a:latin typeface="Consolas"/>
+              </a:rPr>
+              <a:t>int</a:t>
+            </a:r>
+            <a:r>
+              <a:rPr lang="zh-CN" sz="2400" dirty="0" smtClean="0">
+                <a:solidFill>
+                  <a:srgbClr val="FFFFFF"/>
+                </a:solidFill>
+                <a:latin typeface="Consolas"/>
+              </a:rPr>
+              <a:t> </a:t>
+            </a:r>
+            <a:r>
+              <a:rPr lang="zh-CN" sz="2400" dirty="0">
+                <a:solidFill>
+                  <a:srgbClr val="FFFFFF"/>
+                </a:solidFill>
+                <a:latin typeface="Consolas"/>
+              </a:rPr>
+              <a:t>arr[] = </a:t>
+            </a:r>
+            <a:r>
+              <a:rPr lang="zh-CN" sz="2400" b="1" dirty="0">
+                <a:solidFill>
+                  <a:srgbClr val="FFFFFF"/>
+                </a:solidFill>
+                <a:latin typeface="Consolas"/>
+              </a:rPr>
+              <a:t>new</a:t>
+            </a:r>
+            <a:r>
+              <a:rPr lang="zh-CN" sz="2400" dirty="0">
+                <a:solidFill>
+                  <a:srgbClr val="FFFFFF"/>
+                </a:solidFill>
+                <a:latin typeface="Consolas"/>
+              </a:rPr>
+              <a:t> </a:t>
+            </a:r>
+            <a:r>
+              <a:rPr lang="zh-CN" sz="2400" b="1" dirty="0">
+                <a:solidFill>
+                  <a:srgbClr val="FFFFFF"/>
+                </a:solidFill>
+                <a:latin typeface="Consolas"/>
+              </a:rPr>
+              <a:t>int</a:t>
+            </a:r>
+            <a:r>
+              <a:rPr lang="zh-CN" sz="2400" dirty="0">
+                <a:solidFill>
+                  <a:srgbClr val="FFFFFF"/>
+                </a:solidFill>
+                <a:latin typeface="Consolas"/>
+              </a:rPr>
+              <a:t>[10]</a:t>
+            </a:r>
+            <a:r>
+              <a:rPr lang="zh-CN" sz="2400" dirty="0" smtClean="0">
+                <a:solidFill>
+                  <a:srgbClr val="FFFFFF"/>
+                </a:solidFill>
+                <a:latin typeface="Consolas"/>
+              </a:rPr>
+              <a:t>;</a:t>
+            </a:r>
+            <a:endParaRPr lang="en-US" altLang="zh-CN" sz="2400" dirty="0" smtClean="0">
+              <a:solidFill>
+                <a:srgbClr val="FFFFFF"/>
+              </a:solidFill>
+              <a:latin typeface="Consolas"/>
+            </a:endParaRPr>
+          </a:p>
+          <a:p>
+            <a:pPr>
+              <a:lnSpc>
+                <a:spcPct val="100000"/>
+              </a:lnSpc>
+            </a:pPr>
+            <a:r>
+              <a:rPr lang="en-US" altLang="zh-CN" sz="2400" dirty="0">
+                <a:solidFill>
+                  <a:srgbClr val="FFFFFF"/>
+                </a:solidFill>
+                <a:latin typeface="Consolas"/>
+              </a:rPr>
+              <a:t>	</a:t>
+            </a:r>
+            <a:r>
+              <a:rPr lang="zh-CN" sz="2400" dirty="0" smtClean="0">
+                <a:solidFill>
+                  <a:srgbClr val="FFFFFF"/>
+                </a:solidFill>
+                <a:latin typeface="Consolas"/>
+              </a:rPr>
+              <a:t>//</a:t>
+            </a:r>
+            <a:r>
+              <a:rPr lang="zh-CN" sz="2400" dirty="0">
+                <a:solidFill>
+                  <a:srgbClr val="FFFFFF"/>
+                </a:solidFill>
+                <a:latin typeface="Consolas"/>
+              </a:rPr>
+              <a:t>define an array</a:t>
+            </a:r>
+            <a:endParaRPr dirty="0"/>
+          </a:p>
+          <a:p>
+            <a:pPr>
+              <a:lnSpc>
+                <a:spcPct val="100000"/>
+              </a:lnSpc>
+            </a:pPr>
+            <a:r>
+              <a:rPr lang="en-US" altLang="zh-CN" sz="2400" dirty="0">
+                <a:solidFill>
+                  <a:srgbClr val="FFFFFF"/>
+                </a:solidFill>
+                <a:latin typeface="Consolas"/>
+              </a:rPr>
+              <a:t>	</a:t>
+            </a:r>
+            <a:r>
+              <a:rPr lang="zh-CN" sz="2400" b="1" dirty="0" smtClean="0">
+                <a:solidFill>
+                  <a:srgbClr val="FFFFFF"/>
+                </a:solidFill>
+                <a:latin typeface="Consolas"/>
+              </a:rPr>
+              <a:t>for</a:t>
+            </a:r>
+            <a:r>
+              <a:rPr lang="zh-CN" sz="2400" dirty="0" smtClean="0">
+                <a:solidFill>
+                  <a:srgbClr val="FFFFFF"/>
+                </a:solidFill>
+                <a:latin typeface="Consolas"/>
+              </a:rPr>
+              <a:t>(</a:t>
+            </a:r>
+            <a:r>
+              <a:rPr lang="zh-CN" sz="2400" b="1" dirty="0">
+                <a:solidFill>
+                  <a:srgbClr val="FFFFFF"/>
+                </a:solidFill>
+                <a:latin typeface="Consolas"/>
+              </a:rPr>
+              <a:t>int</a:t>
+            </a:r>
+            <a:r>
+              <a:rPr lang="zh-CN" sz="2400" dirty="0">
+                <a:solidFill>
+                  <a:srgbClr val="FFFFFF"/>
+                </a:solidFill>
+                <a:latin typeface="Consolas"/>
+              </a:rPr>
+              <a:t> i = 0; i &lt; 10; i = i + 1){</a:t>
+            </a:r>
+            <a:endParaRPr dirty="0"/>
+          </a:p>
+          <a:p>
+            <a:pPr>
+              <a:lnSpc>
+                <a:spcPct val="100000"/>
+              </a:lnSpc>
+            </a:pPr>
+            <a:r>
+              <a:rPr lang="zh-CN" sz="2400" dirty="0">
+                <a:solidFill>
+                  <a:srgbClr val="FFFFFF"/>
+                </a:solidFill>
+                <a:latin typeface="Consolas"/>
+              </a:rPr>
+              <a:t>		</a:t>
+            </a:r>
+            <a:r>
+              <a:rPr lang="zh-CN" sz="2400" dirty="0" smtClean="0">
+                <a:solidFill>
+                  <a:srgbClr val="FFFFFF"/>
+                </a:solidFill>
+                <a:latin typeface="Consolas"/>
+              </a:rPr>
+              <a:t>arr</a:t>
+            </a:r>
+            <a:r>
+              <a:rPr lang="zh-CN" sz="2400" dirty="0">
+                <a:solidFill>
+                  <a:srgbClr val="FFFFFF"/>
+                </a:solidFill>
+                <a:latin typeface="Consolas"/>
+              </a:rPr>
+              <a:t>[i] = i * i % 10;</a:t>
+            </a:r>
+            <a:endParaRPr dirty="0"/>
+          </a:p>
+          <a:p>
+            <a:pPr>
+              <a:lnSpc>
+                <a:spcPct val="100000"/>
+              </a:lnSpc>
+            </a:pPr>
+            <a:r>
+              <a:rPr lang="zh-CN" sz="2400" dirty="0" smtClean="0">
+                <a:solidFill>
+                  <a:srgbClr val="FFFFFF"/>
+                </a:solidFill>
+                <a:latin typeface="Consolas"/>
+              </a:rPr>
+              <a:t>//</a:t>
+            </a:r>
+            <a:r>
+              <a:rPr lang="zh-CN" sz="2400" dirty="0">
+                <a:solidFill>
+                  <a:srgbClr val="FFFFFF"/>
+                </a:solidFill>
+                <a:latin typeface="Consolas"/>
+              </a:rPr>
+              <a:t>initial the array ,make it looks randomly </a:t>
+            </a:r>
+            <a:endParaRPr dirty="0"/>
+          </a:p>
+          <a:p>
+            <a:pPr>
+              <a:lnSpc>
+                <a:spcPct val="100000"/>
+              </a:lnSpc>
+            </a:pPr>
+            <a:r>
+              <a:rPr lang="en-US" altLang="zh-CN" sz="2400" dirty="0">
+                <a:solidFill>
+                  <a:srgbClr val="FFFFFF"/>
+                </a:solidFill>
+                <a:latin typeface="Consolas"/>
+              </a:rPr>
+              <a:t>	</a:t>
+            </a:r>
+            <a:r>
+              <a:rPr lang="zh-CN" sz="2400" dirty="0" smtClean="0">
+                <a:solidFill>
+                  <a:srgbClr val="FFFFFF"/>
+                </a:solidFill>
+                <a:latin typeface="Consolas"/>
+              </a:rPr>
+              <a:t>}</a:t>
+            </a:r>
+            <a:endParaRPr dirty="0"/>
+          </a:p>
+          <a:p>
+            <a:pPr>
+              <a:lnSpc>
+                <a:spcPct val="100000"/>
+              </a:lnSpc>
+            </a:pPr>
+            <a:r>
+              <a:rPr lang="zh-CN" sz="2400" dirty="0">
+                <a:solidFill>
+                  <a:srgbClr val="FFFFFF"/>
+                </a:solidFill>
+                <a:latin typeface="Consolas"/>
+              </a:rPr>
+              <a:t>	</a:t>
+            </a:r>
+            <a:r>
+              <a:rPr lang="zh-CN" sz="2400" dirty="0" smtClean="0">
+                <a:solidFill>
+                  <a:srgbClr val="FFFFFF"/>
+                </a:solidFill>
+                <a:latin typeface="Consolas"/>
+              </a:rPr>
+              <a:t>quicksort</a:t>
+            </a:r>
+            <a:r>
+              <a:rPr lang="zh-CN" sz="2400" dirty="0">
+                <a:solidFill>
+                  <a:srgbClr val="FFFFFF"/>
+                </a:solidFill>
+                <a:latin typeface="Consolas"/>
+              </a:rPr>
+              <a:t>(arr, 0, 9); </a:t>
+            </a:r>
+            <a:endParaRPr lang="en-US" altLang="zh-CN" sz="2400" dirty="0" smtClean="0">
+              <a:solidFill>
+                <a:srgbClr val="FFFFFF"/>
+              </a:solidFill>
+              <a:latin typeface="Consolas"/>
+            </a:endParaRPr>
+          </a:p>
+          <a:p>
+            <a:pPr>
+              <a:lnSpc>
+                <a:spcPct val="100000"/>
+              </a:lnSpc>
+            </a:pPr>
+            <a:r>
+              <a:rPr lang="en-US" altLang="zh-CN" sz="2400" dirty="0">
+                <a:solidFill>
+                  <a:srgbClr val="FFFFFF"/>
+                </a:solidFill>
+                <a:latin typeface="Consolas"/>
+              </a:rPr>
+              <a:t>	</a:t>
+            </a:r>
+            <a:r>
+              <a:rPr lang="zh-CN" sz="2400" dirty="0" smtClean="0">
+                <a:solidFill>
+                  <a:srgbClr val="FFFFFF"/>
+                </a:solidFill>
+                <a:latin typeface="Consolas"/>
+              </a:rPr>
+              <a:t>//</a:t>
+            </a:r>
+            <a:r>
+              <a:rPr lang="zh-CN" sz="2400" dirty="0">
+                <a:solidFill>
+                  <a:srgbClr val="FFFFFF"/>
+                </a:solidFill>
+                <a:latin typeface="Consolas"/>
+              </a:rPr>
+              <a:t>call the quicksort method</a:t>
+            </a:r>
+            <a:endParaRPr dirty="0"/>
+          </a:p>
+          <a:p>
+            <a:pPr>
+              <a:lnSpc>
+                <a:spcPct val="100000"/>
+              </a:lnSpc>
+            </a:pPr>
+            <a:r>
+              <a:rPr lang="zh-CN" sz="2400" dirty="0" smtClean="0">
+                <a:solidFill>
+                  <a:srgbClr val="FFFFFF"/>
+                </a:solidFill>
+                <a:latin typeface="Consolas"/>
+              </a:rPr>
+              <a:t>}</a:t>
+            </a:r>
+            <a:r>
+              <a:rPr lang="en-US" altLang="zh-CN" sz="2400" dirty="0" smtClean="0">
+                <a:solidFill>
+                  <a:srgbClr val="FFFFFF"/>
+                </a:solidFill>
+                <a:latin typeface="Consolas"/>
+              </a:rPr>
+              <a:t>//end of main function</a:t>
+            </a:r>
+            <a:endParaRPr dirty="0"/>
+          </a:p>
+          <a:p>
+            <a:pPr>
+              <a:lnSpc>
+                <a:spcPct val="100000"/>
+              </a:lnSpc>
+            </a:pPr>
+            <a:endParaRPr dirty="0"/>
+          </a:p>
+        </p:txBody>
+      </p:sp>
+    </p:spTree>
+  </p:cSld>
+  <p:clrMapOvr>
+    <a:masterClrMapping/>
+  </p:clrMapOvr>
+  <p:timing>
+    <p:tnLst>
+      <p:par>
+        <p:cTn id="1" dur="indefinite" restart="never" nodeType="tmRoot">
+          <p:childTnLst>
+            <p:seq>
+              <p:cTn id="2" nodeType="mainSeq">
+                <p:childTnLst>
+                  <p:par>
+                    <p:cTn id="3"/>
+                  </p:par>
+                </p:childTnLst>
+              </p:cTn>
+              <p:prevCondLst>
+                <p:cond evt="onPrev" delay="0">
+                  <p:tgtEl>
+                    <p:sldTgt/>
+                  </p:tgtEl>
+                </p:cond>
+              </p:prevCondLst>
+              <p:nextCondLst>
+                <p:cond evt="onNext" delay="0">
+                  <p:tgtEl>
+                    <p:sldTgt/>
+                  </p:tgtEl>
+                </p:cond>
+              </p:nextCondLst>
+            </p:seq>
+          </p:childTnLst>
+        </p:cTn>
+      </p:par>
+    </p:tnLst>
+  </p:timing>
+</p:sld>
+</file>
+
+<file path=ppt/slides/slide6.xml><?xml version="1.0" encoding="utf-8"?>
 <p:sld xmlns:a="http://schemas.openxmlformats.org/drawingml/2006/main" xmlns:r="http://schemas.openxmlformats.org/officeDocument/2006/relationships" xmlns:p="http://schemas.openxmlformats.org/presentationml/2006/main">
   <p:cSld>
     <p:spTree>
